--- a/9-project/ppt/플젝 3. 인증, 허가, 세션.pptx
+++ b/9-project/ppt/플젝 3. 인증, 허가, 세션.pptx
@@ -4,6 +4,9 @@
   <p:sldMasterIdLst>
     <p:sldMasterId id="2147483648" r:id="rId1"/>
   </p:sldMasterIdLst>
+  <p:notesMasterIdLst>
+    <p:notesMasterId r:id="rId17"/>
+  </p:notesMasterIdLst>
   <p:sldIdLst>
     <p:sldId id="263" r:id="rId2"/>
     <p:sldId id="264" r:id="rId3"/>
@@ -126,6 +129,976 @@
 </p:presentation>
 </file>
 
+<file path=ppt/notesMasters/notesMaster1.xml><?xml version="1.0" encoding="utf-8"?>
+<p:notesMaster xmlns:a="http://schemas.openxmlformats.org/drawingml/2006/main" xmlns:r="http://schemas.openxmlformats.org/officeDocument/2006/relationships" xmlns:p="http://schemas.openxmlformats.org/presentationml/2006/main">
+  <p:cSld>
+    <p:bg>
+      <p:bgRef idx="1001">
+        <a:schemeClr val="bg1"/>
+      </p:bgRef>
+    </p:bg>
+    <p:spTree>
+      <p:nvGrpSpPr>
+        <p:cNvPr id="1" name=""/>
+        <p:cNvGrpSpPr/>
+        <p:nvPr/>
+      </p:nvGrpSpPr>
+      <p:grpSpPr>
+        <a:xfrm>
+          <a:off x="0" y="0"/>
+          <a:ext cx="0" cy="0"/>
+          <a:chOff x="0" y="0"/>
+          <a:chExt cx="0" cy="0"/>
+        </a:xfrm>
+      </p:grpSpPr>
+      <p:sp>
+        <p:nvSpPr>
+          <p:cNvPr id="2" name="머리글 개체 틀 1"/>
+          <p:cNvSpPr>
+            <a:spLocks noGrp="1"/>
+          </p:cNvSpPr>
+          <p:nvPr>
+            <p:ph type="hdr" sz="quarter"/>
+          </p:nvPr>
+        </p:nvSpPr>
+        <p:spPr>
+          <a:xfrm>
+            <a:off x="0" y="0"/>
+            <a:ext cx="2971800" cy="458788"/>
+          </a:xfrm>
+          <a:prstGeom prst="rect">
+            <a:avLst/>
+          </a:prstGeom>
+        </p:spPr>
+        <p:txBody>
+          <a:bodyPr vert="horz" lIns="91440" tIns="45720" rIns="91440" bIns="45720" rtlCol="0"/>
+          <a:lstStyle>
+            <a:lvl1pPr algn="l">
+              <a:defRPr sz="1200"/>
+            </a:lvl1pPr>
+          </a:lstStyle>
+          <a:p>
+            <a:endParaRPr lang="ko-KR" altLang="en-US"/>
+          </a:p>
+        </p:txBody>
+      </p:sp>
+      <p:sp>
+        <p:nvSpPr>
+          <p:cNvPr id="3" name="날짜 개체 틀 2"/>
+          <p:cNvSpPr>
+            <a:spLocks noGrp="1"/>
+          </p:cNvSpPr>
+          <p:nvPr>
+            <p:ph type="dt" idx="1"/>
+          </p:nvPr>
+        </p:nvSpPr>
+        <p:spPr>
+          <a:xfrm>
+            <a:off x="3884613" y="0"/>
+            <a:ext cx="2971800" cy="458788"/>
+          </a:xfrm>
+          <a:prstGeom prst="rect">
+            <a:avLst/>
+          </a:prstGeom>
+        </p:spPr>
+        <p:txBody>
+          <a:bodyPr vert="horz" lIns="91440" tIns="45720" rIns="91440" bIns="45720" rtlCol="0"/>
+          <a:lstStyle>
+            <a:lvl1pPr algn="r">
+              <a:defRPr sz="1200"/>
+            </a:lvl1pPr>
+          </a:lstStyle>
+          <a:p>
+            <a:fld id="{0EADE499-E720-445F-987A-3320A8968C00}" type="datetimeFigureOut">
+              <a:rPr lang="ko-KR" altLang="en-US" smtClean="0"/>
+              <a:t>2021-10-18</a:t>
+            </a:fld>
+            <a:endParaRPr lang="ko-KR" altLang="en-US"/>
+          </a:p>
+        </p:txBody>
+      </p:sp>
+      <p:sp>
+        <p:nvSpPr>
+          <p:cNvPr id="4" name="슬라이드 이미지 개체 틀 3"/>
+          <p:cNvSpPr>
+            <a:spLocks noGrp="1" noRot="1" noChangeAspect="1"/>
+          </p:cNvSpPr>
+          <p:nvPr>
+            <p:ph type="sldImg" idx="2"/>
+          </p:nvPr>
+        </p:nvSpPr>
+        <p:spPr>
+          <a:xfrm>
+            <a:off x="685800" y="1143000"/>
+            <a:ext cx="5486400" cy="3086100"/>
+          </a:xfrm>
+          <a:prstGeom prst="rect">
+            <a:avLst/>
+          </a:prstGeom>
+          <a:noFill/>
+          <a:ln w="12700">
+            <a:solidFill>
+              <a:prstClr val="black"/>
+            </a:solidFill>
+          </a:ln>
+        </p:spPr>
+        <p:txBody>
+          <a:bodyPr vert="horz" lIns="91440" tIns="45720" rIns="91440" bIns="45720" rtlCol="0" anchor="ctr"/>
+          <a:lstStyle/>
+          <a:p>
+            <a:endParaRPr lang="ko-KR" altLang="en-US"/>
+          </a:p>
+        </p:txBody>
+      </p:sp>
+      <p:sp>
+        <p:nvSpPr>
+          <p:cNvPr id="5" name="슬라이드 노트 개체 틀 4"/>
+          <p:cNvSpPr>
+            <a:spLocks noGrp="1"/>
+          </p:cNvSpPr>
+          <p:nvPr>
+            <p:ph type="body" sz="quarter" idx="3"/>
+          </p:nvPr>
+        </p:nvSpPr>
+        <p:spPr>
+          <a:xfrm>
+            <a:off x="685800" y="4400550"/>
+            <a:ext cx="5486400" cy="3600450"/>
+          </a:xfrm>
+          <a:prstGeom prst="rect">
+            <a:avLst/>
+          </a:prstGeom>
+        </p:spPr>
+        <p:txBody>
+          <a:bodyPr vert="horz" lIns="91440" tIns="45720" rIns="91440" bIns="45720" rtlCol="0"/>
+          <a:lstStyle/>
+          <a:p>
+            <a:pPr lvl="0"/>
+            <a:r>
+              <a:rPr lang="ko-KR" altLang="en-US"/>
+              <a:t>마스터 텍스트 스타일을 편집하려면 클릭</a:t>
+            </a:r>
+          </a:p>
+          <a:p>
+            <a:pPr lvl="1"/>
+            <a:r>
+              <a:rPr lang="ko-KR" altLang="en-US"/>
+              <a:t>두 번째 수준</a:t>
+            </a:r>
+          </a:p>
+          <a:p>
+            <a:pPr lvl="2"/>
+            <a:r>
+              <a:rPr lang="ko-KR" altLang="en-US"/>
+              <a:t>세 번째 수준</a:t>
+            </a:r>
+          </a:p>
+          <a:p>
+            <a:pPr lvl="3"/>
+            <a:r>
+              <a:rPr lang="ko-KR" altLang="en-US"/>
+              <a:t>네 번째 수준</a:t>
+            </a:r>
+          </a:p>
+          <a:p>
+            <a:pPr lvl="4"/>
+            <a:r>
+              <a:rPr lang="ko-KR" altLang="en-US"/>
+              <a:t>다섯 번째 수준</a:t>
+            </a:r>
+          </a:p>
+        </p:txBody>
+      </p:sp>
+      <p:sp>
+        <p:nvSpPr>
+          <p:cNvPr id="6" name="바닥글 개체 틀 5"/>
+          <p:cNvSpPr>
+            <a:spLocks noGrp="1"/>
+          </p:cNvSpPr>
+          <p:nvPr>
+            <p:ph type="ftr" sz="quarter" idx="4"/>
+          </p:nvPr>
+        </p:nvSpPr>
+        <p:spPr>
+          <a:xfrm>
+            <a:off x="0" y="8685213"/>
+            <a:ext cx="2971800" cy="458787"/>
+          </a:xfrm>
+          <a:prstGeom prst="rect">
+            <a:avLst/>
+          </a:prstGeom>
+        </p:spPr>
+        <p:txBody>
+          <a:bodyPr vert="horz" lIns="91440" tIns="45720" rIns="91440" bIns="45720" rtlCol="0" anchor="b"/>
+          <a:lstStyle>
+            <a:lvl1pPr algn="l">
+              <a:defRPr sz="1200"/>
+            </a:lvl1pPr>
+          </a:lstStyle>
+          <a:p>
+            <a:endParaRPr lang="ko-KR" altLang="en-US"/>
+          </a:p>
+        </p:txBody>
+      </p:sp>
+      <p:sp>
+        <p:nvSpPr>
+          <p:cNvPr id="7" name="슬라이드 번호 개체 틀 6"/>
+          <p:cNvSpPr>
+            <a:spLocks noGrp="1"/>
+          </p:cNvSpPr>
+          <p:nvPr>
+            <p:ph type="sldNum" sz="quarter" idx="5"/>
+          </p:nvPr>
+        </p:nvSpPr>
+        <p:spPr>
+          <a:xfrm>
+            <a:off x="3884613" y="8685213"/>
+            <a:ext cx="2971800" cy="458787"/>
+          </a:xfrm>
+          <a:prstGeom prst="rect">
+            <a:avLst/>
+          </a:prstGeom>
+        </p:spPr>
+        <p:txBody>
+          <a:bodyPr vert="horz" lIns="91440" tIns="45720" rIns="91440" bIns="45720" rtlCol="0" anchor="b"/>
+          <a:lstStyle>
+            <a:lvl1pPr algn="r">
+              <a:defRPr sz="1200"/>
+            </a:lvl1pPr>
+          </a:lstStyle>
+          <a:p>
+            <a:fld id="{0D3D495C-6DDB-477A-A2FE-9218FE50FF44}" type="slidenum">
+              <a:rPr lang="ko-KR" altLang="en-US" smtClean="0"/>
+              <a:t>‹#›</a:t>
+            </a:fld>
+            <a:endParaRPr lang="ko-KR" altLang="en-US"/>
+          </a:p>
+        </p:txBody>
+      </p:sp>
+    </p:spTree>
+    <p:extLst>
+      <p:ext uri="{BB962C8B-B14F-4D97-AF65-F5344CB8AC3E}">
+        <p14:creationId xmlns:p14="http://schemas.microsoft.com/office/powerpoint/2010/main" val="594662330"/>
+      </p:ext>
+    </p:extLst>
+  </p:cSld>
+  <p:clrMap bg1="lt1" tx1="dk1" bg2="lt2" tx2="dk2" accent1="accent1" accent2="accent2" accent3="accent3" accent4="accent4" accent5="accent5" accent6="accent6" hlink="hlink" folHlink="folHlink"/>
+  <p:notesStyle>
+    <a:lvl1pPr marL="0" algn="l" defTabSz="914400" rtl="0" eaLnBrk="1" latinLnBrk="1" hangingPunct="1">
+      <a:defRPr sz="1200" kern="1200">
+        <a:solidFill>
+          <a:schemeClr val="tx1"/>
+        </a:solidFill>
+        <a:latin typeface="+mn-lt"/>
+        <a:ea typeface="+mn-ea"/>
+        <a:cs typeface="+mn-cs"/>
+      </a:defRPr>
+    </a:lvl1pPr>
+    <a:lvl2pPr marL="457200" algn="l" defTabSz="914400" rtl="0" eaLnBrk="1" latinLnBrk="1" hangingPunct="1">
+      <a:defRPr sz="1200" kern="1200">
+        <a:solidFill>
+          <a:schemeClr val="tx1"/>
+        </a:solidFill>
+        <a:latin typeface="+mn-lt"/>
+        <a:ea typeface="+mn-ea"/>
+        <a:cs typeface="+mn-cs"/>
+      </a:defRPr>
+    </a:lvl2pPr>
+    <a:lvl3pPr marL="914400" algn="l" defTabSz="914400" rtl="0" eaLnBrk="1" latinLnBrk="1" hangingPunct="1">
+      <a:defRPr sz="1200" kern="1200">
+        <a:solidFill>
+          <a:schemeClr val="tx1"/>
+        </a:solidFill>
+        <a:latin typeface="+mn-lt"/>
+        <a:ea typeface="+mn-ea"/>
+        <a:cs typeface="+mn-cs"/>
+      </a:defRPr>
+    </a:lvl3pPr>
+    <a:lvl4pPr marL="1371600" algn="l" defTabSz="914400" rtl="0" eaLnBrk="1" latinLnBrk="1" hangingPunct="1">
+      <a:defRPr sz="1200" kern="1200">
+        <a:solidFill>
+          <a:schemeClr val="tx1"/>
+        </a:solidFill>
+        <a:latin typeface="+mn-lt"/>
+        <a:ea typeface="+mn-ea"/>
+        <a:cs typeface="+mn-cs"/>
+      </a:defRPr>
+    </a:lvl4pPr>
+    <a:lvl5pPr marL="1828800" algn="l" defTabSz="914400" rtl="0" eaLnBrk="1" latinLnBrk="1" hangingPunct="1">
+      <a:defRPr sz="1200" kern="1200">
+        <a:solidFill>
+          <a:schemeClr val="tx1"/>
+        </a:solidFill>
+        <a:latin typeface="+mn-lt"/>
+        <a:ea typeface="+mn-ea"/>
+        <a:cs typeface="+mn-cs"/>
+      </a:defRPr>
+    </a:lvl5pPr>
+    <a:lvl6pPr marL="2286000" algn="l" defTabSz="914400" rtl="0" eaLnBrk="1" latinLnBrk="1" hangingPunct="1">
+      <a:defRPr sz="1200" kern="1200">
+        <a:solidFill>
+          <a:schemeClr val="tx1"/>
+        </a:solidFill>
+        <a:latin typeface="+mn-lt"/>
+        <a:ea typeface="+mn-ea"/>
+        <a:cs typeface="+mn-cs"/>
+      </a:defRPr>
+    </a:lvl6pPr>
+    <a:lvl7pPr marL="2743200" algn="l" defTabSz="914400" rtl="0" eaLnBrk="1" latinLnBrk="1" hangingPunct="1">
+      <a:defRPr sz="1200" kern="1200">
+        <a:solidFill>
+          <a:schemeClr val="tx1"/>
+        </a:solidFill>
+        <a:latin typeface="+mn-lt"/>
+        <a:ea typeface="+mn-ea"/>
+        <a:cs typeface="+mn-cs"/>
+      </a:defRPr>
+    </a:lvl7pPr>
+    <a:lvl8pPr marL="3200400" algn="l" defTabSz="914400" rtl="0" eaLnBrk="1" latinLnBrk="1" hangingPunct="1">
+      <a:defRPr sz="1200" kern="1200">
+        <a:solidFill>
+          <a:schemeClr val="tx1"/>
+        </a:solidFill>
+        <a:latin typeface="+mn-lt"/>
+        <a:ea typeface="+mn-ea"/>
+        <a:cs typeface="+mn-cs"/>
+      </a:defRPr>
+    </a:lvl8pPr>
+    <a:lvl9pPr marL="3657600" algn="l" defTabSz="914400" rtl="0" eaLnBrk="1" latinLnBrk="1" hangingPunct="1">
+      <a:defRPr sz="1200" kern="1200">
+        <a:solidFill>
+          <a:schemeClr val="tx1"/>
+        </a:solidFill>
+        <a:latin typeface="+mn-lt"/>
+        <a:ea typeface="+mn-ea"/>
+        <a:cs typeface="+mn-cs"/>
+      </a:defRPr>
+    </a:lvl9pPr>
+  </p:notesStyle>
+</p:notesMaster>
+</file>
+
+<file path=ppt/notesSlides/notesSlide1.xml><?xml version="1.0" encoding="utf-8"?>
+<p:notes xmlns:a="http://schemas.openxmlformats.org/drawingml/2006/main" xmlns:r="http://schemas.openxmlformats.org/officeDocument/2006/relationships" xmlns:p="http://schemas.openxmlformats.org/presentationml/2006/main">
+  <p:cSld>
+    <p:spTree>
+      <p:nvGrpSpPr>
+        <p:cNvPr id="1" name=""/>
+        <p:cNvGrpSpPr/>
+        <p:nvPr/>
+      </p:nvGrpSpPr>
+      <p:grpSpPr>
+        <a:xfrm>
+          <a:off x="0" y="0"/>
+          <a:ext cx="0" cy="0"/>
+          <a:chOff x="0" y="0"/>
+          <a:chExt cx="0" cy="0"/>
+        </a:xfrm>
+      </p:grpSpPr>
+      <p:sp>
+        <p:nvSpPr>
+          <p:cNvPr id="2" name="슬라이드 이미지 개체 틀 1"/>
+          <p:cNvSpPr>
+            <a:spLocks noGrp="1" noRot="1" noChangeAspect="1"/>
+          </p:cNvSpPr>
+          <p:nvPr>
+            <p:ph type="sldImg"/>
+          </p:nvPr>
+        </p:nvSpPr>
+        <p:spPr/>
+      </p:sp>
+      <p:sp>
+        <p:nvSpPr>
+          <p:cNvPr id="3" name="슬라이드 노트 개체 틀 2"/>
+          <p:cNvSpPr>
+            <a:spLocks noGrp="1"/>
+          </p:cNvSpPr>
+          <p:nvPr>
+            <p:ph type="body" idx="1"/>
+          </p:nvPr>
+        </p:nvSpPr>
+        <p:spPr/>
+        <p:txBody>
+          <a:bodyPr/>
+          <a:lstStyle/>
+          <a:p>
+            <a:endParaRPr lang="ko-KR" altLang="en-US" dirty="0"/>
+          </a:p>
+        </p:txBody>
+      </p:sp>
+      <p:sp>
+        <p:nvSpPr>
+          <p:cNvPr id="4" name="슬라이드 번호 개체 틀 3"/>
+          <p:cNvSpPr>
+            <a:spLocks noGrp="1"/>
+          </p:cNvSpPr>
+          <p:nvPr>
+            <p:ph type="sldNum" sz="quarter" idx="5"/>
+          </p:nvPr>
+        </p:nvSpPr>
+        <p:spPr/>
+        <p:txBody>
+          <a:bodyPr/>
+          <a:lstStyle/>
+          <a:p>
+            <a:fld id="{0D3D495C-6DDB-477A-A2FE-9218FE50FF44}" type="slidenum">
+              <a:rPr lang="ko-KR" altLang="en-US" smtClean="0"/>
+              <a:t>3</a:t>
+            </a:fld>
+            <a:endParaRPr lang="ko-KR" altLang="en-US"/>
+          </a:p>
+        </p:txBody>
+      </p:sp>
+    </p:spTree>
+    <p:extLst>
+      <p:ext uri="{BB962C8B-B14F-4D97-AF65-F5344CB8AC3E}">
+        <p14:creationId xmlns:p14="http://schemas.microsoft.com/office/powerpoint/2010/main" val="2014743568"/>
+      </p:ext>
+    </p:extLst>
+  </p:cSld>
+  <p:clrMapOvr>
+    <a:masterClrMapping/>
+  </p:clrMapOvr>
+</p:notes>
+</file>
+
+<file path=ppt/notesSlides/notesSlide2.xml><?xml version="1.0" encoding="utf-8"?>
+<p:notes xmlns:a="http://schemas.openxmlformats.org/drawingml/2006/main" xmlns:r="http://schemas.openxmlformats.org/officeDocument/2006/relationships" xmlns:p="http://schemas.openxmlformats.org/presentationml/2006/main">
+  <p:cSld>
+    <p:spTree>
+      <p:nvGrpSpPr>
+        <p:cNvPr id="1" name=""/>
+        <p:cNvGrpSpPr/>
+        <p:nvPr/>
+      </p:nvGrpSpPr>
+      <p:grpSpPr>
+        <a:xfrm>
+          <a:off x="0" y="0"/>
+          <a:ext cx="0" cy="0"/>
+          <a:chOff x="0" y="0"/>
+          <a:chExt cx="0" cy="0"/>
+        </a:xfrm>
+      </p:grpSpPr>
+      <p:sp>
+        <p:nvSpPr>
+          <p:cNvPr id="2" name="슬라이드 이미지 개체 틀 1"/>
+          <p:cNvSpPr>
+            <a:spLocks noGrp="1" noRot="1" noChangeAspect="1"/>
+          </p:cNvSpPr>
+          <p:nvPr>
+            <p:ph type="sldImg"/>
+          </p:nvPr>
+        </p:nvSpPr>
+        <p:spPr/>
+      </p:sp>
+      <p:sp>
+        <p:nvSpPr>
+          <p:cNvPr id="3" name="슬라이드 노트 개체 틀 2"/>
+          <p:cNvSpPr>
+            <a:spLocks noGrp="1"/>
+          </p:cNvSpPr>
+          <p:nvPr>
+            <p:ph type="body" idx="1"/>
+          </p:nvPr>
+        </p:nvSpPr>
+        <p:spPr/>
+        <p:txBody>
+          <a:bodyPr/>
+          <a:lstStyle/>
+          <a:p>
+            <a:r>
+              <a:rPr lang="ko-KR" altLang="en-US" dirty="0"/>
+              <a:t>웹에서 접근하는 방법 </a:t>
+            </a:r>
+            <a:r>
+              <a:rPr lang="en-US" altLang="ko-KR" dirty="0"/>
+              <a:t>(Jason Web Token)  </a:t>
+            </a:r>
+          </a:p>
+          <a:p>
+            <a:r>
+              <a:rPr lang="en-US" altLang="ko-KR" dirty="0"/>
+              <a:t>     =&gt; </a:t>
+            </a:r>
+            <a:r>
+              <a:rPr lang="ko-KR" altLang="en-US" dirty="0"/>
+              <a:t>토큰 자체에 사용자 정보가 들어있음</a:t>
+            </a:r>
+            <a:endParaRPr lang="en-US" altLang="ko-KR" dirty="0"/>
+          </a:p>
+          <a:p>
+            <a:endParaRPr lang="en-US" altLang="ko-KR" dirty="0"/>
+          </a:p>
+          <a:p>
+            <a:r>
+              <a:rPr lang="en-US" altLang="ko-KR" dirty="0"/>
+              <a:t>- HEADER – </a:t>
+            </a:r>
+            <a:r>
+              <a:rPr lang="ko-KR" altLang="en-US" dirty="0"/>
+              <a:t>언제나 고정</a:t>
+            </a:r>
+            <a:endParaRPr lang="en-US" altLang="ko-KR" dirty="0"/>
+          </a:p>
+          <a:p>
+            <a:r>
+              <a:rPr lang="en-US" altLang="ko-KR" dirty="0"/>
+              <a:t>- PAYLOAD </a:t>
+            </a:r>
+            <a:r>
+              <a:rPr lang="ko-KR" altLang="en-US" dirty="0"/>
+              <a:t>데이터 </a:t>
+            </a:r>
+            <a:r>
+              <a:rPr lang="en-US" altLang="ko-KR" dirty="0"/>
+              <a:t>– </a:t>
+            </a:r>
+            <a:r>
+              <a:rPr lang="ko-KR" altLang="en-US" dirty="0"/>
+              <a:t>누가 생성했는지</a:t>
+            </a:r>
+            <a:r>
+              <a:rPr lang="en-US" altLang="ko-KR" dirty="0"/>
+              <a:t>, </a:t>
+            </a:r>
+            <a:r>
+              <a:rPr lang="ko-KR" altLang="en-US" dirty="0"/>
+              <a:t>만료일</a:t>
+            </a:r>
+            <a:r>
+              <a:rPr lang="en-US" altLang="ko-KR" dirty="0"/>
+              <a:t>, </a:t>
+            </a:r>
+            <a:r>
+              <a:rPr lang="ko-KR" altLang="en-US" dirty="0" err="1"/>
+              <a:t>유저네임</a:t>
+            </a:r>
+            <a:r>
+              <a:rPr lang="en-US" altLang="ko-KR" dirty="0"/>
+              <a:t>, </a:t>
+            </a:r>
+            <a:r>
+              <a:rPr lang="ko-KR" altLang="en-US" dirty="0"/>
+              <a:t>나이 등등 </a:t>
+            </a:r>
+            <a:r>
+              <a:rPr lang="en-US" altLang="ko-KR" dirty="0"/>
+              <a:t>(</a:t>
+            </a:r>
+            <a:r>
+              <a:rPr lang="ko-KR" altLang="en-US" dirty="0"/>
+              <a:t>추가 삭제 가능</a:t>
+            </a:r>
+            <a:r>
+              <a:rPr lang="en-US" altLang="ko-KR" dirty="0"/>
+              <a:t>)</a:t>
+            </a:r>
+          </a:p>
+          <a:p>
+            <a:r>
+              <a:rPr lang="en-US" altLang="ko-KR" dirty="0"/>
+              <a:t>- Verify Signature (</a:t>
+            </a:r>
+            <a:r>
+              <a:rPr lang="ko-KR" altLang="en-US" dirty="0"/>
+              <a:t>검증키</a:t>
+            </a:r>
+            <a:r>
+              <a:rPr lang="en-US" altLang="ko-KR" dirty="0"/>
+              <a:t>)  :  Base64</a:t>
+            </a:r>
+            <a:r>
+              <a:rPr lang="ko-KR" altLang="en-US" dirty="0"/>
+              <a:t> 로 검증정보를 인코딩</a:t>
+            </a:r>
+            <a:r>
+              <a:rPr lang="en-US" altLang="ko-KR" dirty="0"/>
+              <a:t>, </a:t>
+            </a:r>
+            <a:r>
+              <a:rPr lang="ko-KR" altLang="en-US" dirty="0"/>
+              <a:t>토큰 생성  </a:t>
+            </a:r>
+            <a:r>
+              <a:rPr lang="en-US" altLang="ko-KR" dirty="0"/>
+              <a:t>JSON -&gt; Base64</a:t>
+            </a:r>
+          </a:p>
+          <a:p>
+            <a:endParaRPr lang="en-US" altLang="ko-KR" dirty="0"/>
+          </a:p>
+          <a:p>
+            <a:r>
+              <a:rPr lang="en-US" altLang="ko-KR" dirty="0"/>
+              <a:t>** </a:t>
+            </a:r>
+            <a:r>
+              <a:rPr lang="ko-KR" altLang="en-US" dirty="0"/>
+              <a:t>웹에서 </a:t>
+            </a:r>
+            <a:r>
+              <a:rPr lang="en-US" altLang="ko-KR" dirty="0"/>
+              <a:t>Base64 </a:t>
+            </a:r>
+            <a:r>
+              <a:rPr lang="ko-KR" altLang="en-US" dirty="0"/>
+              <a:t>검증키만 가져가면 바로 보안이 풀림 </a:t>
+            </a:r>
+            <a:r>
+              <a:rPr lang="en-US" altLang="ko-KR" dirty="0"/>
+              <a:t>, </a:t>
+            </a:r>
+            <a:r>
+              <a:rPr lang="ko-KR" altLang="en-US" dirty="0"/>
+              <a:t>그래서 마지막에 검증 절치를 추가</a:t>
+            </a:r>
+            <a:endParaRPr lang="en-US" altLang="ko-KR" dirty="0"/>
+          </a:p>
+          <a:p>
+            <a:r>
+              <a:rPr lang="ko-KR" altLang="en-US" dirty="0"/>
+              <a:t>클라이언트에서 </a:t>
+            </a:r>
+            <a:r>
+              <a:rPr lang="ko-KR" altLang="en-US" dirty="0" err="1"/>
+              <a:t>넘어온것은</a:t>
+            </a:r>
+            <a:r>
+              <a:rPr lang="ko-KR" altLang="en-US" dirty="0"/>
+              <a:t> 무조건 검증까지 해야함</a:t>
+            </a:r>
+            <a:endParaRPr lang="en-US" altLang="ko-KR" dirty="0"/>
+          </a:p>
+          <a:p>
+            <a:endParaRPr lang="en-US" altLang="ko-KR" dirty="0"/>
+          </a:p>
+          <a:p>
+            <a:r>
+              <a:rPr lang="ko-KR" altLang="en-US" dirty="0"/>
+              <a:t>검증 절차를 거치면 권한에 맞는 접근 허용 </a:t>
+            </a:r>
+            <a:r>
+              <a:rPr lang="en-US" altLang="ko-KR" dirty="0"/>
+              <a:t>(</a:t>
+            </a:r>
+            <a:r>
+              <a:rPr lang="ko-KR" altLang="en-US" dirty="0"/>
+              <a:t>사진 접근 허용</a:t>
+            </a:r>
+            <a:r>
+              <a:rPr lang="en-US" altLang="ko-KR" dirty="0"/>
+              <a:t>, </a:t>
+            </a:r>
+            <a:r>
+              <a:rPr lang="ko-KR" altLang="en-US" dirty="0"/>
+              <a:t>연락처 접근 허용 등등</a:t>
+            </a:r>
+            <a:r>
+              <a:rPr lang="en-US" altLang="ko-KR" dirty="0"/>
+              <a:t>)</a:t>
+            </a:r>
+            <a:endParaRPr lang="ko-KR" altLang="en-US" dirty="0"/>
+          </a:p>
+        </p:txBody>
+      </p:sp>
+      <p:sp>
+        <p:nvSpPr>
+          <p:cNvPr id="4" name="슬라이드 번호 개체 틀 3"/>
+          <p:cNvSpPr>
+            <a:spLocks noGrp="1"/>
+          </p:cNvSpPr>
+          <p:nvPr>
+            <p:ph type="sldNum" sz="quarter" idx="5"/>
+          </p:nvPr>
+        </p:nvSpPr>
+        <p:spPr/>
+        <p:txBody>
+          <a:bodyPr/>
+          <a:lstStyle/>
+          <a:p>
+            <a:fld id="{0D3D495C-6DDB-477A-A2FE-9218FE50FF44}" type="slidenum">
+              <a:rPr lang="ko-KR" altLang="en-US" smtClean="0"/>
+              <a:t>4</a:t>
+            </a:fld>
+            <a:endParaRPr lang="ko-KR" altLang="en-US"/>
+          </a:p>
+        </p:txBody>
+      </p:sp>
+    </p:spTree>
+    <p:extLst>
+      <p:ext uri="{BB962C8B-B14F-4D97-AF65-F5344CB8AC3E}">
+        <p14:creationId xmlns:p14="http://schemas.microsoft.com/office/powerpoint/2010/main" val="3815126270"/>
+      </p:ext>
+    </p:extLst>
+  </p:cSld>
+  <p:clrMapOvr>
+    <a:masterClrMapping/>
+  </p:clrMapOvr>
+</p:notes>
+</file>
+
+<file path=ppt/notesSlides/notesSlide3.xml><?xml version="1.0" encoding="utf-8"?>
+<p:notes xmlns:a="http://schemas.openxmlformats.org/drawingml/2006/main" xmlns:r="http://schemas.openxmlformats.org/officeDocument/2006/relationships" xmlns:p="http://schemas.openxmlformats.org/presentationml/2006/main">
+  <p:cSld>
+    <p:spTree>
+      <p:nvGrpSpPr>
+        <p:cNvPr id="1" name=""/>
+        <p:cNvGrpSpPr/>
+        <p:nvPr/>
+      </p:nvGrpSpPr>
+      <p:grpSpPr>
+        <a:xfrm>
+          <a:off x="0" y="0"/>
+          <a:ext cx="0" cy="0"/>
+          <a:chOff x="0" y="0"/>
+          <a:chExt cx="0" cy="0"/>
+        </a:xfrm>
+      </p:grpSpPr>
+      <p:sp>
+        <p:nvSpPr>
+          <p:cNvPr id="2" name="슬라이드 이미지 개체 틀 1"/>
+          <p:cNvSpPr>
+            <a:spLocks noGrp="1" noRot="1" noChangeAspect="1"/>
+          </p:cNvSpPr>
+          <p:nvPr>
+            <p:ph type="sldImg"/>
+          </p:nvPr>
+        </p:nvSpPr>
+        <p:spPr/>
+      </p:sp>
+      <p:sp>
+        <p:nvSpPr>
+          <p:cNvPr id="3" name="슬라이드 노트 개체 틀 2"/>
+          <p:cNvSpPr>
+            <a:spLocks noGrp="1"/>
+          </p:cNvSpPr>
+          <p:nvPr>
+            <p:ph type="body" idx="1"/>
+          </p:nvPr>
+        </p:nvSpPr>
+        <p:spPr/>
+        <p:txBody>
+          <a:bodyPr/>
+          <a:lstStyle/>
+          <a:p>
+            <a:r>
+              <a:rPr lang="en-US" altLang="ko-KR" dirty="0"/>
+              <a:t>Session</a:t>
+            </a:r>
+          </a:p>
+          <a:p>
+            <a:r>
+              <a:rPr lang="en-US" altLang="ko-KR" dirty="0"/>
+              <a:t>  - </a:t>
+            </a:r>
+            <a:r>
+              <a:rPr lang="ko-KR" altLang="en-US" dirty="0"/>
+              <a:t>세션에서 정보 통제 가능</a:t>
+            </a:r>
+            <a:endParaRPr lang="en-US" altLang="ko-KR" dirty="0"/>
+          </a:p>
+          <a:p>
+            <a:r>
+              <a:rPr lang="en-US" altLang="ko-KR" dirty="0"/>
+              <a:t>  - </a:t>
+            </a:r>
+            <a:r>
+              <a:rPr lang="ko-KR" altLang="en-US" dirty="0"/>
+              <a:t>동시 접근제한 처리를 해야 하는 경우</a:t>
+            </a:r>
+            <a:endParaRPr lang="en-US" altLang="ko-KR" dirty="0"/>
+          </a:p>
+          <a:p>
+            <a:r>
+              <a:rPr lang="en-US" altLang="ko-KR" dirty="0"/>
+              <a:t>  - </a:t>
+            </a:r>
+            <a:r>
+              <a:rPr lang="ko-KR" altLang="en-US" dirty="0"/>
+              <a:t>일반적인 서비스는 이것을 사용함</a:t>
+            </a:r>
+            <a:endParaRPr lang="en-US" altLang="ko-KR" dirty="0"/>
+          </a:p>
+          <a:p>
+            <a:r>
+              <a:rPr lang="en-US" altLang="ko-KR" dirty="0"/>
+              <a:t>  - </a:t>
+            </a:r>
+            <a:r>
+              <a:rPr lang="ko-KR" altLang="en-US" dirty="0"/>
+              <a:t>동시 접속하면 메일이나 인증처리로 동시접근을 제어함</a:t>
+            </a:r>
+            <a:endParaRPr lang="en-US" altLang="ko-KR" dirty="0"/>
+          </a:p>
+          <a:p>
+            <a:endParaRPr lang="en-US" altLang="ko-KR" dirty="0"/>
+          </a:p>
+          <a:p>
+            <a:endParaRPr lang="en-US" altLang="ko-KR" dirty="0"/>
+          </a:p>
+          <a:p>
+            <a:r>
+              <a:rPr lang="en-US" altLang="ko-KR" dirty="0"/>
+              <a:t>JWT</a:t>
+            </a:r>
+          </a:p>
+          <a:p>
+            <a:r>
+              <a:rPr lang="en-US" altLang="ko-KR" dirty="0"/>
+              <a:t>  - </a:t>
+            </a:r>
+            <a:r>
+              <a:rPr lang="ko-KR" altLang="en-US" dirty="0"/>
+              <a:t>검증키에 정보가 모두 들어있음</a:t>
+            </a:r>
+            <a:endParaRPr lang="en-US" altLang="ko-KR" dirty="0"/>
+          </a:p>
+          <a:p>
+            <a:r>
+              <a:rPr lang="en-US" altLang="ko-KR" dirty="0"/>
+              <a:t>  - </a:t>
+            </a:r>
+            <a:r>
+              <a:rPr lang="ko-KR" altLang="en-US" dirty="0"/>
+              <a:t>확장성이 좋다 </a:t>
+            </a:r>
+            <a:r>
+              <a:rPr lang="en-US" altLang="ko-KR" dirty="0"/>
+              <a:t>, </a:t>
+            </a:r>
+            <a:r>
+              <a:rPr lang="ko-KR" altLang="en-US" dirty="0"/>
+              <a:t>웹에서 모두 처리함</a:t>
+            </a:r>
+            <a:endParaRPr lang="en-US" altLang="ko-KR" dirty="0"/>
+          </a:p>
+          <a:p>
+            <a:r>
+              <a:rPr lang="en-US" altLang="ko-KR" dirty="0"/>
+              <a:t>  - </a:t>
+            </a:r>
+            <a:r>
+              <a:rPr lang="ko-KR" altLang="en-US" dirty="0"/>
+              <a:t>데이터베이스에 접근하지 않음</a:t>
+            </a:r>
+            <a:r>
+              <a:rPr lang="en-US" altLang="ko-KR" dirty="0"/>
+              <a:t>, </a:t>
+            </a:r>
+            <a:r>
+              <a:rPr lang="ko-KR" altLang="en-US" dirty="0"/>
+              <a:t>하지만 많아지면 서버에 부하가 올 수 있음</a:t>
+            </a:r>
+            <a:endParaRPr lang="en-US" altLang="ko-KR" dirty="0"/>
+          </a:p>
+          <a:p>
+            <a:r>
+              <a:rPr lang="en-US" altLang="ko-KR" dirty="0"/>
+              <a:t>  - </a:t>
+            </a:r>
+            <a:r>
+              <a:rPr lang="ko-KR" altLang="en-US" dirty="0"/>
+              <a:t>보안적으로 민감한 정보는 노출시키면 안됨</a:t>
+            </a:r>
+            <a:endParaRPr lang="en-US" altLang="ko-KR" dirty="0"/>
+          </a:p>
+          <a:p>
+            <a:r>
+              <a:rPr lang="en-US" altLang="ko-KR" dirty="0"/>
+              <a:t>  - </a:t>
+            </a:r>
+            <a:r>
+              <a:rPr lang="ko-KR" altLang="en-US" dirty="0"/>
+              <a:t>동일한 </a:t>
+            </a:r>
+            <a:r>
+              <a:rPr lang="ko-KR" altLang="en-US" dirty="0" err="1"/>
+              <a:t>키토큰이</a:t>
+            </a:r>
+            <a:r>
+              <a:rPr lang="ko-KR" altLang="en-US" dirty="0"/>
+              <a:t> 동시 접속인이 아닌지 알 수가 없음 </a:t>
+            </a:r>
+            <a:endParaRPr lang="en-US" altLang="ko-KR" dirty="0"/>
+          </a:p>
+          <a:p>
+            <a:r>
+              <a:rPr lang="en-US" altLang="ko-KR" dirty="0"/>
+              <a:t>  - </a:t>
+            </a:r>
+            <a:r>
+              <a:rPr lang="ko-KR" altLang="en-US" dirty="0"/>
+              <a:t>세션 아이디를 서버에 </a:t>
+            </a:r>
+            <a:r>
+              <a:rPr lang="ko-KR" altLang="en-US"/>
+              <a:t>갖고있음</a:t>
+            </a:r>
+            <a:endParaRPr lang="en-US" altLang="ko-KR" dirty="0"/>
+          </a:p>
+          <a:p>
+            <a:endParaRPr lang="en-US" altLang="ko-KR" dirty="0"/>
+          </a:p>
+          <a:p>
+            <a:endParaRPr lang="en-US" altLang="ko-KR" dirty="0"/>
+          </a:p>
+          <a:p>
+            <a:r>
+              <a:rPr lang="en-US" altLang="ko-KR" dirty="0"/>
+              <a:t>** </a:t>
+            </a:r>
+            <a:r>
+              <a:rPr lang="ko-KR" altLang="en-US" dirty="0"/>
+              <a:t>개발자 툴에서 </a:t>
+            </a:r>
+            <a:r>
+              <a:rPr lang="en-US" altLang="ko-KR" dirty="0"/>
+              <a:t>application </a:t>
+            </a:r>
+            <a:r>
+              <a:rPr lang="ko-KR" altLang="en-US" dirty="0"/>
+              <a:t>들어가면 알 수 있음</a:t>
+            </a:r>
+            <a:endParaRPr lang="en-US" altLang="ko-KR" dirty="0"/>
+          </a:p>
+        </p:txBody>
+      </p:sp>
+      <p:sp>
+        <p:nvSpPr>
+          <p:cNvPr id="4" name="슬라이드 번호 개체 틀 3"/>
+          <p:cNvSpPr>
+            <a:spLocks noGrp="1"/>
+          </p:cNvSpPr>
+          <p:nvPr>
+            <p:ph type="sldNum" sz="quarter" idx="5"/>
+          </p:nvPr>
+        </p:nvSpPr>
+        <p:spPr/>
+        <p:txBody>
+          <a:bodyPr/>
+          <a:lstStyle/>
+          <a:p>
+            <a:fld id="{0D3D495C-6DDB-477A-A2FE-9218FE50FF44}" type="slidenum">
+              <a:rPr lang="ko-KR" altLang="en-US" smtClean="0"/>
+              <a:t>5</a:t>
+            </a:fld>
+            <a:endParaRPr lang="ko-KR" altLang="en-US"/>
+          </a:p>
+        </p:txBody>
+      </p:sp>
+    </p:spTree>
+    <p:extLst>
+      <p:ext uri="{BB962C8B-B14F-4D97-AF65-F5344CB8AC3E}">
+        <p14:creationId xmlns:p14="http://schemas.microsoft.com/office/powerpoint/2010/main" val="165907756"/>
+      </p:ext>
+    </p:extLst>
+  </p:cSld>
+  <p:clrMapOvr>
+    <a:masterClrMapping/>
+  </p:clrMapOvr>
+</p:notes>
+</file>
+
 <file path=ppt/slideLayouts/slideLayout1.xml><?xml version="1.0" encoding="utf-8"?>
 <p:sldLayout xmlns:a="http://schemas.openxmlformats.org/drawingml/2006/main" xmlns:r="http://schemas.openxmlformats.org/officeDocument/2006/relationships" xmlns:p="http://schemas.openxmlformats.org/presentationml/2006/main" type="title" preserve="1">
   <p:cSld name="제목 슬라이드">
@@ -273,7 +1246,7 @@
           <a:p>
             <a:fld id="{BE385318-83E2-4817-A0DC-E225F8203930}" type="datetimeFigureOut">
               <a:rPr lang="ko-KR" altLang="en-US" smtClean="0"/>
-              <a:t>2021-10-15</a:t>
+              <a:t>2021-10-18</a:t>
             </a:fld>
             <a:endParaRPr lang="ko-KR" altLang="en-US"/>
           </a:p>
@@ -471,7 +1444,7 @@
           <a:p>
             <a:fld id="{BE385318-83E2-4817-A0DC-E225F8203930}" type="datetimeFigureOut">
               <a:rPr lang="ko-KR" altLang="en-US" smtClean="0"/>
-              <a:t>2021-10-15</a:t>
+              <a:t>2021-10-18</a:t>
             </a:fld>
             <a:endParaRPr lang="ko-KR" altLang="en-US"/>
           </a:p>
@@ -679,7 +1652,7 @@
           <a:p>
             <a:fld id="{BE385318-83E2-4817-A0DC-E225F8203930}" type="datetimeFigureOut">
               <a:rPr lang="ko-KR" altLang="en-US" smtClean="0"/>
-              <a:t>2021-10-15</a:t>
+              <a:t>2021-10-18</a:t>
             </a:fld>
             <a:endParaRPr lang="ko-KR" altLang="en-US"/>
           </a:p>
@@ -877,7 +1850,7 @@
           <a:p>
             <a:fld id="{BE385318-83E2-4817-A0DC-E225F8203930}" type="datetimeFigureOut">
               <a:rPr lang="ko-KR" altLang="en-US" smtClean="0"/>
-              <a:t>2021-10-15</a:t>
+              <a:t>2021-10-18</a:t>
             </a:fld>
             <a:endParaRPr lang="ko-KR" altLang="en-US"/>
           </a:p>
@@ -1152,7 +2125,7 @@
           <a:p>
             <a:fld id="{BE385318-83E2-4817-A0DC-E225F8203930}" type="datetimeFigureOut">
               <a:rPr lang="ko-KR" altLang="en-US" smtClean="0"/>
-              <a:t>2021-10-15</a:t>
+              <a:t>2021-10-18</a:t>
             </a:fld>
             <a:endParaRPr lang="ko-KR" altLang="en-US"/>
           </a:p>
@@ -1417,7 +2390,7 @@
           <a:p>
             <a:fld id="{BE385318-83E2-4817-A0DC-E225F8203930}" type="datetimeFigureOut">
               <a:rPr lang="ko-KR" altLang="en-US" smtClean="0"/>
-              <a:t>2021-10-15</a:t>
+              <a:t>2021-10-18</a:t>
             </a:fld>
             <a:endParaRPr lang="ko-KR" altLang="en-US"/>
           </a:p>
@@ -1829,7 +2802,7 @@
           <a:p>
             <a:fld id="{BE385318-83E2-4817-A0DC-E225F8203930}" type="datetimeFigureOut">
               <a:rPr lang="ko-KR" altLang="en-US" smtClean="0"/>
-              <a:t>2021-10-15</a:t>
+              <a:t>2021-10-18</a:t>
             </a:fld>
             <a:endParaRPr lang="ko-KR" altLang="en-US"/>
           </a:p>
@@ -1970,7 +2943,7 @@
           <a:p>
             <a:fld id="{BE385318-83E2-4817-A0DC-E225F8203930}" type="datetimeFigureOut">
               <a:rPr lang="ko-KR" altLang="en-US" smtClean="0"/>
-              <a:t>2021-10-15</a:t>
+              <a:t>2021-10-18</a:t>
             </a:fld>
             <a:endParaRPr lang="ko-KR" altLang="en-US"/>
           </a:p>
@@ -2083,7 +3056,7 @@
           <a:p>
             <a:fld id="{BE385318-83E2-4817-A0DC-E225F8203930}" type="datetimeFigureOut">
               <a:rPr lang="ko-KR" altLang="en-US" smtClean="0"/>
-              <a:t>2021-10-15</a:t>
+              <a:t>2021-10-18</a:t>
             </a:fld>
             <a:endParaRPr lang="ko-KR" altLang="en-US"/>
           </a:p>
@@ -2394,7 +3367,7 @@
           <a:p>
             <a:fld id="{BE385318-83E2-4817-A0DC-E225F8203930}" type="datetimeFigureOut">
               <a:rPr lang="ko-KR" altLang="en-US" smtClean="0"/>
-              <a:t>2021-10-15</a:t>
+              <a:t>2021-10-18</a:t>
             </a:fld>
             <a:endParaRPr lang="ko-KR" altLang="en-US"/>
           </a:p>
@@ -2682,7 +3655,7 @@
           <a:p>
             <a:fld id="{BE385318-83E2-4817-A0DC-E225F8203930}" type="datetimeFigureOut">
               <a:rPr lang="ko-KR" altLang="en-US" smtClean="0"/>
-              <a:t>2021-10-15</a:t>
+              <a:t>2021-10-18</a:t>
             </a:fld>
             <a:endParaRPr lang="ko-KR" altLang="en-US"/>
           </a:p>
@@ -2923,7 +3896,7 @@
           <a:p>
             <a:fld id="{BE385318-83E2-4817-A0DC-E225F8203930}" type="datetimeFigureOut">
               <a:rPr lang="ko-KR" altLang="en-US" smtClean="0"/>
-              <a:t>2021-10-15</a:t>
+              <a:t>2021-10-18</a:t>
             </a:fld>
             <a:endParaRPr lang="ko-KR" altLang="en-US"/>
           </a:p>
@@ -3356,7 +4329,7 @@
           <a:lstStyle/>
           <a:p>
             <a:r>
-              <a:rPr lang="ko-KR" altLang="en-US" dirty="0" smtClean="0"/>
+              <a:rPr lang="ko-KR" altLang="en-US" dirty="0"/>
               <a:t>인증</a:t>
             </a:r>
             <a:r>
@@ -3364,15 +4337,15 @@
               <a:t>/</a:t>
             </a:r>
             <a:r>
-              <a:rPr lang="ko-KR" altLang="en-US" dirty="0" smtClean="0"/>
+              <a:rPr lang="ko-KR" altLang="en-US" dirty="0"/>
               <a:t>허가</a:t>
             </a:r>
             <a:r>
-              <a:rPr lang="en-US" altLang="ko-KR" smtClean="0"/>
+              <a:rPr lang="en-US" altLang="ko-KR"/>
               <a:t>, </a:t>
             </a:r>
             <a:r>
-              <a:rPr lang="ko-KR" altLang="en-US" smtClean="0"/>
+              <a:rPr lang="ko-KR" altLang="en-US"/>
               <a:t>세션</a:t>
             </a:r>
             <a:endParaRPr lang="ko-KR" altLang="en-US" dirty="0"/>
@@ -3395,14 +4368,14 @@
           <a:lstStyle/>
           <a:p>
             <a:r>
-              <a:rPr lang="en-US" altLang="ko-KR" dirty="0" smtClean="0"/>
+              <a:rPr lang="en-US" altLang="ko-KR" dirty="0"/>
               <a:t>Authentication/Authorization</a:t>
             </a:r>
             <a:endParaRPr lang="ko-KR" altLang="en-US" dirty="0"/>
           </a:p>
           <a:p>
             <a:r>
-              <a:rPr lang="en-US" altLang="ko-KR" dirty="0" smtClean="0"/>
+              <a:rPr lang="en-US" altLang="ko-KR" dirty="0"/>
               <a:t>, Session</a:t>
             </a:r>
             <a:endParaRPr lang="ko-KR" altLang="en-US" dirty="0"/>
@@ -3684,7 +4657,7 @@
             <a:p>
               <a:pPr algn="ctr" eaLnBrk="1" hangingPunct="1"/>
               <a:r>
-                <a:rPr lang="en-US" altLang="en-US" sz="1200" dirty="0" smtClean="0">
+                <a:rPr lang="en-US" altLang="en-US" sz="1200" dirty="0">
                   <a:latin typeface="Arial" panose="020B0604020202020204" pitchFamily="34" charset="0"/>
                   <a:ea typeface="Amazon Ember" pitchFamily="34" charset="0"/>
                   <a:cs typeface="Arial" panose="020B0604020202020204" pitchFamily="34" charset="0"/>
@@ -4204,7 +5177,7 @@
             <a:p>
               <a:pPr algn="ctr" eaLnBrk="1" hangingPunct="1"/>
               <a:r>
-                <a:rPr lang="en-US" altLang="en-US" sz="1200" dirty="0" err="1" smtClean="0">
+                <a:rPr lang="en-US" altLang="en-US" sz="1200" dirty="0" err="1">
                   <a:latin typeface="Arial" panose="020B0604020202020204" pitchFamily="34" charset="0"/>
                   <a:ea typeface="Amazon Ember" pitchFamily="34" charset="0"/>
                   <a:cs typeface="Arial" panose="020B0604020202020204" pitchFamily="34" charset="0"/>
@@ -5068,7 +6041,7 @@
           <a:p>
             <a:pPr algn="ctr" eaLnBrk="1" hangingPunct="1"/>
             <a:r>
-              <a:rPr lang="en-US" altLang="en-US" sz="1200" dirty="0" err="1" smtClean="0">
+              <a:rPr lang="en-US" altLang="en-US" sz="1200" dirty="0" err="1">
                 <a:latin typeface="Arial" panose="020B0604020202020204" pitchFamily="34" charset="0"/>
                 <a:ea typeface="Amazon Ember" pitchFamily="34" charset="0"/>
                 <a:cs typeface="Arial" panose="020B0604020202020204" pitchFamily="34" charset="0"/>
@@ -5076,7 +6049,7 @@
               <a:t>Postgres</a:t>
             </a:r>
             <a:r>
-              <a:rPr lang="en-US" altLang="en-US" sz="1200" dirty="0" smtClean="0">
+              <a:rPr lang="en-US" altLang="en-US" sz="1200" dirty="0">
                 <a:latin typeface="Arial" panose="020B0604020202020204" pitchFamily="34" charset="0"/>
                 <a:ea typeface="Amazon Ember" pitchFamily="34" charset="0"/>
                 <a:cs typeface="Arial" panose="020B0604020202020204" pitchFamily="34" charset="0"/>
@@ -5084,7 +6057,7 @@
               <a:t> </a:t>
             </a:r>
             <a:r>
-              <a:rPr lang="en-US" altLang="en-US" sz="1200" dirty="0" err="1" smtClean="0">
+              <a:rPr lang="en-US" altLang="en-US" sz="1200" dirty="0" err="1">
                 <a:latin typeface="Arial" panose="020B0604020202020204" pitchFamily="34" charset="0"/>
                 <a:ea typeface="Amazon Ember" pitchFamily="34" charset="0"/>
                 <a:cs typeface="Arial" panose="020B0604020202020204" pitchFamily="34" charset="0"/>
@@ -5092,18 +6065,13 @@
               <a:t>Auth</a:t>
             </a:r>
             <a:r>
-              <a:rPr lang="en-US" altLang="en-US" sz="1200" dirty="0" smtClean="0">
+              <a:rPr lang="en-US" altLang="en-US" sz="1200" dirty="0">
                 <a:latin typeface="Arial" panose="020B0604020202020204" pitchFamily="34" charset="0"/>
                 <a:ea typeface="Amazon Ember" pitchFamily="34" charset="0"/>
                 <a:cs typeface="Arial" panose="020B0604020202020204" pitchFamily="34" charset="0"/>
               </a:rPr>
               <a:t> DB</a:t>
             </a:r>
-            <a:endParaRPr lang="en-US" altLang="en-US" sz="1200" dirty="0">
-              <a:latin typeface="Arial" panose="020B0604020202020204" pitchFamily="34" charset="0"/>
-              <a:ea typeface="Amazon Ember" pitchFamily="34" charset="0"/>
-              <a:cs typeface="Arial" panose="020B0604020202020204" pitchFamily="34" charset="0"/>
-            </a:endParaRPr>
           </a:p>
         </p:txBody>
       </p:sp>
@@ -5136,19 +6104,19 @@
           <a:lstStyle/>
           <a:p>
             <a:r>
-              <a:rPr lang="en-US" altLang="ko-KR" sz="1200" dirty="0" smtClean="0"/>
+              <a:rPr lang="en-US" altLang="ko-KR" sz="1200" dirty="0"/>
               <a:t>POST /</a:t>
             </a:r>
             <a:r>
-              <a:rPr lang="en-US" altLang="ko-KR" sz="1200" dirty="0" err="1" smtClean="0"/>
+              <a:rPr lang="en-US" altLang="ko-KR" sz="1200" dirty="0" err="1"/>
               <a:t>auth</a:t>
             </a:r>
             <a:r>
-              <a:rPr lang="en-US" altLang="ko-KR" sz="1200" dirty="0" smtClean="0"/>
+              <a:rPr lang="en-US" altLang="ko-KR" sz="1200" dirty="0"/>
               <a:t>/</a:t>
             </a:r>
             <a:r>
-              <a:rPr lang="en-US" altLang="ko-KR" sz="1200" dirty="0" err="1" smtClean="0"/>
+              <a:rPr lang="en-US" altLang="ko-KR" sz="1200" dirty="0" err="1"/>
               <a:t>signin</a:t>
             </a:r>
             <a:endParaRPr lang="ko-KR" altLang="en-US" sz="1200" dirty="0"/>
@@ -5300,22 +6268,22 @@
           <a:lstStyle/>
           <a:p>
             <a:r>
-              <a:rPr lang="ko-KR" altLang="en-US" sz="1200" dirty="0" smtClean="0"/>
+              <a:rPr lang="ko-KR" altLang="en-US" sz="1200" dirty="0"/>
               <a:t>인증 정보 확인</a:t>
             </a:r>
-            <a:endParaRPr lang="en-US" altLang="ko-KR" sz="1200" dirty="0" smtClean="0"/>
-          </a:p>
-          <a:p>
-            <a:r>
-              <a:rPr lang="en-US" altLang="ko-KR" sz="1200" dirty="0" smtClean="0"/>
+            <a:endParaRPr lang="en-US" altLang="ko-KR" sz="1200" dirty="0"/>
+          </a:p>
+          <a:p>
+            <a:r>
+              <a:rPr lang="en-US" altLang="ko-KR" sz="1200" dirty="0"/>
               <a:t>(login</a:t>
             </a:r>
             <a:r>
-              <a:rPr lang="ko-KR" altLang="en-US" sz="1200" dirty="0" smtClean="0"/>
+              <a:rPr lang="ko-KR" altLang="en-US" sz="1200" dirty="0"/>
               <a:t>테이블</a:t>
             </a:r>
             <a:r>
-              <a:rPr lang="en-US" altLang="ko-KR" sz="1200" dirty="0" smtClean="0"/>
+              <a:rPr lang="en-US" altLang="ko-KR" sz="1200" dirty="0"/>
               <a:t>)</a:t>
             </a:r>
           </a:p>
@@ -5647,24 +6615,24 @@
           <a:lstStyle/>
           <a:p>
             <a:r>
-              <a:rPr lang="ko-KR" altLang="en-US" sz="1200" dirty="0" smtClean="0"/>
+              <a:rPr lang="ko-KR" altLang="en-US" sz="1200" dirty="0"/>
               <a:t>기존 </a:t>
             </a:r>
             <a:r>
-              <a:rPr lang="en-US" altLang="ko-KR" sz="1200" dirty="0" err="1" smtClean="0"/>
+              <a:rPr lang="en-US" altLang="ko-KR" sz="1200" dirty="0" err="1"/>
               <a:t>sessionId</a:t>
             </a:r>
             <a:r>
-              <a:rPr lang="en-US" altLang="ko-KR" sz="1200" dirty="0" smtClean="0"/>
+              <a:rPr lang="en-US" altLang="ko-KR" sz="1200" dirty="0"/>
               <a:t> </a:t>
             </a:r>
           </a:p>
           <a:p>
             <a:r>
-              <a:rPr lang="ko-KR" altLang="en-US" sz="1200" dirty="0" smtClean="0"/>
+              <a:rPr lang="ko-KR" altLang="en-US" sz="1200" dirty="0"/>
               <a:t>및 사용자 정보 조회</a:t>
             </a:r>
-            <a:endParaRPr lang="en-US" altLang="ko-KR" sz="1200" dirty="0" smtClean="0"/>
+            <a:endParaRPr lang="en-US" altLang="ko-KR" sz="1200" dirty="0"/>
           </a:p>
         </p:txBody>
       </p:sp>
@@ -5730,18 +6698,17 @@
           <a:lstStyle/>
           <a:p>
             <a:r>
-              <a:rPr lang="ko-KR" altLang="en-US" sz="1200" dirty="0" smtClean="0"/>
+              <a:rPr lang="ko-KR" altLang="en-US" sz="1200" dirty="0"/>
               <a:t>기존 </a:t>
             </a:r>
             <a:r>
-              <a:rPr lang="ko-KR" altLang="en-US" sz="1200" dirty="0" err="1" smtClean="0"/>
+              <a:rPr lang="ko-KR" altLang="en-US" sz="1200" dirty="0" err="1"/>
               <a:t>세션정보</a:t>
             </a:r>
             <a:r>
-              <a:rPr lang="ko-KR" altLang="en-US" sz="1200" dirty="0" smtClean="0"/>
+              <a:rPr lang="ko-KR" altLang="en-US" sz="1200" dirty="0"/>
               <a:t> 삭제</a:t>
             </a:r>
-            <a:endParaRPr lang="ko-KR" altLang="en-US" sz="1200" dirty="0"/>
           </a:p>
         </p:txBody>
       </p:sp>
@@ -5815,11 +6782,11 @@
           <a:lstStyle/>
           <a:p>
             <a:r>
-              <a:rPr lang="ko-KR" altLang="en-US" sz="1200" dirty="0" smtClean="0"/>
+              <a:rPr lang="ko-KR" altLang="en-US" sz="1200" dirty="0"/>
               <a:t>토큰</a:t>
             </a:r>
             <a:r>
-              <a:rPr lang="en-US" altLang="ko-KR" sz="1200" dirty="0" smtClean="0"/>
+              <a:rPr lang="en-US" altLang="ko-KR" sz="1200" dirty="0"/>
               <a:t>(token)</a:t>
             </a:r>
             <a:endParaRPr lang="ko-KR" altLang="en-US" sz="1200" dirty="0"/>
@@ -5888,7 +6855,7 @@
           <a:lstStyle/>
           <a:p>
             <a:r>
-              <a:rPr lang="en-US" altLang="ko-KR" sz="1200" dirty="0" smtClean="0"/>
+              <a:rPr lang="en-US" altLang="ko-KR" sz="1200" dirty="0"/>
               <a:t>FILTER</a:t>
             </a:r>
             <a:endParaRPr lang="ko-KR" altLang="en-US" sz="1200" dirty="0"/>
@@ -5924,42 +6891,42 @@
           <a:lstStyle/>
           <a:p>
             <a:r>
-              <a:rPr lang="ko-KR" altLang="en-US" sz="1200" dirty="0" err="1" smtClean="0"/>
+              <a:rPr lang="ko-KR" altLang="en-US" sz="1200" dirty="0" err="1"/>
               <a:t>세션정보</a:t>
             </a:r>
             <a:r>
-              <a:rPr lang="ko-KR" altLang="en-US" sz="1200" dirty="0" smtClean="0"/>
+              <a:rPr lang="ko-KR" altLang="en-US" sz="1200" dirty="0"/>
               <a:t>  생성</a:t>
             </a:r>
-            <a:endParaRPr lang="en-US" altLang="ko-KR" sz="1200" dirty="0" smtClean="0"/>
-          </a:p>
-          <a:p>
-            <a:r>
-              <a:rPr lang="en-US" altLang="ko-KR" sz="1200" dirty="0" smtClean="0"/>
+            <a:endParaRPr lang="en-US" altLang="ko-KR" sz="1200" dirty="0"/>
+          </a:p>
+          <a:p>
+            <a:r>
+              <a:rPr lang="en-US" altLang="ko-KR" sz="1200" dirty="0"/>
               <a:t>(</a:t>
             </a:r>
             <a:r>
-              <a:rPr lang="ko-KR" altLang="en-US" sz="1200" dirty="0" smtClean="0"/>
+              <a:rPr lang="ko-KR" altLang="en-US" sz="1200" dirty="0"/>
               <a:t>세션</a:t>
             </a:r>
             <a:r>
-              <a:rPr lang="en-US" altLang="ko-KR" sz="1200" dirty="0" smtClean="0"/>
+              <a:rPr lang="en-US" altLang="ko-KR" sz="1200" dirty="0"/>
               <a:t>Id, </a:t>
             </a:r>
             <a:r>
-              <a:rPr lang="ko-KR" altLang="en-US" sz="1200" dirty="0" err="1" smtClean="0"/>
+              <a:rPr lang="ko-KR" altLang="en-US" sz="1200" dirty="0" err="1"/>
               <a:t>사용자정보</a:t>
             </a:r>
             <a:r>
-              <a:rPr lang="en-US" altLang="ko-KR" sz="1200" dirty="0" smtClean="0"/>
+              <a:rPr lang="en-US" altLang="ko-KR" sz="1200" dirty="0"/>
               <a:t>, </a:t>
             </a:r>
             <a:r>
-              <a:rPr lang="ko-KR" altLang="en-US" sz="1200" dirty="0" err="1" smtClean="0"/>
+              <a:rPr lang="ko-KR" altLang="en-US" sz="1200" dirty="0" err="1"/>
               <a:t>만료시간</a:t>
             </a:r>
             <a:r>
-              <a:rPr lang="en-US" altLang="ko-KR" sz="1200" dirty="0" smtClean="0"/>
+              <a:rPr lang="en-US" altLang="ko-KR" sz="1200" dirty="0"/>
               <a:t>)</a:t>
             </a:r>
             <a:endParaRPr lang="ko-KR" altLang="en-US" sz="1200" dirty="0"/>
@@ -6028,22 +6995,22 @@
           <a:lstStyle/>
           <a:p>
             <a:r>
-              <a:rPr lang="ko-KR" altLang="en-US" sz="1200" dirty="0" smtClean="0"/>
+              <a:rPr lang="ko-KR" altLang="en-US" sz="1200" dirty="0"/>
               <a:t>현재 </a:t>
             </a:r>
             <a:r>
-              <a:rPr lang="en-US" altLang="ko-KR" sz="1200" dirty="0" err="1" smtClean="0"/>
+              <a:rPr lang="en-US" altLang="ko-KR" sz="1200" dirty="0" err="1"/>
               <a:t>sessionId</a:t>
             </a:r>
             <a:r>
-              <a:rPr lang="en-US" altLang="ko-KR" sz="1200" dirty="0" smtClean="0"/>
+              <a:rPr lang="en-US" altLang="ko-KR" sz="1200" dirty="0"/>
               <a:t> </a:t>
             </a:r>
             <a:r>
-              <a:rPr lang="ko-KR" altLang="en-US" sz="1200" dirty="0" smtClean="0"/>
+              <a:rPr lang="ko-KR" altLang="en-US" sz="1200" dirty="0"/>
               <a:t>기록</a:t>
             </a:r>
-            <a:endParaRPr lang="en-US" altLang="ko-KR" sz="1200" dirty="0" smtClean="0"/>
+            <a:endParaRPr lang="en-US" altLang="ko-KR" sz="1200" dirty="0"/>
           </a:p>
         </p:txBody>
       </p:sp>
@@ -6084,7 +7051,7 @@
           <a:p>
             <a:pPr algn="ctr"/>
             <a:r>
-              <a:rPr lang="en-US" altLang="ko-KR" sz="1400" dirty="0" smtClean="0"/>
+              <a:rPr lang="en-US" altLang="ko-KR" sz="1400" dirty="0"/>
               <a:t>1</a:t>
             </a:r>
             <a:endParaRPr lang="ko-KR" altLang="en-US" sz="1400" dirty="0"/>
@@ -6172,7 +7139,7 @@
           <a:p>
             <a:pPr algn="ctr"/>
             <a:r>
-              <a:rPr lang="en-US" altLang="ko-KR" sz="1400" dirty="0" smtClean="0"/>
+              <a:rPr lang="en-US" altLang="ko-KR" sz="1400" dirty="0"/>
               <a:t>3</a:t>
             </a:r>
             <a:endParaRPr lang="ko-KR" altLang="en-US" sz="1400" dirty="0"/>
@@ -6260,7 +7227,7 @@
           <a:p>
             <a:pPr algn="ctr"/>
             <a:r>
-              <a:rPr lang="en-US" altLang="ko-KR" sz="1400" dirty="0" smtClean="0"/>
+              <a:rPr lang="en-US" altLang="ko-KR" sz="1400" dirty="0"/>
               <a:t>5</a:t>
             </a:r>
             <a:endParaRPr lang="ko-KR" altLang="en-US" sz="1400" dirty="0"/>
@@ -6348,7 +7315,7 @@
           <a:p>
             <a:pPr algn="ctr"/>
             <a:r>
-              <a:rPr lang="en-US" altLang="ko-KR" sz="1400" dirty="0" smtClean="0"/>
+              <a:rPr lang="en-US" altLang="ko-KR" sz="1400" dirty="0"/>
               <a:t>7</a:t>
             </a:r>
             <a:endParaRPr lang="ko-KR" altLang="en-US" sz="1400" dirty="0"/>
@@ -6378,12 +7345,8 @@
           <a:lstStyle/>
           <a:p>
             <a:r>
-              <a:rPr lang="ko-KR" altLang="en-US" sz="3600" dirty="0" smtClean="0"/>
-              <a:t>인증 </a:t>
-            </a:r>
-            <a:r>
               <a:rPr lang="ko-KR" altLang="en-US" sz="3600" dirty="0"/>
-              <a:t>및 세션 정보 생성</a:t>
+              <a:t>인증 및 세션 정보 생성</a:t>
             </a:r>
           </a:p>
         </p:txBody>
@@ -6663,7 +7626,7 @@
             <a:p>
               <a:pPr algn="ctr" eaLnBrk="1" hangingPunct="1"/>
               <a:r>
-                <a:rPr lang="en-US" altLang="en-US" sz="1200" dirty="0" smtClean="0">
+                <a:rPr lang="en-US" altLang="en-US" sz="1200" dirty="0">
                   <a:latin typeface="Arial" panose="020B0604020202020204" pitchFamily="34" charset="0"/>
                   <a:ea typeface="Amazon Ember" pitchFamily="34" charset="0"/>
                   <a:cs typeface="Arial" panose="020B0604020202020204" pitchFamily="34" charset="0"/>
@@ -7345,33 +8308,27 @@
           <a:lstStyle/>
           <a:p>
             <a:r>
-              <a:rPr lang="en-US" altLang="ko-KR" sz="1200" dirty="0" smtClean="0"/>
+              <a:rPr lang="en-US" altLang="ko-KR" sz="1200" dirty="0"/>
               <a:t>GET /</a:t>
             </a:r>
             <a:r>
-              <a:rPr lang="en-US" altLang="ko-KR" sz="1200" dirty="0" err="1" smtClean="0"/>
+              <a:rPr lang="en-US" altLang="ko-KR" sz="1200" dirty="0" err="1"/>
               <a:t>auth</a:t>
             </a:r>
             <a:r>
-              <a:rPr lang="en-US" altLang="ko-KR" sz="1200" dirty="0" smtClean="0"/>
+              <a:rPr lang="en-US" altLang="ko-KR" sz="1200" dirty="0"/>
               <a:t>/profile</a:t>
             </a:r>
-            <a:endParaRPr lang="en-US" altLang="ko-KR" sz="1200" dirty="0" smtClean="0"/>
-          </a:p>
-          <a:p>
-            <a:r>
-              <a:rPr lang="en-US" altLang="ko-KR" sz="1200" dirty="0" smtClean="0"/>
-              <a:t>Header -&gt; authorization: </a:t>
-            </a:r>
-            <a:r>
-              <a:rPr lang="en-US" altLang="ko-KR" sz="1200" dirty="0" smtClean="0"/>
-              <a:t>Bearer </a:t>
-            </a:r>
-            <a:r>
-              <a:rPr lang="ko-KR" altLang="en-US" sz="1200" dirty="0" smtClean="0"/>
+          </a:p>
+          <a:p>
+            <a:r>
+              <a:rPr lang="en-US" altLang="ko-KR" sz="1200" dirty="0"/>
+              <a:t>Header -&gt; authorization: Bearer </a:t>
+            </a:r>
+            <a:r>
+              <a:rPr lang="ko-KR" altLang="en-US" sz="1200" dirty="0"/>
               <a:t>토큰</a:t>
             </a:r>
-            <a:endParaRPr lang="ko-KR" altLang="en-US" sz="1200" dirty="0"/>
           </a:p>
         </p:txBody>
       </p:sp>
@@ -7701,10 +8658,10 @@
           <a:lstStyle/>
           <a:p>
             <a:r>
-              <a:rPr lang="ko-KR" altLang="en-US" sz="1200" dirty="0" smtClean="0"/>
+              <a:rPr lang="ko-KR" altLang="en-US" sz="1200" dirty="0"/>
               <a:t>세션 프로필 정보  조회</a:t>
             </a:r>
-            <a:endParaRPr lang="en-US" altLang="ko-KR" sz="1200" dirty="0" smtClean="0"/>
+            <a:endParaRPr lang="en-US" altLang="ko-KR" sz="1200" dirty="0"/>
           </a:p>
         </p:txBody>
       </p:sp>
@@ -7953,7 +8910,7 @@
             <a:p>
               <a:pPr algn="ctr" eaLnBrk="1" hangingPunct="1"/>
               <a:r>
-                <a:rPr lang="en-US" altLang="en-US" sz="1200" dirty="0" err="1" smtClean="0">
+                <a:rPr lang="en-US" altLang="en-US" sz="1200" dirty="0" err="1">
                   <a:latin typeface="Arial" panose="020B0604020202020204" pitchFamily="34" charset="0"/>
                   <a:ea typeface="Amazon Ember" pitchFamily="34" charset="0"/>
                   <a:cs typeface="Arial" panose="020B0604020202020204" pitchFamily="34" charset="0"/>
@@ -8031,7 +8988,7 @@
           <a:lstStyle/>
           <a:p>
             <a:r>
-              <a:rPr lang="en-US" altLang="ko-KR" sz="1200" dirty="0" smtClean="0"/>
+              <a:rPr lang="en-US" altLang="ko-KR" sz="1200" dirty="0"/>
               <a:t>FILTER</a:t>
             </a:r>
             <a:endParaRPr lang="ko-KR" altLang="en-US" sz="1200" dirty="0"/>
@@ -8075,7 +9032,7 @@
           <a:p>
             <a:pPr algn="ctr"/>
             <a:r>
-              <a:rPr lang="en-US" altLang="ko-KR" sz="1400" dirty="0" smtClean="0"/>
+              <a:rPr lang="en-US" altLang="ko-KR" sz="1400" dirty="0"/>
               <a:t>1</a:t>
             </a:r>
             <a:endParaRPr lang="ko-KR" altLang="en-US" sz="1400" dirty="0"/>
@@ -8152,7 +9109,6 @@
               <a:rPr lang="ko-KR" altLang="en-US" sz="3600" dirty="0"/>
               <a:t>프로필 정보 조회</a:t>
             </a:r>
-            <a:endParaRPr lang="ko-KR" altLang="en-US" sz="3600" dirty="0"/>
           </a:p>
         </p:txBody>
       </p:sp>
@@ -8270,15 +9226,15 @@
           <a:lstStyle/>
           <a:p>
             <a:r>
-              <a:rPr lang="en-US" altLang="ko-KR" sz="1200" dirty="0" smtClean="0"/>
+              <a:rPr lang="en-US" altLang="ko-KR" sz="1200" dirty="0"/>
               <a:t>{username, </a:t>
             </a:r>
             <a:r>
-              <a:rPr lang="en-US" altLang="ko-KR" sz="1200" dirty="0" err="1" smtClean="0"/>
+              <a:rPr lang="en-US" altLang="ko-KR" sz="1200" dirty="0" err="1"/>
               <a:t>img</a:t>
             </a:r>
             <a:r>
-              <a:rPr lang="en-US" altLang="ko-KR" sz="1200" dirty="0" smtClean="0"/>
+              <a:rPr lang="en-US" altLang="ko-KR" sz="1200" dirty="0"/>
               <a:t>, role …}</a:t>
             </a:r>
             <a:endParaRPr lang="ko-KR" altLang="en-US" sz="1200" dirty="0"/>
@@ -8560,7 +9516,7 @@
             <a:p>
               <a:pPr algn="ctr" eaLnBrk="1" hangingPunct="1"/>
               <a:r>
-                <a:rPr lang="en-US" altLang="en-US" sz="1200" dirty="0" smtClean="0">
+                <a:rPr lang="en-US" altLang="en-US" sz="1200" dirty="0">
                   <a:latin typeface="Arial" panose="020B0604020202020204" pitchFamily="34" charset="0"/>
                   <a:ea typeface="Amazon Ember" pitchFamily="34" charset="0"/>
                   <a:cs typeface="Arial" panose="020B0604020202020204" pitchFamily="34" charset="0"/>
@@ -9242,32 +10198,27 @@
           <a:lstStyle/>
           <a:p>
             <a:r>
-              <a:rPr lang="en-US" altLang="ko-KR" sz="1200" dirty="0" smtClean="0"/>
+              <a:rPr lang="en-US" altLang="ko-KR" sz="1200" dirty="0"/>
               <a:t>POST/GET /</a:t>
             </a:r>
             <a:r>
-              <a:rPr lang="en-US" altLang="ko-KR" sz="1200" dirty="0" err="1" smtClean="0"/>
+              <a:rPr lang="en-US" altLang="ko-KR" sz="1200" dirty="0" err="1"/>
               <a:t>myworkspace</a:t>
             </a:r>
             <a:r>
-              <a:rPr lang="en-US" altLang="ko-KR" sz="1200" dirty="0" smtClean="0"/>
+              <a:rPr lang="en-US" altLang="ko-KR" sz="1200" dirty="0"/>
               <a:t>/photos</a:t>
             </a:r>
           </a:p>
           <a:p>
             <a:r>
-              <a:rPr lang="en-US" altLang="ko-KR" sz="1200" dirty="0" smtClean="0"/>
-              <a:t>Header -&gt; authorization: </a:t>
-            </a:r>
-            <a:r>
-              <a:rPr lang="en-US" altLang="ko-KR" sz="1200" dirty="0" smtClean="0"/>
-              <a:t>Bearer </a:t>
-            </a:r>
-            <a:r>
-              <a:rPr lang="ko-KR" altLang="en-US" sz="1200" dirty="0" smtClean="0"/>
+              <a:rPr lang="en-US" altLang="ko-KR" sz="1200" dirty="0"/>
+              <a:t>Header -&gt; authorization: Bearer </a:t>
+            </a:r>
+            <a:r>
+              <a:rPr lang="ko-KR" altLang="en-US" sz="1200" dirty="0"/>
               <a:t>토큰</a:t>
             </a:r>
-            <a:endParaRPr lang="ko-KR" altLang="en-US" sz="1200" dirty="0"/>
           </a:p>
         </p:txBody>
       </p:sp>
@@ -9597,10 +10548,10 @@
           <a:lstStyle/>
           <a:p>
             <a:r>
-              <a:rPr lang="ko-KR" altLang="en-US" sz="1200" dirty="0" smtClean="0"/>
+              <a:rPr lang="ko-KR" altLang="en-US" sz="1200" dirty="0"/>
               <a:t>세션 프로필 정보  조회</a:t>
             </a:r>
-            <a:endParaRPr lang="en-US" altLang="ko-KR" sz="1200" dirty="0" smtClean="0"/>
+            <a:endParaRPr lang="en-US" altLang="ko-KR" sz="1200" dirty="0"/>
           </a:p>
         </p:txBody>
       </p:sp>
@@ -10100,7 +11051,7 @@
             <a:p>
               <a:pPr algn="ctr" eaLnBrk="1" hangingPunct="1"/>
               <a:r>
-                <a:rPr lang="en-US" altLang="en-US" sz="1200" dirty="0" err="1" smtClean="0">
+                <a:rPr lang="en-US" altLang="en-US" sz="1200" dirty="0" err="1">
                   <a:latin typeface="Arial" panose="020B0604020202020204" pitchFamily="34" charset="0"/>
                   <a:ea typeface="Amazon Ember" pitchFamily="34" charset="0"/>
                   <a:cs typeface="Arial" panose="020B0604020202020204" pitchFamily="34" charset="0"/>
@@ -10178,7 +11129,7 @@
           <a:lstStyle/>
           <a:p>
             <a:r>
-              <a:rPr lang="en-US" altLang="ko-KR" sz="1200" dirty="0" smtClean="0"/>
+              <a:rPr lang="en-US" altLang="ko-KR" sz="1200" dirty="0"/>
               <a:t>FILTER</a:t>
             </a:r>
             <a:endParaRPr lang="ko-KR" altLang="en-US" sz="1200" dirty="0"/>
@@ -10430,7 +11381,7 @@
             <a:p>
               <a:pPr algn="ctr" eaLnBrk="1" hangingPunct="1"/>
               <a:r>
-                <a:rPr lang="en-US" altLang="en-US" sz="1200" dirty="0" err="1" smtClean="0">
+                <a:rPr lang="en-US" altLang="en-US" sz="1200" dirty="0" err="1">
                   <a:latin typeface="Arial" panose="020B0604020202020204" pitchFamily="34" charset="0"/>
                   <a:ea typeface="Amazon Ember" pitchFamily="34" charset="0"/>
                   <a:cs typeface="Arial" panose="020B0604020202020204" pitchFamily="34" charset="0"/>
@@ -10438,18 +11389,13 @@
                 <a:t>Myworkspace</a:t>
               </a:r>
               <a:r>
-                <a:rPr lang="en-US" altLang="en-US" sz="1200" dirty="0" smtClean="0">
+                <a:rPr lang="en-US" altLang="en-US" sz="1200" dirty="0">
                   <a:latin typeface="Arial" panose="020B0604020202020204" pitchFamily="34" charset="0"/>
                   <a:ea typeface="Amazon Ember" pitchFamily="34" charset="0"/>
                   <a:cs typeface="Arial" panose="020B0604020202020204" pitchFamily="34" charset="0"/>
                 </a:rPr>
                 <a:t> Service</a:t>
               </a:r>
-              <a:endParaRPr lang="en-US" altLang="en-US" sz="1200" dirty="0">
-                <a:latin typeface="Arial" panose="020B0604020202020204" pitchFamily="34" charset="0"/>
-                <a:ea typeface="Amazon Ember" pitchFamily="34" charset="0"/>
-                <a:cs typeface="Arial" panose="020B0604020202020204" pitchFamily="34" charset="0"/>
-              </a:endParaRPr>
             </a:p>
           </p:txBody>
         </p:sp>
@@ -10516,15 +11462,15 @@
           <a:lstStyle/>
           <a:p>
             <a:r>
-              <a:rPr lang="en-US" altLang="ko-KR" sz="1200" dirty="0" smtClean="0"/>
+              <a:rPr lang="en-US" altLang="ko-KR" sz="1200" dirty="0"/>
               <a:t>Header -&gt; session-profile: {</a:t>
             </a:r>
             <a:r>
-              <a:rPr lang="en-US" altLang="ko-KR" sz="1200" dirty="0" err="1" smtClean="0"/>
+              <a:rPr lang="en-US" altLang="ko-KR" sz="1200" dirty="0" err="1"/>
               <a:t>userId</a:t>
             </a:r>
             <a:r>
-              <a:rPr lang="en-US" altLang="ko-KR" sz="1200" dirty="0" smtClean="0"/>
+              <a:rPr lang="en-US" altLang="ko-KR" sz="1200" dirty="0"/>
               <a:t>, role}</a:t>
             </a:r>
             <a:endParaRPr lang="ko-KR" altLang="en-US" sz="1200" dirty="0"/>
@@ -10560,7 +11506,7 @@
           <a:lstStyle/>
           <a:p>
             <a:r>
-              <a:rPr lang="en-US" altLang="ko-KR" sz="1200" dirty="0" smtClean="0"/>
+              <a:rPr lang="en-US" altLang="ko-KR" sz="1200" dirty="0"/>
               <a:t>ROUTING</a:t>
             </a:r>
             <a:endParaRPr lang="ko-KR" altLang="en-US" sz="1200" dirty="0"/>
@@ -11011,7 +11957,7 @@
           <a:p>
             <a:pPr algn="ctr" eaLnBrk="1" hangingPunct="1"/>
             <a:r>
-              <a:rPr lang="en-US" altLang="en-US" sz="1200" dirty="0" err="1" smtClean="0">
+              <a:rPr lang="en-US" altLang="en-US" sz="1200" dirty="0" err="1">
                 <a:latin typeface="Arial" panose="020B0604020202020204" pitchFamily="34" charset="0"/>
                 <a:ea typeface="Amazon Ember" pitchFamily="34" charset="0"/>
                 <a:cs typeface="Arial" panose="020B0604020202020204" pitchFamily="34" charset="0"/>
@@ -11019,7 +11965,7 @@
               <a:t>Postgres</a:t>
             </a:r>
             <a:r>
-              <a:rPr lang="en-US" altLang="en-US" sz="1200" dirty="0" smtClean="0">
+              <a:rPr lang="en-US" altLang="en-US" sz="1200" dirty="0">
                 <a:latin typeface="Arial" panose="020B0604020202020204" pitchFamily="34" charset="0"/>
                 <a:ea typeface="Amazon Ember" pitchFamily="34" charset="0"/>
                 <a:cs typeface="Arial" panose="020B0604020202020204" pitchFamily="34" charset="0"/>
@@ -11030,7 +11976,7 @@
           <a:p>
             <a:pPr algn="ctr" eaLnBrk="1" hangingPunct="1"/>
             <a:r>
-              <a:rPr lang="en-US" altLang="en-US" sz="1200" dirty="0" err="1" smtClean="0">
+              <a:rPr lang="en-US" altLang="en-US" sz="1200" dirty="0" err="1">
                 <a:latin typeface="Arial" panose="020B0604020202020204" pitchFamily="34" charset="0"/>
                 <a:ea typeface="Amazon Ember" pitchFamily="34" charset="0"/>
                 <a:cs typeface="Arial" panose="020B0604020202020204" pitchFamily="34" charset="0"/>
@@ -11038,20 +11984,12 @@
               <a:t>Myworkspace</a:t>
             </a:r>
             <a:r>
-              <a:rPr lang="en-US" altLang="en-US" sz="1200" dirty="0" smtClean="0">
-                <a:latin typeface="Arial" panose="020B0604020202020204" pitchFamily="34" charset="0"/>
-                <a:ea typeface="Amazon Ember" pitchFamily="34" charset="0"/>
-                <a:cs typeface="Arial" panose="020B0604020202020204" pitchFamily="34" charset="0"/>
-              </a:rPr>
-              <a:t> </a:t>
-            </a:r>
-            <a:r>
               <a:rPr lang="en-US" altLang="en-US" sz="1200" dirty="0">
                 <a:latin typeface="Arial" panose="020B0604020202020204" pitchFamily="34" charset="0"/>
                 <a:ea typeface="Amazon Ember" pitchFamily="34" charset="0"/>
                 <a:cs typeface="Arial" panose="020B0604020202020204" pitchFamily="34" charset="0"/>
               </a:rPr>
-              <a:t>DB</a:t>
+              <a:t> DB</a:t>
             </a:r>
           </a:p>
         </p:txBody>
@@ -11344,29 +12282,24 @@
           <a:lstStyle/>
           <a:p>
             <a:r>
-              <a:rPr lang="ko-KR" altLang="en-US" sz="1400" dirty="0" smtClean="0"/>
+              <a:rPr lang="ko-KR" altLang="en-US" sz="1400" dirty="0"/>
               <a:t>테이블</a:t>
             </a:r>
-            <a:endParaRPr lang="en-US" altLang="ko-KR" sz="1400" dirty="0" smtClean="0"/>
+            <a:endParaRPr lang="en-US" altLang="ko-KR" sz="1400" dirty="0"/>
           </a:p>
           <a:p>
             <a:r>
               <a:rPr lang="en-US" altLang="ko-KR" sz="1400" dirty="0"/>
-              <a:t>p</a:t>
-            </a:r>
-            <a:r>
-              <a:rPr lang="en-US" altLang="ko-KR" sz="1400" dirty="0" smtClean="0"/>
-              <a:t>hoto(… </a:t>
-            </a:r>
-            <a:r>
-              <a:rPr lang="en-US" altLang="ko-KR" sz="1400" dirty="0" err="1" smtClean="0"/>
+              <a:t>photo(… </a:t>
+            </a:r>
+            <a:r>
+              <a:rPr lang="en-US" altLang="ko-KR" sz="1400" dirty="0" err="1"/>
               <a:t>userId</a:t>
             </a:r>
             <a:r>
-              <a:rPr lang="en-US" altLang="ko-KR" sz="1400" dirty="0" smtClean="0"/>
+              <a:rPr lang="en-US" altLang="ko-KR" sz="1400" dirty="0"/>
               <a:t>)</a:t>
             </a:r>
-            <a:endParaRPr lang="en-US" altLang="ko-KR" sz="1400" dirty="0"/>
           </a:p>
         </p:txBody>
       </p:sp>
@@ -11399,27 +12332,27 @@
           <a:lstStyle/>
           <a:p>
             <a:r>
-              <a:rPr lang="en-US" altLang="ko-KR" sz="1200" dirty="0" smtClean="0"/>
+              <a:rPr lang="en-US" altLang="ko-KR" sz="1200" dirty="0"/>
               <a:t>SELECT .. </a:t>
             </a:r>
           </a:p>
           <a:p>
             <a:r>
-              <a:rPr lang="en-US" altLang="ko-KR" sz="1200" dirty="0" smtClean="0"/>
+              <a:rPr lang="en-US" altLang="ko-KR" sz="1200" dirty="0"/>
               <a:t>FROM photo </a:t>
             </a:r>
           </a:p>
           <a:p>
             <a:r>
-              <a:rPr lang="en-US" altLang="ko-KR" sz="1200" dirty="0" smtClean="0"/>
+              <a:rPr lang="en-US" altLang="ko-KR" sz="1200" dirty="0"/>
               <a:t>WHERE </a:t>
             </a:r>
             <a:r>
-              <a:rPr lang="en-US" altLang="ko-KR" sz="1200" dirty="0" err="1" smtClean="0"/>
+              <a:rPr lang="en-US" altLang="ko-KR" sz="1200" dirty="0" err="1"/>
               <a:t>user_id</a:t>
             </a:r>
             <a:r>
-              <a:rPr lang="en-US" altLang="ko-KR" sz="1200" dirty="0" smtClean="0"/>
+              <a:rPr lang="en-US" altLang="ko-KR" sz="1200" dirty="0"/>
               <a:t> = ?</a:t>
             </a:r>
             <a:endParaRPr lang="ko-KR" altLang="en-US" sz="1200" dirty="0"/>
@@ -11455,29 +12388,29 @@
           <a:lstStyle/>
           <a:p>
             <a:r>
-              <a:rPr lang="en-US" altLang="ko-KR" sz="1200" dirty="0" smtClean="0"/>
+              <a:rPr lang="en-US" altLang="ko-KR" sz="1200" dirty="0"/>
               <a:t>INSERT INTO photo(..</a:t>
             </a:r>
             <a:r>
-              <a:rPr lang="en-US" altLang="ko-KR" sz="1200" dirty="0" err="1" smtClean="0"/>
+              <a:rPr lang="en-US" altLang="ko-KR" sz="1200" dirty="0" err="1"/>
               <a:t>userId</a:t>
             </a:r>
             <a:r>
-              <a:rPr lang="en-US" altLang="ko-KR" sz="1200" dirty="0" smtClean="0"/>
+              <a:rPr lang="en-US" altLang="ko-KR" sz="1200" dirty="0"/>
               <a:t>)</a:t>
             </a:r>
           </a:p>
           <a:p>
             <a:r>
-              <a:rPr lang="en-US" altLang="ko-KR" sz="1200" dirty="0" smtClean="0"/>
+              <a:rPr lang="en-US" altLang="ko-KR" sz="1200" dirty="0"/>
               <a:t>VALUES(…, </a:t>
             </a:r>
             <a:r>
-              <a:rPr lang="en-US" altLang="ko-KR" sz="1200" dirty="0" err="1" smtClean="0"/>
+              <a:rPr lang="en-US" altLang="ko-KR" sz="1200" dirty="0" err="1"/>
               <a:t>userId</a:t>
             </a:r>
             <a:r>
-              <a:rPr lang="en-US" altLang="ko-KR" sz="1200" dirty="0" smtClean="0"/>
+              <a:rPr lang="en-US" altLang="ko-KR" sz="1200" dirty="0"/>
               <a:t>)</a:t>
             </a:r>
             <a:endParaRPr lang="ko-KR" altLang="en-US" sz="1200" dirty="0"/>
@@ -11521,7 +12454,7 @@
           <a:p>
             <a:pPr algn="ctr"/>
             <a:r>
-              <a:rPr lang="en-US" altLang="ko-KR" sz="1400" dirty="0" smtClean="0"/>
+              <a:rPr lang="en-US" altLang="ko-KR" sz="1400" dirty="0"/>
               <a:t>1</a:t>
             </a:r>
             <a:endParaRPr lang="ko-KR" altLang="en-US" sz="1400" dirty="0"/>
@@ -11609,7 +12542,7 @@
           <a:p>
             <a:pPr algn="ctr"/>
             <a:r>
-              <a:rPr lang="en-US" altLang="ko-KR" sz="1400" dirty="0" smtClean="0"/>
+              <a:rPr lang="en-US" altLang="ko-KR" sz="1400" dirty="0"/>
               <a:t>3</a:t>
             </a:r>
             <a:endParaRPr lang="ko-KR" altLang="en-US" sz="1400" dirty="0"/>
@@ -11639,12 +12572,8 @@
           <a:lstStyle/>
           <a:p>
             <a:r>
-              <a:rPr lang="ko-KR" altLang="en-US" sz="3600" dirty="0" smtClean="0"/>
-              <a:t>서비스 </a:t>
-            </a:r>
-            <a:r>
               <a:rPr lang="ko-KR" altLang="en-US" sz="3600" dirty="0"/>
-              <a:t>접근 및 권한 허가 처리</a:t>
+              <a:t>서비스 접근 및 권한 허가 처리</a:t>
             </a:r>
           </a:p>
         </p:txBody>
@@ -11695,22 +12624,21 @@
           <a:lstStyle/>
           <a:p>
             <a:r>
-              <a:rPr lang="en-US" altLang="ko-KR" dirty="0" smtClean="0"/>
+              <a:rPr lang="en-US" altLang="ko-KR" dirty="0"/>
               <a:t>Cookie </a:t>
             </a:r>
             <a:r>
-              <a:rPr lang="ko-KR" altLang="en-US" dirty="0" smtClean="0"/>
+              <a:rPr lang="ko-KR" altLang="en-US" dirty="0"/>
               <a:t>기반 인증</a:t>
             </a:r>
             <a:r>
-              <a:rPr lang="en-US" altLang="ko-KR" dirty="0" smtClean="0"/>
+              <a:rPr lang="en-US" altLang="ko-KR" dirty="0"/>
               <a:t>,</a:t>
             </a:r>
             <a:r>
-              <a:rPr lang="ko-KR" altLang="en-US" dirty="0" smtClean="0"/>
+              <a:rPr lang="ko-KR" altLang="en-US" dirty="0"/>
               <a:t> 토큰 처리</a:t>
             </a:r>
-            <a:endParaRPr lang="ko-KR" altLang="en-US" dirty="0"/>
           </a:p>
         </p:txBody>
       </p:sp>
@@ -11786,18 +12714,17 @@
           <a:lstStyle/>
           <a:p>
             <a:r>
-              <a:rPr lang="ko-KR" altLang="en-US" sz="3600" dirty="0" smtClean="0"/>
+              <a:rPr lang="ko-KR" altLang="en-US" sz="3600" dirty="0"/>
               <a:t>인증 및 토큰 처리 프로세스 </a:t>
             </a:r>
             <a:r>
-              <a:rPr lang="en-US" altLang="ko-KR" sz="3600" dirty="0" smtClean="0"/>
+              <a:rPr lang="en-US" altLang="ko-KR" sz="3600" dirty="0"/>
               <a:t>– Cookie </a:t>
             </a:r>
             <a:r>
-              <a:rPr lang="ko-KR" altLang="en-US" sz="3600" dirty="0" smtClean="0"/>
+              <a:rPr lang="ko-KR" altLang="en-US" sz="3600" dirty="0"/>
               <a:t>사용</a:t>
             </a:r>
-            <a:endParaRPr lang="ko-KR" altLang="en-US" sz="3600" dirty="0"/>
           </a:p>
         </p:txBody>
       </p:sp>
@@ -12227,11 +13154,11 @@
           <a:lstStyle/>
           <a:p>
             <a:r>
-              <a:rPr lang="ko-KR" altLang="en-US" sz="1200" dirty="0" smtClean="0"/>
+              <a:rPr lang="ko-KR" altLang="en-US" sz="1200" dirty="0"/>
               <a:t>토큰</a:t>
             </a:r>
             <a:r>
-              <a:rPr lang="en-US" altLang="ko-KR" sz="1200" dirty="0" smtClean="0"/>
+              <a:rPr lang="en-US" altLang="ko-KR" sz="1200" dirty="0"/>
               <a:t>(Token)</a:t>
             </a:r>
             <a:endParaRPr lang="ko-KR" altLang="en-US" sz="1200" dirty="0"/>
@@ -12261,27 +13188,27 @@
           <a:lstStyle/>
           <a:p>
             <a:r>
-              <a:rPr lang="ko-KR" altLang="en-US" sz="1200" dirty="0" smtClean="0"/>
+              <a:rPr lang="ko-KR" altLang="en-US" sz="1200" dirty="0"/>
               <a:t>인증</a:t>
             </a:r>
             <a:r>
-              <a:rPr lang="en-US" altLang="ko-KR" sz="1200" dirty="0" smtClean="0"/>
+              <a:rPr lang="en-US" altLang="ko-KR" sz="1200" dirty="0"/>
               <a:t>(</a:t>
             </a:r>
             <a:r>
-              <a:rPr lang="en-US" altLang="ko-KR" sz="1200" dirty="0" err="1" smtClean="0"/>
+              <a:rPr lang="en-US" altLang="ko-KR" sz="1200" dirty="0" err="1"/>
               <a:t>userid</a:t>
             </a:r>
             <a:r>
-              <a:rPr lang="en-US" altLang="ko-KR" sz="1200" dirty="0" smtClean="0"/>
+              <a:rPr lang="en-US" altLang="ko-KR" sz="1200" dirty="0"/>
               <a:t>, </a:t>
             </a:r>
             <a:r>
-              <a:rPr lang="en-US" altLang="ko-KR" sz="1200" dirty="0" err="1" smtClean="0"/>
+              <a:rPr lang="en-US" altLang="ko-KR" sz="1200" dirty="0" err="1"/>
               <a:t>passwd</a:t>
             </a:r>
             <a:r>
-              <a:rPr lang="en-US" altLang="ko-KR" sz="1200" dirty="0" smtClean="0"/>
+              <a:rPr lang="en-US" altLang="ko-KR" sz="1200" dirty="0"/>
               <a:t>)</a:t>
             </a:r>
             <a:endParaRPr lang="ko-KR" altLang="en-US" sz="1200" dirty="0"/>
@@ -12366,7 +13293,7 @@
             <a:lstStyle/>
             <a:p>
               <a:r>
-                <a:rPr lang="en-US" altLang="ko-KR" sz="1200" dirty="0" smtClean="0"/>
+                <a:rPr lang="en-US" altLang="ko-KR" sz="1200" dirty="0"/>
                 <a:t>API Gateway </a:t>
               </a:r>
             </a:p>
@@ -12462,15 +13389,15 @@
           <a:lstStyle/>
           <a:p>
             <a:r>
-              <a:rPr lang="en-US" altLang="ko-KR" sz="1200" dirty="0" smtClean="0"/>
+              <a:rPr lang="en-US" altLang="ko-KR" sz="1200" dirty="0"/>
               <a:t>Header: Token, </a:t>
             </a:r>
             <a:r>
-              <a:rPr lang="ko-KR" altLang="en-US" sz="1200" dirty="0" smtClean="0"/>
+              <a:rPr lang="ko-KR" altLang="en-US" sz="1200" dirty="0"/>
               <a:t>서비스 접근</a:t>
             </a:r>
             <a:r>
-              <a:rPr lang="en-US" altLang="ko-KR" sz="1200" dirty="0" smtClean="0"/>
+              <a:rPr lang="en-US" altLang="ko-KR" sz="1200" dirty="0"/>
               <a:t>(access)</a:t>
             </a:r>
             <a:endParaRPr lang="ko-KR" altLang="en-US" sz="1200" dirty="0"/>
@@ -12500,10 +13427,9 @@
           <a:lstStyle/>
           <a:p>
             <a:r>
-              <a:rPr lang="ko-KR" altLang="en-US" sz="1200" dirty="0" smtClean="0"/>
+              <a:rPr lang="ko-KR" altLang="en-US" sz="1200" dirty="0"/>
               <a:t>권한에 맞는 리소스 응답</a:t>
             </a:r>
-            <a:endParaRPr lang="ko-KR" altLang="en-US" sz="1200" dirty="0"/>
           </a:p>
         </p:txBody>
       </p:sp>
@@ -12854,7 +13780,7 @@
               <a:p>
                 <a:pPr algn="ctr" eaLnBrk="1" hangingPunct="1"/>
                 <a:r>
-                  <a:rPr lang="en-US" altLang="en-US" sz="1200" dirty="0" err="1" smtClean="0">
+                  <a:rPr lang="en-US" altLang="en-US" sz="1200" dirty="0" err="1">
                     <a:latin typeface="Arial" panose="020B0604020202020204" pitchFamily="34" charset="0"/>
                     <a:ea typeface="Amazon Ember" pitchFamily="34" charset="0"/>
                     <a:cs typeface="Arial" panose="020B0604020202020204" pitchFamily="34" charset="0"/>
@@ -12862,18 +13788,13 @@
                   <a:t>Auth</a:t>
                 </a:r>
                 <a:r>
-                  <a:rPr lang="en-US" altLang="en-US" sz="1200" dirty="0" smtClean="0">
+                  <a:rPr lang="en-US" altLang="en-US" sz="1200" dirty="0">
                     <a:latin typeface="Arial" panose="020B0604020202020204" pitchFamily="34" charset="0"/>
                     <a:ea typeface="Amazon Ember" pitchFamily="34" charset="0"/>
                     <a:cs typeface="Arial" panose="020B0604020202020204" pitchFamily="34" charset="0"/>
                   </a:rPr>
                   <a:t> App</a:t>
                 </a:r>
-                <a:endParaRPr lang="en-US" altLang="en-US" sz="1200" dirty="0">
-                  <a:latin typeface="Arial" panose="020B0604020202020204" pitchFamily="34" charset="0"/>
-                  <a:ea typeface="Amazon Ember" pitchFamily="34" charset="0"/>
-                  <a:cs typeface="Arial" panose="020B0604020202020204" pitchFamily="34" charset="0"/>
-                </a:endParaRPr>
               </a:p>
             </p:txBody>
           </p:sp>
@@ -13061,21 +13982,8 @@
                   <a:ea typeface="Amazon Ember" pitchFamily="34" charset="0"/>
                   <a:cs typeface="Arial" panose="020B0604020202020204" pitchFamily="34" charset="0"/>
                 </a:rPr>
-                <a:t>a</a:t>
+                <a:t>auth.xxx.com</a:t>
               </a:r>
-              <a:r>
-                <a:rPr lang="en-US" altLang="en-US" sz="1200" dirty="0" smtClean="0">
-                  <a:latin typeface="Arial" panose="020B0604020202020204" pitchFamily="34" charset="0"/>
-                  <a:ea typeface="Amazon Ember" pitchFamily="34" charset="0"/>
-                  <a:cs typeface="Arial" panose="020B0604020202020204" pitchFamily="34" charset="0"/>
-                </a:rPr>
-                <a:t>uth.xxx.com</a:t>
-              </a:r>
-              <a:endParaRPr lang="en-US" altLang="en-US" sz="1200" dirty="0">
-                <a:latin typeface="Arial" panose="020B0604020202020204" pitchFamily="34" charset="0"/>
-                <a:ea typeface="Amazon Ember" pitchFamily="34" charset="0"/>
-                <a:cs typeface="Arial" panose="020B0604020202020204" pitchFamily="34" charset="0"/>
-              </a:endParaRPr>
             </a:p>
           </p:txBody>
         </p:sp>
@@ -13136,10 +14044,9 @@
           <a:lstStyle/>
           <a:p>
             <a:r>
-              <a:rPr lang="ko-KR" altLang="en-US" sz="1200" dirty="0" smtClean="0"/>
+              <a:rPr lang="ko-KR" altLang="en-US" sz="1200" dirty="0"/>
               <a:t>인증 서비스 이동</a:t>
             </a:r>
-            <a:endParaRPr lang="ko-KR" altLang="en-US" sz="1200" dirty="0"/>
           </a:p>
         </p:txBody>
       </p:sp>
@@ -13180,7 +14087,7 @@
           <a:p>
             <a:pPr algn="ctr"/>
             <a:r>
-              <a:rPr lang="en-US" altLang="ko-KR" sz="1400" dirty="0" smtClean="0"/>
+              <a:rPr lang="en-US" altLang="ko-KR" sz="1400" dirty="0"/>
               <a:t>1</a:t>
             </a:r>
             <a:endParaRPr lang="ko-KR" altLang="en-US" sz="1400" dirty="0"/>
@@ -13224,7 +14131,7 @@
           <a:p>
             <a:pPr algn="ctr"/>
             <a:r>
-              <a:rPr lang="en-US" altLang="ko-KR" sz="1100" dirty="0" smtClean="0"/>
+              <a:rPr lang="en-US" altLang="ko-KR" sz="1100" dirty="0"/>
               <a:t>token: domain=xxx.com</a:t>
             </a:r>
             <a:endParaRPr lang="ko-KR" altLang="en-US" sz="1100" dirty="0"/>
@@ -13254,28 +14161,23 @@
           <a:lstStyle/>
           <a:p>
             <a:r>
-              <a:rPr lang="ko-KR" altLang="en-US" sz="1200" dirty="0" smtClean="0"/>
+              <a:rPr lang="ko-KR" altLang="en-US" sz="1200" dirty="0"/>
               <a:t>브라우저 쿠키에 </a:t>
             </a:r>
-            <a:endParaRPr lang="en-US" altLang="ko-KR" sz="1200" dirty="0" smtClean="0"/>
-          </a:p>
-          <a:p>
-            <a:r>
-              <a:rPr lang="ko-KR" altLang="en-US" sz="1200" dirty="0" smtClean="0"/>
-              <a:t>토큰 정보 </a:t>
-            </a:r>
-            <a:r>
-              <a:rPr lang="ko-KR" altLang="en-US" sz="1200" dirty="0" smtClean="0"/>
-              <a:t>저장</a:t>
-            </a:r>
-            <a:endParaRPr lang="en-US" altLang="ko-KR" sz="1200" dirty="0" smtClean="0"/>
-          </a:p>
-          <a:p>
-            <a:r>
-              <a:rPr lang="en-US" altLang="ko-KR" sz="1200" dirty="0" smtClean="0"/>
+            <a:endParaRPr lang="en-US" altLang="ko-KR" sz="1200" dirty="0"/>
+          </a:p>
+          <a:p>
+            <a:r>
+              <a:rPr lang="ko-KR" altLang="en-US" sz="1200" dirty="0"/>
+              <a:t>토큰 정보 저장</a:t>
+            </a:r>
+            <a:endParaRPr lang="en-US" altLang="ko-KR" sz="1200" dirty="0"/>
+          </a:p>
+          <a:p>
+            <a:r>
+              <a:rPr lang="en-US" altLang="ko-KR" sz="1200" dirty="0"/>
               <a:t>domain=xxx.com</a:t>
             </a:r>
-            <a:endParaRPr lang="en-US" altLang="ko-KR" sz="1200" dirty="0" smtClean="0"/>
           </a:p>
         </p:txBody>
       </p:sp>
@@ -13412,10 +14314,10 @@
           <a:lstStyle/>
           <a:p>
             <a:r>
-              <a:rPr lang="ko-KR" altLang="en-US" sz="1200" dirty="0" smtClean="0"/>
+              <a:rPr lang="ko-KR" altLang="en-US" sz="1200" dirty="0"/>
               <a:t>서비스 애플리케이션으로 이동</a:t>
             </a:r>
-            <a:endParaRPr lang="en-US" altLang="ko-KR" sz="1200" dirty="0" smtClean="0"/>
+            <a:endParaRPr lang="en-US" altLang="ko-KR" sz="1200" dirty="0"/>
           </a:p>
         </p:txBody>
       </p:sp>
@@ -13456,7 +14358,7 @@
           <a:p>
             <a:pPr algn="ctr"/>
             <a:r>
-              <a:rPr lang="en-US" altLang="ko-KR" sz="1400" dirty="0" smtClean="0"/>
+              <a:rPr lang="en-US" altLang="ko-KR" sz="1400" dirty="0"/>
               <a:t>4</a:t>
             </a:r>
             <a:endParaRPr lang="ko-KR" altLang="en-US" sz="1400" dirty="0"/>
@@ -13696,18 +14598,13 @@
             <a:p>
               <a:pPr algn="ctr" eaLnBrk="1" hangingPunct="1"/>
               <a:r>
-                <a:rPr lang="en-US" altLang="en-US" sz="1200" dirty="0" smtClean="0">
+                <a:rPr lang="en-US" altLang="en-US" sz="1200" dirty="0">
                   <a:latin typeface="Arial" panose="020B0604020202020204" pitchFamily="34" charset="0"/>
                   <a:ea typeface="Amazon Ember" pitchFamily="34" charset="0"/>
                   <a:cs typeface="Arial" panose="020B0604020202020204" pitchFamily="34" charset="0"/>
                 </a:rPr>
                 <a:t>Service App</a:t>
               </a:r>
-              <a:endParaRPr lang="en-US" altLang="en-US" sz="1200" dirty="0">
-                <a:latin typeface="Arial" panose="020B0604020202020204" pitchFamily="34" charset="0"/>
-                <a:ea typeface="Amazon Ember" pitchFamily="34" charset="0"/>
-                <a:cs typeface="Arial" panose="020B0604020202020204" pitchFamily="34" charset="0"/>
-              </a:endParaRPr>
             </a:p>
           </p:txBody>
         </p:sp>
@@ -13889,18 +14786,13 @@
             <a:p>
               <a:pPr algn="ctr" eaLnBrk="1" hangingPunct="1"/>
               <a:r>
-                <a:rPr lang="en-US" altLang="en-US" sz="1200" dirty="0" smtClean="0">
+                <a:rPr lang="en-US" altLang="en-US" sz="1200" dirty="0">
                   <a:latin typeface="Arial" panose="020B0604020202020204" pitchFamily="34" charset="0"/>
                   <a:ea typeface="Amazon Ember" pitchFamily="34" charset="0"/>
                   <a:cs typeface="Arial" panose="020B0604020202020204" pitchFamily="34" charset="0"/>
                 </a:rPr>
                 <a:t>service.xxx.com</a:t>
               </a:r>
-              <a:endParaRPr lang="en-US" altLang="en-US" sz="1200" dirty="0">
-                <a:latin typeface="Arial" panose="020B0604020202020204" pitchFamily="34" charset="0"/>
-                <a:ea typeface="Amazon Ember" pitchFamily="34" charset="0"/>
-                <a:cs typeface="Arial" panose="020B0604020202020204" pitchFamily="34" charset="0"/>
-              </a:endParaRPr>
             </a:p>
           </p:txBody>
         </p:sp>
@@ -13972,24 +14864,19 @@
           <a:lstStyle/>
           <a:p>
             <a:r>
-              <a:rPr lang="en-US" altLang="ko-KR" sz="1200" dirty="0" smtClean="0"/>
+              <a:rPr lang="en-US" altLang="ko-KR" sz="1200" dirty="0"/>
               <a:t>Token</a:t>
             </a:r>
           </a:p>
           <a:p>
             <a:r>
-              <a:rPr lang="en-US" altLang="ko-KR" sz="1200" dirty="0" smtClean="0"/>
+              <a:rPr lang="en-US" altLang="ko-KR" sz="1200" dirty="0"/>
               <a:t>Cookie</a:t>
             </a:r>
             <a:r>
-              <a:rPr lang="ko-KR" altLang="en-US" sz="1200" dirty="0" smtClean="0"/>
-              <a:t> </a:t>
-            </a:r>
-            <a:r>
-              <a:rPr lang="ko-KR" altLang="en-US" sz="1200" dirty="0" smtClean="0"/>
-              <a:t>조회</a:t>
-            </a:r>
-            <a:endParaRPr lang="ko-KR" altLang="en-US" sz="1200" dirty="0"/>
+              <a:rPr lang="ko-KR" altLang="en-US" sz="1200" dirty="0"/>
+              <a:t> 조회</a:t>
+            </a:r>
           </a:p>
         </p:txBody>
       </p:sp>
@@ -14082,20 +14969,16 @@
           <a:lstStyle/>
           <a:p>
             <a:r>
-              <a:rPr lang="en-US" altLang="ko-KR" sz="1200" dirty="0" smtClean="0"/>
+              <a:rPr lang="en-US" altLang="ko-KR" sz="1200" dirty="0"/>
               <a:t>Header: Token, </a:t>
             </a:r>
             <a:r>
-              <a:rPr lang="ko-KR" altLang="en-US" sz="1200" dirty="0" smtClean="0"/>
+              <a:rPr lang="ko-KR" altLang="en-US" sz="1200" dirty="0"/>
               <a:t>프로필 조회</a:t>
             </a:r>
             <a:r>
-              <a:rPr lang="en-US" altLang="ko-KR" sz="1200" dirty="0" smtClean="0"/>
-              <a:t>(</a:t>
-            </a:r>
-            <a:r>
-              <a:rPr lang="en-US" altLang="ko-KR" sz="1200" dirty="0" smtClean="0"/>
-              <a:t>access)</a:t>
+              <a:rPr lang="en-US" altLang="ko-KR" sz="1200" dirty="0"/>
+              <a:t>(access)</a:t>
             </a:r>
             <a:endParaRPr lang="ko-KR" altLang="en-US" sz="1200" dirty="0"/>
           </a:p>
@@ -14124,10 +15007,9 @@
           <a:lstStyle/>
           <a:p>
             <a:r>
-              <a:rPr lang="ko-KR" altLang="en-US" sz="1200" dirty="0" smtClean="0"/>
+              <a:rPr lang="ko-KR" altLang="en-US" sz="1200" dirty="0"/>
               <a:t>프로필 정보 응답</a:t>
             </a:r>
-            <a:endParaRPr lang="ko-KR" altLang="en-US" sz="1200" dirty="0"/>
           </a:p>
         </p:txBody>
       </p:sp>
@@ -14168,7 +15050,7 @@
           <a:p>
             <a:pPr algn="ctr"/>
             <a:r>
-              <a:rPr lang="en-US" altLang="ko-KR" sz="1400" dirty="0" smtClean="0"/>
+              <a:rPr lang="en-US" altLang="ko-KR" sz="1400" dirty="0"/>
               <a:t>6</a:t>
             </a:r>
             <a:endParaRPr lang="ko-KR" altLang="en-US" sz="1400" dirty="0"/>
@@ -14185,13 +15067,6 @@
   <p:clrMapOvr>
     <a:masterClrMapping/>
   </p:clrMapOvr>
-  <p:timing>
-    <p:tnLst>
-      <p:par>
-        <p:cTn id="1" dur="indefinite" restart="never" nodeType="tmRoot"/>
-      </p:par>
-    </p:tnLst>
-  </p:timing>
 </p:sld>
 </file>
 
@@ -15471,18 +16346,13 @@
             <a:p>
               <a:pPr algn="ctr" eaLnBrk="1" hangingPunct="1"/>
               <a:r>
-                <a:rPr lang="en-US" altLang="en-US" sz="1200" dirty="0" smtClean="0">
+                <a:rPr lang="en-US" altLang="en-US" sz="1200" dirty="0">
                   <a:latin typeface="Arial" panose="020B0604020202020204" pitchFamily="34" charset="0"/>
                   <a:ea typeface="Amazon Ember" pitchFamily="34" charset="0"/>
                   <a:cs typeface="Arial" panose="020B0604020202020204" pitchFamily="34" charset="0"/>
                 </a:rPr>
                 <a:t>Service A</a:t>
               </a:r>
-              <a:endParaRPr lang="en-US" altLang="en-US" sz="1200" dirty="0">
-                <a:latin typeface="Arial" panose="020B0604020202020204" pitchFamily="34" charset="0"/>
-                <a:ea typeface="Amazon Ember" pitchFamily="34" charset="0"/>
-                <a:cs typeface="Arial" panose="020B0604020202020204" pitchFamily="34" charset="0"/>
-              </a:endParaRPr>
             </a:p>
           </p:txBody>
         </p:sp>
@@ -15732,7 +16602,7 @@
             <a:p>
               <a:pPr algn="ctr" eaLnBrk="1" hangingPunct="1"/>
               <a:r>
-                <a:rPr lang="en-US" altLang="en-US" sz="1200" dirty="0" smtClean="0">
+                <a:rPr lang="en-US" altLang="en-US" sz="1200" dirty="0">
                   <a:latin typeface="Arial" panose="020B0604020202020204" pitchFamily="34" charset="0"/>
                   <a:ea typeface="Amazon Ember" pitchFamily="34" charset="0"/>
                   <a:cs typeface="Arial" panose="020B0604020202020204" pitchFamily="34" charset="0"/>
@@ -16001,18 +16871,13 @@
             <a:p>
               <a:pPr algn="ctr" eaLnBrk="1" hangingPunct="1"/>
               <a:r>
-                <a:rPr lang="en-US" altLang="en-US" sz="1200" dirty="0" smtClean="0">
+                <a:rPr lang="en-US" altLang="en-US" sz="1200" dirty="0">
                   <a:latin typeface="Arial" panose="020B0604020202020204" pitchFamily="34" charset="0"/>
                   <a:ea typeface="Amazon Ember" pitchFamily="34" charset="0"/>
                   <a:cs typeface="Arial" panose="020B0604020202020204" pitchFamily="34" charset="0"/>
                 </a:rPr>
                 <a:t>Eureka Service Registry</a:t>
               </a:r>
-              <a:endParaRPr lang="en-US" altLang="en-US" sz="1200" dirty="0">
-                <a:latin typeface="Arial" panose="020B0604020202020204" pitchFamily="34" charset="0"/>
-                <a:ea typeface="Amazon Ember" pitchFamily="34" charset="0"/>
-                <a:cs typeface="Arial" panose="020B0604020202020204" pitchFamily="34" charset="0"/>
-              </a:endParaRPr>
             </a:p>
           </p:txBody>
         </p:sp>
@@ -16769,7 +17634,7 @@
             <a:p>
               <a:pPr algn="ctr" eaLnBrk="1" hangingPunct="1"/>
               <a:r>
-                <a:rPr lang="en-US" altLang="en-US" sz="1200" dirty="0" err="1" smtClean="0">
+                <a:rPr lang="en-US" altLang="en-US" sz="1200" dirty="0" err="1">
                   <a:latin typeface="Arial" panose="020B0604020202020204" pitchFamily="34" charset="0"/>
                   <a:ea typeface="Amazon Ember" pitchFamily="34" charset="0"/>
                   <a:cs typeface="Arial" panose="020B0604020202020204" pitchFamily="34" charset="0"/>
@@ -17219,18 +18084,13 @@
           <a:p>
             <a:pPr algn="ctr" eaLnBrk="1" hangingPunct="1"/>
             <a:r>
-              <a:rPr lang="en-US" altLang="en-US" sz="1200" dirty="0" smtClean="0">
+              <a:rPr lang="en-US" altLang="en-US" sz="1200" dirty="0">
                 <a:latin typeface="Arial" panose="020B0604020202020204" pitchFamily="34" charset="0"/>
                 <a:ea typeface="Amazon Ember" pitchFamily="34" charset="0"/>
                 <a:cs typeface="Arial" panose="020B0604020202020204" pitchFamily="34" charset="0"/>
               </a:rPr>
               <a:t>React SPA A</a:t>
             </a:r>
-            <a:endParaRPr lang="en-US" altLang="en-US" sz="1200" dirty="0">
-              <a:latin typeface="Arial" panose="020B0604020202020204" pitchFamily="34" charset="0"/>
-              <a:ea typeface="Amazon Ember" pitchFamily="34" charset="0"/>
-              <a:cs typeface="Arial" panose="020B0604020202020204" pitchFamily="34" charset="0"/>
-            </a:endParaRPr>
           </a:p>
         </p:txBody>
       </p:sp>
@@ -17749,18 +18609,13 @@
           <a:p>
             <a:pPr algn="ctr" eaLnBrk="1" hangingPunct="1"/>
             <a:r>
-              <a:rPr lang="en-US" altLang="en-US" sz="1200" dirty="0" smtClean="0">
+              <a:rPr lang="en-US" altLang="en-US" sz="1200" dirty="0">
                 <a:latin typeface="Arial" panose="020B0604020202020204" pitchFamily="34" charset="0"/>
                 <a:ea typeface="Amazon Ember" pitchFamily="34" charset="0"/>
                 <a:cs typeface="Arial" panose="020B0604020202020204" pitchFamily="34" charset="0"/>
               </a:rPr>
               <a:t>React SPA B</a:t>
             </a:r>
-            <a:endParaRPr lang="en-US" altLang="en-US" sz="1200" dirty="0">
-              <a:latin typeface="Arial" panose="020B0604020202020204" pitchFamily="34" charset="0"/>
-              <a:ea typeface="Amazon Ember" pitchFamily="34" charset="0"/>
-              <a:cs typeface="Arial" panose="020B0604020202020204" pitchFamily="34" charset="0"/>
-            </a:endParaRPr>
           </a:p>
         </p:txBody>
       </p:sp>
@@ -17942,18 +18797,13 @@
           <a:p>
             <a:pPr algn="ctr" eaLnBrk="1" hangingPunct="1"/>
             <a:r>
-              <a:rPr lang="en-US" altLang="en-US" sz="1200" dirty="0" smtClean="0">
+              <a:rPr lang="en-US" altLang="en-US" sz="1200" dirty="0">
                 <a:latin typeface="Arial" panose="020B0604020202020204" pitchFamily="34" charset="0"/>
                 <a:ea typeface="Amazon Ember" pitchFamily="34" charset="0"/>
                 <a:cs typeface="Arial" panose="020B0604020202020204" pitchFamily="34" charset="0"/>
               </a:rPr>
               <a:t>React SPA C</a:t>
             </a:r>
-            <a:endParaRPr lang="en-US" altLang="en-US" sz="1200" dirty="0">
-              <a:latin typeface="Arial" panose="020B0604020202020204" pitchFamily="34" charset="0"/>
-              <a:ea typeface="Amazon Ember" pitchFamily="34" charset="0"/>
-              <a:cs typeface="Arial" panose="020B0604020202020204" pitchFamily="34" charset="0"/>
-            </a:endParaRPr>
           </a:p>
         </p:txBody>
       </p:sp>
@@ -19415,7 +20265,7 @@
           <a:lstStyle/>
           <a:p>
             <a:r>
-              <a:rPr lang="en-US" altLang="ko-KR" sz="1200" dirty="0" smtClean="0"/>
+              <a:rPr lang="en-US" altLang="ko-KR" sz="1200" dirty="0"/>
               <a:t>XML/JSON</a:t>
             </a:r>
             <a:endParaRPr lang="ko-KR" altLang="en-US" sz="1200" dirty="0"/>
@@ -19928,7 +20778,7 @@
           <a:p>
             <a:pPr algn="ctr" eaLnBrk="1" hangingPunct="1"/>
             <a:r>
-              <a:rPr lang="en-US" altLang="en-US" sz="1200" dirty="0" err="1" smtClean="0">
+              <a:rPr lang="en-US" altLang="en-US" sz="1200" dirty="0" err="1">
                 <a:latin typeface="Arial" panose="020B0604020202020204" pitchFamily="34" charset="0"/>
                 <a:ea typeface="Amazon Ember" pitchFamily="34" charset="0"/>
                 <a:cs typeface="Arial" panose="020B0604020202020204" pitchFamily="34" charset="0"/>
@@ -20934,7 +21784,7 @@
             <a:p>
               <a:pPr algn="ctr" eaLnBrk="1" hangingPunct="1"/>
               <a:r>
-                <a:rPr lang="en-US" altLang="en-US" sz="1200" dirty="0" err="1" smtClean="0">
+                <a:rPr lang="en-US" altLang="en-US" sz="1200" dirty="0" err="1">
                   <a:latin typeface="Arial" panose="020B0604020202020204" pitchFamily="34" charset="0"/>
                   <a:ea typeface="Amazon Ember" pitchFamily="34" charset="0"/>
                   <a:cs typeface="Arial" panose="020B0604020202020204" pitchFamily="34" charset="0"/>
@@ -20942,7 +21792,7 @@
                 <a:t>Postgres</a:t>
               </a:r>
               <a:r>
-                <a:rPr lang="en-US" altLang="en-US" sz="1200" dirty="0" smtClean="0">
+                <a:rPr lang="en-US" altLang="en-US" sz="1200" dirty="0">
                   <a:latin typeface="Arial" panose="020B0604020202020204" pitchFamily="34" charset="0"/>
                   <a:ea typeface="Amazon Ember" pitchFamily="34" charset="0"/>
                   <a:cs typeface="Arial" panose="020B0604020202020204" pitchFamily="34" charset="0"/>
@@ -20950,7 +21800,7 @@
                 <a:t> </a:t>
               </a:r>
               <a:r>
-                <a:rPr lang="en-US" altLang="en-US" sz="1200" dirty="0" err="1" smtClean="0">
+                <a:rPr lang="en-US" altLang="en-US" sz="1200" dirty="0" err="1">
                   <a:latin typeface="Arial" panose="020B0604020202020204" pitchFamily="34" charset="0"/>
                   <a:ea typeface="Amazon Ember" pitchFamily="34" charset="0"/>
                   <a:cs typeface="Arial" panose="020B0604020202020204" pitchFamily="34" charset="0"/>
@@ -20958,18 +21808,13 @@
                 <a:t>Auth</a:t>
               </a:r>
               <a:r>
-                <a:rPr lang="en-US" altLang="en-US" sz="1200" dirty="0" smtClean="0">
+                <a:rPr lang="en-US" altLang="en-US" sz="1200" dirty="0">
                   <a:latin typeface="Arial" panose="020B0604020202020204" pitchFamily="34" charset="0"/>
                   <a:ea typeface="Amazon Ember" pitchFamily="34" charset="0"/>
                   <a:cs typeface="Arial" panose="020B0604020202020204" pitchFamily="34" charset="0"/>
                 </a:rPr>
                 <a:t> DB</a:t>
               </a:r>
-              <a:endParaRPr lang="en-US" altLang="en-US" sz="1200" dirty="0">
-                <a:latin typeface="Arial" panose="020B0604020202020204" pitchFamily="34" charset="0"/>
-                <a:ea typeface="Amazon Ember" pitchFamily="34" charset="0"/>
-                <a:cs typeface="Arial" panose="020B0604020202020204" pitchFamily="34" charset="0"/>
-              </a:endParaRPr>
             </a:p>
           </p:txBody>
         </p:sp>
@@ -21194,18 +22039,13 @@
           <a:p>
             <a:pPr algn="ctr" eaLnBrk="1" hangingPunct="1"/>
             <a:r>
-              <a:rPr lang="en-US" altLang="en-US" sz="1200" dirty="0" smtClean="0">
+              <a:rPr lang="en-US" altLang="en-US" sz="1200" dirty="0">
                 <a:latin typeface="Arial" panose="020B0604020202020204" pitchFamily="34" charset="0"/>
                 <a:ea typeface="Amazon Ember" pitchFamily="34" charset="0"/>
                 <a:cs typeface="Arial" panose="020B0604020202020204" pitchFamily="34" charset="0"/>
               </a:rPr>
               <a:t>DISCOVER</a:t>
             </a:r>
-            <a:endParaRPr lang="en-US" altLang="en-US" sz="1200" dirty="0">
-              <a:latin typeface="Arial" panose="020B0604020202020204" pitchFamily="34" charset="0"/>
-              <a:ea typeface="Amazon Ember" pitchFamily="34" charset="0"/>
-              <a:cs typeface="Arial" panose="020B0604020202020204" pitchFamily="34" charset="0"/>
-            </a:endParaRPr>
           </a:p>
         </p:txBody>
       </p:sp>
@@ -21667,7 +22507,7 @@
             <a:p>
               <a:pPr algn="ctr" eaLnBrk="1" hangingPunct="1"/>
               <a:r>
-                <a:rPr lang="en-US" altLang="en-US" sz="1200" dirty="0" err="1" smtClean="0">
+                <a:rPr lang="en-US" altLang="en-US" sz="1200" dirty="0" err="1">
                   <a:latin typeface="Arial" panose="020B0604020202020204" pitchFamily="34" charset="0"/>
                   <a:ea typeface="Amazon Ember" pitchFamily="34" charset="0"/>
                   <a:cs typeface="Arial" panose="020B0604020202020204" pitchFamily="34" charset="0"/>
@@ -21675,20 +22515,12 @@
                 <a:t>Postgres</a:t>
               </a:r>
               <a:r>
-                <a:rPr lang="en-US" altLang="en-US" sz="1200" dirty="0" smtClean="0">
-                  <a:latin typeface="Arial" panose="020B0604020202020204" pitchFamily="34" charset="0"/>
-                  <a:ea typeface="Amazon Ember" pitchFamily="34" charset="0"/>
-                  <a:cs typeface="Arial" panose="020B0604020202020204" pitchFamily="34" charset="0"/>
-                </a:rPr>
-                <a:t> A </a:t>
-              </a:r>
-              <a:r>
                 <a:rPr lang="en-US" altLang="en-US" sz="1200" dirty="0">
                   <a:latin typeface="Arial" panose="020B0604020202020204" pitchFamily="34" charset="0"/>
                   <a:ea typeface="Amazon Ember" pitchFamily="34" charset="0"/>
                   <a:cs typeface="Arial" panose="020B0604020202020204" pitchFamily="34" charset="0"/>
                 </a:rPr>
-                <a:t>DB</a:t>
+                <a:t> A DB</a:t>
               </a:r>
             </a:p>
           </p:txBody>
@@ -22151,7 +22983,7 @@
           <a:p>
             <a:pPr algn="ctr" eaLnBrk="1" hangingPunct="1"/>
             <a:r>
-              <a:rPr lang="en-US" altLang="en-US" sz="1200" dirty="0" err="1" smtClean="0">
+              <a:rPr lang="en-US" altLang="en-US" sz="1200" dirty="0" err="1">
                 <a:latin typeface="Arial" panose="020B0604020202020204" pitchFamily="34" charset="0"/>
                 <a:ea typeface="Amazon Ember" pitchFamily="34" charset="0"/>
                 <a:cs typeface="Arial" panose="020B0604020202020204" pitchFamily="34" charset="0"/>
@@ -22159,18 +22991,13 @@
               <a:t>Redis</a:t>
             </a:r>
             <a:r>
-              <a:rPr lang="en-US" altLang="en-US" sz="1200" dirty="0" smtClean="0">
+              <a:rPr lang="en-US" altLang="en-US" sz="1200" dirty="0">
                 <a:latin typeface="Arial" panose="020B0604020202020204" pitchFamily="34" charset="0"/>
                 <a:ea typeface="Amazon Ember" pitchFamily="34" charset="0"/>
                 <a:cs typeface="Arial" panose="020B0604020202020204" pitchFamily="34" charset="0"/>
               </a:rPr>
               <a:t> Cache</a:t>
             </a:r>
-            <a:endParaRPr lang="en-US" altLang="en-US" sz="1200" dirty="0">
-              <a:latin typeface="Arial" panose="020B0604020202020204" pitchFamily="34" charset="0"/>
-              <a:ea typeface="Amazon Ember" pitchFamily="34" charset="0"/>
-              <a:cs typeface="Arial" panose="020B0604020202020204" pitchFamily="34" charset="0"/>
-            </a:endParaRPr>
           </a:p>
         </p:txBody>
       </p:sp>
@@ -22203,7 +23030,7 @@
           <a:lstStyle/>
           <a:p>
             <a:r>
-              <a:rPr lang="en-US" altLang="ko-KR" sz="1200" dirty="0" smtClean="0"/>
+              <a:rPr lang="en-US" altLang="ko-KR" sz="1200" dirty="0"/>
               <a:t>AJAX</a:t>
             </a:r>
             <a:endParaRPr lang="ko-KR" altLang="en-US" sz="1200" dirty="0"/>
@@ -22239,7 +23066,7 @@
           <a:lstStyle/>
           <a:p>
             <a:r>
-              <a:rPr lang="en-US" altLang="ko-KR" sz="1200" dirty="0" smtClean="0"/>
+              <a:rPr lang="en-US" altLang="ko-KR" sz="1200" dirty="0"/>
               <a:t>HTTP </a:t>
             </a:r>
           </a:p>
@@ -22274,7 +23101,7 @@
           <a:lstStyle/>
           <a:p>
             <a:r>
-              <a:rPr lang="en-US" altLang="ko-KR" sz="1200" dirty="0" smtClean="0"/>
+              <a:rPr lang="en-US" altLang="ko-KR" sz="1200" dirty="0"/>
               <a:t>REST</a:t>
             </a:r>
             <a:endParaRPr lang="ko-KR" altLang="en-US" sz="1200" dirty="0"/>
@@ -22310,7 +23137,7 @@
           <a:lstStyle/>
           <a:p>
             <a:r>
-              <a:rPr lang="en-US" altLang="ko-KR" sz="1200" dirty="0" smtClean="0"/>
+              <a:rPr lang="en-US" altLang="ko-KR" sz="1200" dirty="0"/>
               <a:t>STATIC</a:t>
             </a:r>
           </a:p>
@@ -22427,7 +23254,7 @@
           <a:lstStyle/>
           <a:p>
             <a:r>
-              <a:rPr lang="en-US" altLang="ko-KR" sz="1200" dirty="0" smtClean="0"/>
+              <a:rPr lang="en-US" altLang="ko-KR" sz="1200" dirty="0"/>
               <a:t>HOSTING</a:t>
             </a:r>
             <a:endParaRPr lang="ko-KR" altLang="en-US" sz="1200" dirty="0"/>
@@ -23058,18 +23885,13 @@
             <a:p>
               <a:pPr algn="ctr" eaLnBrk="1" hangingPunct="1"/>
               <a:r>
-                <a:rPr lang="en-US" altLang="en-US" sz="1200" dirty="0" smtClean="0">
+                <a:rPr lang="en-US" altLang="en-US" sz="1200" dirty="0">
                   <a:latin typeface="Arial" panose="020B0604020202020204" pitchFamily="34" charset="0"/>
                   <a:ea typeface="Amazon Ember" pitchFamily="34" charset="0"/>
                   <a:cs typeface="Arial" panose="020B0604020202020204" pitchFamily="34" charset="0"/>
                 </a:rPr>
                 <a:t>Service B</a:t>
               </a:r>
-              <a:endParaRPr lang="en-US" altLang="en-US" sz="1200" dirty="0">
-                <a:latin typeface="Arial" panose="020B0604020202020204" pitchFamily="34" charset="0"/>
-                <a:ea typeface="Amazon Ember" pitchFamily="34" charset="0"/>
-                <a:cs typeface="Arial" panose="020B0604020202020204" pitchFamily="34" charset="0"/>
-              </a:endParaRPr>
             </a:p>
           </p:txBody>
         </p:sp>
@@ -23660,7 +24482,7 @@
             <a:p>
               <a:pPr algn="ctr" eaLnBrk="1" hangingPunct="1"/>
               <a:r>
-                <a:rPr lang="en-US" altLang="en-US" sz="1200" dirty="0" err="1" smtClean="0">
+                <a:rPr lang="en-US" altLang="en-US" sz="1200" dirty="0" err="1">
                   <a:latin typeface="Arial" panose="020B0604020202020204" pitchFamily="34" charset="0"/>
                   <a:ea typeface="Amazon Ember" pitchFamily="34" charset="0"/>
                   <a:cs typeface="Arial" panose="020B0604020202020204" pitchFamily="34" charset="0"/>
@@ -23668,20 +24490,12 @@
                 <a:t>Postgres</a:t>
               </a:r>
               <a:r>
-                <a:rPr lang="en-US" altLang="en-US" sz="1200" dirty="0" smtClean="0">
-                  <a:latin typeface="Arial" panose="020B0604020202020204" pitchFamily="34" charset="0"/>
-                  <a:ea typeface="Amazon Ember" pitchFamily="34" charset="0"/>
-                  <a:cs typeface="Arial" panose="020B0604020202020204" pitchFamily="34" charset="0"/>
-                </a:rPr>
-                <a:t> B </a:t>
-              </a:r>
-              <a:r>
                 <a:rPr lang="en-US" altLang="en-US" sz="1200" dirty="0">
                   <a:latin typeface="Arial" panose="020B0604020202020204" pitchFamily="34" charset="0"/>
                   <a:ea typeface="Amazon Ember" pitchFamily="34" charset="0"/>
                   <a:cs typeface="Arial" panose="020B0604020202020204" pitchFamily="34" charset="0"/>
                 </a:rPr>
-                <a:t>DB</a:t>
+                <a:t> B DB</a:t>
               </a:r>
             </a:p>
           </p:txBody>
@@ -24144,7 +24958,7 @@
           <a:p>
             <a:pPr algn="ctr" eaLnBrk="1" hangingPunct="1"/>
             <a:r>
-              <a:rPr lang="en-US" altLang="en-US" sz="1200" dirty="0" err="1" smtClean="0">
+              <a:rPr lang="en-US" altLang="en-US" sz="1200" dirty="0" err="1">
                 <a:latin typeface="Arial" panose="020B0604020202020204" pitchFamily="34" charset="0"/>
                 <a:ea typeface="Amazon Ember" pitchFamily="34" charset="0"/>
                 <a:cs typeface="Arial" panose="020B0604020202020204" pitchFamily="34" charset="0"/>
@@ -24152,18 +24966,13 @@
               <a:t>Redis</a:t>
             </a:r>
             <a:r>
-              <a:rPr lang="en-US" altLang="en-US" sz="1200" dirty="0" smtClean="0">
+              <a:rPr lang="en-US" altLang="en-US" sz="1200" dirty="0">
                 <a:latin typeface="Arial" panose="020B0604020202020204" pitchFamily="34" charset="0"/>
                 <a:ea typeface="Amazon Ember" pitchFamily="34" charset="0"/>
                 <a:cs typeface="Arial" panose="020B0604020202020204" pitchFamily="34" charset="0"/>
               </a:rPr>
               <a:t> Cache</a:t>
             </a:r>
-            <a:endParaRPr lang="en-US" altLang="en-US" sz="1200" dirty="0">
-              <a:latin typeface="Arial" panose="020B0604020202020204" pitchFamily="34" charset="0"/>
-              <a:ea typeface="Amazon Ember" pitchFamily="34" charset="0"/>
-              <a:cs typeface="Arial" panose="020B0604020202020204" pitchFamily="34" charset="0"/>
-            </a:endParaRPr>
           </a:p>
         </p:txBody>
       </p:sp>
@@ -24663,18 +25472,13 @@
             <a:p>
               <a:pPr algn="ctr" eaLnBrk="1" hangingPunct="1"/>
               <a:r>
-                <a:rPr lang="en-US" altLang="en-US" sz="1200" dirty="0" smtClean="0">
+                <a:rPr lang="en-US" altLang="en-US" sz="1200" dirty="0">
                   <a:latin typeface="Arial" panose="020B0604020202020204" pitchFamily="34" charset="0"/>
                   <a:ea typeface="Amazon Ember" pitchFamily="34" charset="0"/>
                   <a:cs typeface="Arial" panose="020B0604020202020204" pitchFamily="34" charset="0"/>
                 </a:rPr>
                 <a:t>Service C</a:t>
               </a:r>
-              <a:endParaRPr lang="en-US" altLang="en-US" sz="1200" dirty="0">
-                <a:latin typeface="Arial" panose="020B0604020202020204" pitchFamily="34" charset="0"/>
-                <a:ea typeface="Amazon Ember" pitchFamily="34" charset="0"/>
-                <a:cs typeface="Arial" panose="020B0604020202020204" pitchFamily="34" charset="0"/>
-              </a:endParaRPr>
             </a:p>
           </p:txBody>
         </p:sp>
@@ -25265,7 +26069,7 @@
             <a:p>
               <a:pPr algn="ctr" eaLnBrk="1" hangingPunct="1"/>
               <a:r>
-                <a:rPr lang="en-US" altLang="en-US" sz="1200" dirty="0" err="1" smtClean="0">
+                <a:rPr lang="en-US" altLang="en-US" sz="1200" dirty="0" err="1">
                   <a:latin typeface="Arial" panose="020B0604020202020204" pitchFamily="34" charset="0"/>
                   <a:ea typeface="Amazon Ember" pitchFamily="34" charset="0"/>
                   <a:cs typeface="Arial" panose="020B0604020202020204" pitchFamily="34" charset="0"/>
@@ -25273,20 +26077,12 @@
                 <a:t>Postgres</a:t>
               </a:r>
               <a:r>
-                <a:rPr lang="en-US" altLang="en-US" sz="1200" dirty="0" smtClean="0">
-                  <a:latin typeface="Arial" panose="020B0604020202020204" pitchFamily="34" charset="0"/>
-                  <a:ea typeface="Amazon Ember" pitchFamily="34" charset="0"/>
-                  <a:cs typeface="Arial" panose="020B0604020202020204" pitchFamily="34" charset="0"/>
-                </a:rPr>
-                <a:t> C </a:t>
-              </a:r>
-              <a:r>
                 <a:rPr lang="en-US" altLang="en-US" sz="1200" dirty="0">
                   <a:latin typeface="Arial" panose="020B0604020202020204" pitchFamily="34" charset="0"/>
                   <a:ea typeface="Amazon Ember" pitchFamily="34" charset="0"/>
                   <a:cs typeface="Arial" panose="020B0604020202020204" pitchFamily="34" charset="0"/>
                 </a:rPr>
-                <a:t>DB</a:t>
+                <a:t> C DB</a:t>
               </a:r>
             </a:p>
           </p:txBody>
@@ -25749,7 +26545,7 @@
           <a:p>
             <a:pPr algn="ctr" eaLnBrk="1" hangingPunct="1"/>
             <a:r>
-              <a:rPr lang="en-US" altLang="en-US" sz="1200" dirty="0" err="1" smtClean="0">
+              <a:rPr lang="en-US" altLang="en-US" sz="1200" dirty="0" err="1">
                 <a:latin typeface="Arial" panose="020B0604020202020204" pitchFamily="34" charset="0"/>
                 <a:ea typeface="Amazon Ember" pitchFamily="34" charset="0"/>
                 <a:cs typeface="Arial" panose="020B0604020202020204" pitchFamily="34" charset="0"/>
@@ -25757,18 +26553,13 @@
               <a:t>Redis</a:t>
             </a:r>
             <a:r>
-              <a:rPr lang="en-US" altLang="en-US" sz="1200" dirty="0" smtClean="0">
+              <a:rPr lang="en-US" altLang="en-US" sz="1200" dirty="0">
                 <a:latin typeface="Arial" panose="020B0604020202020204" pitchFamily="34" charset="0"/>
                 <a:ea typeface="Amazon Ember" pitchFamily="34" charset="0"/>
                 <a:cs typeface="Arial" panose="020B0604020202020204" pitchFamily="34" charset="0"/>
               </a:rPr>
               <a:t> Cache</a:t>
             </a:r>
-            <a:endParaRPr lang="en-US" altLang="en-US" sz="1200" dirty="0">
-              <a:latin typeface="Arial" panose="020B0604020202020204" pitchFamily="34" charset="0"/>
-              <a:ea typeface="Amazon Ember" pitchFamily="34" charset="0"/>
-              <a:cs typeface="Arial" panose="020B0604020202020204" pitchFamily="34" charset="0"/>
-            </a:endParaRPr>
           </a:p>
         </p:txBody>
       </p:sp>
@@ -25924,7 +26715,7 @@
           <a:lstStyle/>
           <a:p>
             <a:r>
-              <a:rPr lang="en-US" altLang="ko-KR" sz="1200" dirty="0" smtClean="0"/>
+              <a:rPr lang="en-US" altLang="ko-KR" sz="1200" dirty="0"/>
               <a:t>EVENT</a:t>
             </a:r>
             <a:endParaRPr lang="ko-KR" altLang="en-US" sz="1200" dirty="0"/>
@@ -25977,10 +26768,9 @@
           <a:lstStyle/>
           <a:p>
             <a:r>
-              <a:rPr lang="ko-KR" altLang="en-US" dirty="0" smtClean="0"/>
+              <a:rPr lang="ko-KR" altLang="en-US" dirty="0"/>
               <a:t>용어</a:t>
             </a:r>
-            <a:endParaRPr lang="ko-KR" altLang="en-US" dirty="0"/>
           </a:p>
         </p:txBody>
       </p:sp>
@@ -26002,116 +26792,116 @@
           <a:lstStyle/>
           <a:p>
             <a:r>
-              <a:rPr lang="ko-KR" altLang="en-US" dirty="0" smtClean="0"/>
+              <a:rPr lang="ko-KR" altLang="en-US" dirty="0"/>
               <a:t>인증</a:t>
             </a:r>
             <a:r>
-              <a:rPr lang="en-US" altLang="ko-KR" dirty="0" smtClean="0"/>
+              <a:rPr lang="en-US" altLang="ko-KR" dirty="0"/>
               <a:t>(Authentication): </a:t>
             </a:r>
             <a:r>
-              <a:rPr lang="ko-KR" altLang="en-US" dirty="0" smtClean="0"/>
+              <a:rPr lang="ko-KR" altLang="en-US" dirty="0"/>
               <a:t>해당 사용자가 맞는지 확인하는 작업</a:t>
             </a:r>
-            <a:endParaRPr lang="en-US" altLang="ko-KR" dirty="0" smtClean="0"/>
+            <a:endParaRPr lang="en-US" altLang="ko-KR" dirty="0"/>
           </a:p>
           <a:p>
             <a:pPr marL="457200" lvl="1" indent="0">
               <a:buNone/>
             </a:pPr>
             <a:r>
-              <a:rPr lang="ko-KR" altLang="en-US" dirty="0" smtClean="0"/>
+              <a:rPr lang="ko-KR" altLang="en-US" dirty="0"/>
               <a:t>예</a:t>
             </a:r>
             <a:r>
-              <a:rPr lang="en-US" altLang="ko-KR" dirty="0" smtClean="0"/>
+              <a:rPr lang="en-US" altLang="ko-KR" dirty="0"/>
               <a:t>) password </a:t>
             </a:r>
             <a:r>
-              <a:rPr lang="ko-KR" altLang="en-US" dirty="0" smtClean="0"/>
+              <a:rPr lang="ko-KR" altLang="en-US" dirty="0"/>
               <a:t>인증</a:t>
             </a:r>
             <a:r>
-              <a:rPr lang="en-US" altLang="ko-KR" dirty="0" smtClean="0"/>
+              <a:rPr lang="en-US" altLang="ko-KR" dirty="0"/>
               <a:t>, </a:t>
             </a:r>
             <a:r>
-              <a:rPr lang="ko-KR" altLang="en-US" dirty="0" smtClean="0"/>
+              <a:rPr lang="ko-KR" altLang="en-US" dirty="0"/>
               <a:t>전화번호 인증</a:t>
             </a:r>
             <a:r>
-              <a:rPr lang="en-US" altLang="ko-KR" dirty="0" smtClean="0"/>
+              <a:rPr lang="en-US" altLang="ko-KR" dirty="0"/>
               <a:t>, </a:t>
             </a:r>
             <a:r>
-              <a:rPr lang="ko-KR" altLang="en-US" dirty="0" smtClean="0"/>
+              <a:rPr lang="ko-KR" altLang="en-US" dirty="0"/>
               <a:t>이메일 인증</a:t>
             </a:r>
             <a:r>
-              <a:rPr lang="en-US" altLang="ko-KR" dirty="0" smtClean="0"/>
+              <a:rPr lang="en-US" altLang="ko-KR" dirty="0"/>
               <a:t>, OTP </a:t>
             </a:r>
             <a:r>
-              <a:rPr lang="ko-KR" altLang="en-US" dirty="0" smtClean="0"/>
+              <a:rPr lang="ko-KR" altLang="en-US" dirty="0"/>
               <a:t>인증</a:t>
             </a:r>
-            <a:endParaRPr lang="en-US" altLang="ko-KR" dirty="0" smtClean="0"/>
+            <a:endParaRPr lang="en-US" altLang="ko-KR" dirty="0"/>
           </a:p>
           <a:p>
             <a:pPr marL="457200" lvl="1" indent="0">
               <a:buNone/>
             </a:pPr>
             <a:r>
-              <a:rPr lang="en-US" altLang="ko-KR" dirty="0" smtClean="0"/>
+              <a:rPr lang="en-US" altLang="ko-KR" dirty="0"/>
               <a:t>** password + </a:t>
             </a:r>
             <a:r>
-              <a:rPr lang="ko-KR" altLang="en-US" dirty="0" smtClean="0"/>
+              <a:rPr lang="ko-KR" altLang="en-US" dirty="0"/>
               <a:t>전화번호</a:t>
             </a:r>
             <a:r>
-              <a:rPr lang="en-US" altLang="ko-KR" dirty="0" smtClean="0"/>
+              <a:rPr lang="en-US" altLang="ko-KR" dirty="0"/>
               <a:t>/</a:t>
             </a:r>
             <a:r>
-              <a:rPr lang="ko-KR" altLang="en-US" dirty="0" smtClean="0"/>
+              <a:rPr lang="ko-KR" altLang="en-US" dirty="0"/>
               <a:t>이메일</a:t>
             </a:r>
             <a:r>
-              <a:rPr lang="en-US" altLang="ko-KR" dirty="0" smtClean="0"/>
+              <a:rPr lang="en-US" altLang="ko-KR" dirty="0"/>
               <a:t>/OTP </a:t>
             </a:r>
             <a:r>
-              <a:rPr lang="ko-KR" altLang="en-US" dirty="0" smtClean="0"/>
+              <a:rPr lang="ko-KR" altLang="en-US" dirty="0"/>
               <a:t>등을 같이 하는 경우에는 </a:t>
             </a:r>
             <a:r>
-              <a:rPr lang="en-US" altLang="ko-KR" dirty="0" smtClean="0"/>
+              <a:rPr lang="en-US" altLang="ko-KR" dirty="0"/>
               <a:t>2-factor authentication</a:t>
             </a:r>
             <a:r>
-              <a:rPr lang="ko-KR" altLang="en-US" dirty="0" smtClean="0"/>
+              <a:rPr lang="ko-KR" altLang="en-US" dirty="0"/>
               <a:t>이라고 함</a:t>
             </a:r>
-            <a:endParaRPr lang="en-US" altLang="ko-KR" dirty="0" smtClean="0"/>
+            <a:endParaRPr lang="en-US" altLang="ko-KR" dirty="0"/>
           </a:p>
           <a:p>
             <a:pPr marL="0" indent="0">
               <a:buNone/>
             </a:pPr>
-            <a:endParaRPr lang="en-US" altLang="ko-KR" dirty="0" smtClean="0"/>
-          </a:p>
-          <a:p>
-            <a:r>
-              <a:rPr lang="ko-KR" altLang="en-US" dirty="0" smtClean="0"/>
+            <a:endParaRPr lang="en-US" altLang="ko-KR" dirty="0"/>
+          </a:p>
+          <a:p>
+            <a:r>
+              <a:rPr lang="ko-KR" altLang="en-US" dirty="0"/>
               <a:t>허가</a:t>
             </a:r>
             <a:r>
-              <a:rPr lang="en-US" altLang="ko-KR" dirty="0" smtClean="0"/>
+              <a:rPr lang="en-US" altLang="ko-KR" dirty="0"/>
               <a:t>(Authorization): </a:t>
             </a:r>
             <a:r>
-              <a:rPr lang="ko-KR" altLang="en-US" dirty="0" smtClean="0"/>
+              <a:rPr lang="ko-KR" altLang="en-US" dirty="0"/>
               <a:t>인증 받은 사용자의 권한에 맞는 리소스만 접근할 수 있도록 하는 것</a:t>
             </a:r>
             <a:endParaRPr lang="en-US" altLang="ko-KR" dirty="0"/>
@@ -26121,35 +26911,35 @@
               <a:buNone/>
             </a:pPr>
             <a:r>
-              <a:rPr lang="ko-KR" altLang="en-US" dirty="0" smtClean="0"/>
+              <a:rPr lang="ko-KR" altLang="en-US" dirty="0"/>
               <a:t>예</a:t>
             </a:r>
             <a:r>
-              <a:rPr lang="en-US" altLang="ko-KR" dirty="0" smtClean="0"/>
+              <a:rPr lang="en-US" altLang="ko-KR" dirty="0"/>
               <a:t>) </a:t>
             </a:r>
             <a:r>
-              <a:rPr lang="ko-KR" altLang="en-US" dirty="0" smtClean="0"/>
+              <a:rPr lang="ko-KR" altLang="en-US" dirty="0"/>
               <a:t>본인이 작성한 메모만 볼 수 있도록 한다</a:t>
             </a:r>
             <a:r>
-              <a:rPr lang="en-US" altLang="ko-KR" dirty="0" smtClean="0"/>
+              <a:rPr lang="en-US" altLang="ko-KR" dirty="0"/>
               <a:t>. </a:t>
             </a:r>
             <a:r>
-              <a:rPr lang="ko-KR" altLang="en-US" dirty="0" smtClean="0"/>
+              <a:rPr lang="ko-KR" altLang="en-US" dirty="0"/>
               <a:t>관리자인 사용자만 전체 </a:t>
             </a:r>
             <a:r>
-              <a:rPr lang="ko-KR" altLang="en-US" dirty="0" err="1" smtClean="0"/>
+              <a:rPr lang="ko-KR" altLang="en-US" dirty="0" err="1"/>
               <a:t>고객목록을</a:t>
             </a:r>
             <a:r>
-              <a:rPr lang="ko-KR" altLang="en-US" dirty="0" smtClean="0"/>
+              <a:rPr lang="ko-KR" altLang="en-US" dirty="0"/>
               <a:t> 볼 수 있도록 한다 등</a:t>
             </a:r>
             <a:r>
-              <a:rPr lang="en-US" altLang="ko-KR" dirty="0" smtClean="0"/>
+              <a:rPr lang="en-US" altLang="ko-KR" dirty="0"/>
               <a:t>..</a:t>
             </a:r>
           </a:p>
@@ -26166,7 +26956,7 @@
               <a:t>(Session): </a:t>
             </a:r>
             <a:r>
-              <a:rPr lang="ko-KR" altLang="en-US" dirty="0" smtClean="0"/>
+              <a:rPr lang="ko-KR" altLang="en-US" dirty="0"/>
               <a:t>서버에서 관리하는 클라이언트의 접속 정보</a:t>
             </a:r>
             <a:endParaRPr lang="en-US" altLang="ko-KR" dirty="0"/>
@@ -26227,18 +27017,29 @@
           <a:lstStyle/>
           <a:p>
             <a:r>
-              <a:rPr lang="ko-KR" altLang="en-US" dirty="0" smtClean="0"/>
+              <a:rPr lang="ko-KR" altLang="en-US" dirty="0"/>
               <a:t>인증 및 허가 프로세스 </a:t>
             </a:r>
             <a:r>
-              <a:rPr lang="en-US" altLang="ko-KR" dirty="0" smtClean="0"/>
-              <a:t>– Session </a:t>
-            </a:r>
-            <a:r>
-              <a:rPr lang="ko-KR" altLang="en-US" dirty="0" smtClean="0"/>
+              <a:rPr lang="en-US" altLang="ko-KR" dirty="0"/>
+              <a:t>– </a:t>
+            </a:r>
+            <a:r>
+              <a:rPr lang="en-US" altLang="ko-KR" dirty="0">
+                <a:highlight>
+                  <a:srgbClr val="FFFF00"/>
+                </a:highlight>
+              </a:rPr>
+              <a:t>Session</a:t>
+            </a:r>
+            <a:r>
+              <a:rPr lang="en-US" altLang="ko-KR" dirty="0"/>
+              <a:t> </a:t>
+            </a:r>
+            <a:r>
+              <a:rPr lang="ko-KR" altLang="en-US" dirty="0"/>
               <a:t>사용</a:t>
             </a:r>
-            <a:endParaRPr lang="ko-KR" altLang="en-US" dirty="0"/>
           </a:p>
         </p:txBody>
       </p:sp>
@@ -26297,7 +27098,7 @@
               <p:nvPr/>
             </p:nvPicPr>
             <p:blipFill>
-              <a:blip r:embed="rId2" cstate="hqprint">
+              <a:blip r:embed="rId3" cstate="hqprint">
                 <a:extLst>
                   <a:ext uri="{28A0092B-C50C-407E-A947-70E740481C1C}">
                     <a14:useLocalDpi xmlns:a14="http://schemas.microsoft.com/office/drawing/2010/main" val="0"/>
@@ -26546,7 +27347,7 @@
             <p:nvPr/>
           </p:nvPicPr>
           <p:blipFill>
-            <a:blip r:embed="rId3" cstate="hqprint">
+            <a:blip r:embed="rId4" cstate="hqprint">
               <a:extLst>
                 <a:ext uri="{28A0092B-C50C-407E-A947-70E740481C1C}">
                   <a14:useLocalDpi xmlns:a14="http://schemas.microsoft.com/office/drawing/2010/main" val="0"/>
@@ -26668,11 +27469,11 @@
           <a:lstStyle/>
           <a:p>
             <a:r>
-              <a:rPr lang="ko-KR" altLang="en-US" sz="1200" dirty="0" smtClean="0"/>
+              <a:rPr lang="ko-KR" altLang="en-US" sz="1200" dirty="0"/>
               <a:t>토큰</a:t>
             </a:r>
             <a:r>
-              <a:rPr lang="en-US" altLang="ko-KR" sz="1200" dirty="0" smtClean="0"/>
+              <a:rPr lang="en-US" altLang="ko-KR" sz="1200" dirty="0"/>
               <a:t>(Token)</a:t>
             </a:r>
             <a:endParaRPr lang="ko-KR" altLang="en-US" sz="1200" dirty="0"/>
@@ -26702,30 +27503,30 @@
           <a:lstStyle/>
           <a:p>
             <a:r>
-              <a:rPr lang="ko-KR" altLang="en-US" sz="1200" dirty="0" err="1" smtClean="0"/>
+              <a:rPr lang="ko-KR" altLang="en-US" sz="1200" dirty="0" err="1"/>
               <a:t>인증요청</a:t>
             </a:r>
-            <a:endParaRPr lang="en-US" altLang="ko-KR" sz="1200" dirty="0" smtClean="0"/>
-          </a:p>
-          <a:p>
-            <a:r>
-              <a:rPr lang="en-US" altLang="ko-KR" sz="1200" dirty="0" smtClean="0"/>
+            <a:endParaRPr lang="en-US" altLang="ko-KR" sz="1200" dirty="0"/>
+          </a:p>
+          <a:p>
+            <a:r>
+              <a:rPr lang="en-US" altLang="ko-KR" sz="1200" dirty="0"/>
               <a:t>(</a:t>
             </a:r>
             <a:r>
-              <a:rPr lang="en-US" altLang="ko-KR" sz="1200" dirty="0" err="1" smtClean="0"/>
+              <a:rPr lang="en-US" altLang="ko-KR" sz="1200" dirty="0" err="1"/>
               <a:t>userid</a:t>
             </a:r>
             <a:r>
-              <a:rPr lang="en-US" altLang="ko-KR" sz="1200" dirty="0" smtClean="0"/>
+              <a:rPr lang="en-US" altLang="ko-KR" sz="1200" dirty="0"/>
               <a:t>, </a:t>
             </a:r>
             <a:r>
-              <a:rPr lang="en-US" altLang="ko-KR" sz="1200" dirty="0" err="1" smtClean="0"/>
+              <a:rPr lang="en-US" altLang="ko-KR" sz="1200" dirty="0" err="1"/>
               <a:t>passwd</a:t>
             </a:r>
             <a:r>
-              <a:rPr lang="en-US" altLang="ko-KR" sz="1200" dirty="0" smtClean="0"/>
+              <a:rPr lang="en-US" altLang="ko-KR" sz="1200" dirty="0"/>
               <a:t>)</a:t>
             </a:r>
             <a:endParaRPr lang="ko-KR" altLang="en-US" sz="1200" dirty="0"/>
@@ -26741,7 +27542,7 @@
           <p:nvPr/>
         </p:nvPicPr>
         <p:blipFill>
-          <a:blip r:embed="rId4" cstate="hqprint">
+          <a:blip r:embed="rId5" cstate="hqprint">
             <a:extLst>
               <a:ext uri="{28A0092B-C50C-407E-A947-70E740481C1C}">
                 <a14:useLocalDpi xmlns:a14="http://schemas.microsoft.com/office/drawing/2010/main" val="0"/>
@@ -26796,7 +27597,7 @@
             <p:nvPr/>
           </p:nvPicPr>
           <p:blipFill>
-            <a:blip r:embed="rId4" cstate="hqprint">
+            <a:blip r:embed="rId5" cstate="hqprint">
               <a:extLst>
                 <a:ext uri="{28A0092B-C50C-407E-A947-70E740481C1C}">
                   <a14:useLocalDpi xmlns:a14="http://schemas.microsoft.com/office/drawing/2010/main" val="0"/>
@@ -26851,14 +27652,14 @@
             <a:lstStyle/>
             <a:p>
               <a:r>
-                <a:rPr lang="ko-KR" altLang="en-US" sz="1200" dirty="0" smtClean="0"/>
+                <a:rPr lang="ko-KR" altLang="en-US" sz="1200" dirty="0"/>
                 <a:t>인증 서비스</a:t>
               </a:r>
-              <a:endParaRPr lang="en-US" altLang="ko-KR" sz="1200" dirty="0" smtClean="0"/>
+              <a:endParaRPr lang="en-US" altLang="ko-KR" sz="1200" dirty="0"/>
             </a:p>
             <a:p>
               <a:r>
-                <a:rPr lang="en-US" altLang="ko-KR" sz="1200" dirty="0" smtClean="0"/>
+                <a:rPr lang="en-US" altLang="ko-KR" sz="1200" dirty="0"/>
                 <a:t>(Identity Provider)</a:t>
               </a:r>
               <a:endParaRPr lang="ko-KR" altLang="en-US" sz="1200" dirty="0"/>
@@ -26955,15 +27756,15 @@
           <a:lstStyle/>
           <a:p>
             <a:r>
-              <a:rPr lang="en-US" altLang="ko-KR" sz="1200" dirty="0" smtClean="0"/>
+              <a:rPr lang="en-US" altLang="ko-KR" sz="1200" dirty="0"/>
               <a:t>Header&gt; Token, </a:t>
             </a:r>
             <a:r>
-              <a:rPr lang="ko-KR" altLang="en-US" sz="1200" dirty="0" smtClean="0"/>
+              <a:rPr lang="ko-KR" altLang="en-US" sz="1200" dirty="0"/>
               <a:t>서비스 접근</a:t>
             </a:r>
             <a:r>
-              <a:rPr lang="en-US" altLang="ko-KR" sz="1200" dirty="0" smtClean="0"/>
+              <a:rPr lang="en-US" altLang="ko-KR" sz="1200" dirty="0"/>
               <a:t>(access)</a:t>
             </a:r>
             <a:endParaRPr lang="ko-KR" altLang="en-US" sz="1200" dirty="0"/>
@@ -26993,14 +27794,14 @@
           <a:lstStyle/>
           <a:p>
             <a:r>
-              <a:rPr lang="ko-KR" altLang="en-US" sz="1200" dirty="0" smtClean="0"/>
+              <a:rPr lang="ko-KR" altLang="en-US" sz="1200" dirty="0"/>
               <a:t>접근할 서비스</a:t>
             </a:r>
-            <a:endParaRPr lang="en-US" altLang="ko-KR" sz="1200" dirty="0" smtClean="0"/>
-          </a:p>
-          <a:p>
-            <a:r>
-              <a:rPr lang="en-US" altLang="ko-KR" sz="1200" dirty="0" smtClean="0"/>
+            <a:endParaRPr lang="en-US" altLang="ko-KR" sz="1200" dirty="0"/>
+          </a:p>
+          <a:p>
+            <a:r>
+              <a:rPr lang="en-US" altLang="ko-KR" sz="1200" dirty="0"/>
               <a:t>(Service Provider)</a:t>
             </a:r>
             <a:endParaRPr lang="ko-KR" altLang="en-US" sz="1200" dirty="0"/>
@@ -27135,7 +27936,7 @@
                     <a:p>
                       <a:pPr latinLnBrk="1"/>
                       <a:r>
-                        <a:rPr lang="en-US" altLang="ko-KR" sz="1100" dirty="0" err="1" smtClean="0"/>
+                        <a:rPr lang="en-US" altLang="ko-KR" sz="1100" dirty="0" err="1"/>
                         <a:t>session_id</a:t>
                       </a:r>
                       <a:endParaRPr lang="ko-KR" altLang="en-US" sz="1100" dirty="0"/>
@@ -27150,7 +27951,7 @@
                     <a:p>
                       <a:pPr latinLnBrk="1"/>
                       <a:r>
-                        <a:rPr lang="en-US" altLang="ko-KR" sz="1100" dirty="0" err="1" smtClean="0"/>
+                        <a:rPr lang="en-US" altLang="ko-KR" sz="1100" dirty="0" err="1"/>
                         <a:t>user_id</a:t>
                       </a:r>
                       <a:endParaRPr lang="ko-KR" altLang="en-US" sz="1100" dirty="0"/>
@@ -27165,7 +27966,7 @@
                     <a:p>
                       <a:pPr latinLnBrk="1"/>
                       <a:r>
-                        <a:rPr lang="en-US" altLang="ko-KR" sz="1100" dirty="0" smtClean="0"/>
+                        <a:rPr lang="en-US" altLang="ko-KR" sz="1100" dirty="0"/>
                         <a:t>role</a:t>
                       </a:r>
                       <a:endParaRPr lang="ko-KR" altLang="en-US" sz="1100" dirty="0"/>
@@ -27279,17 +28080,16 @@
           <a:lstStyle/>
           <a:p>
             <a:r>
-              <a:rPr lang="ko-KR" altLang="en-US" sz="1200" dirty="0" smtClean="0"/>
+              <a:rPr lang="ko-KR" altLang="en-US" sz="1200" dirty="0"/>
               <a:t>권한에 맞는 </a:t>
             </a:r>
-            <a:endParaRPr lang="en-US" altLang="ko-KR" sz="1200" dirty="0" smtClean="0"/>
-          </a:p>
-          <a:p>
-            <a:r>
-              <a:rPr lang="ko-KR" altLang="en-US" sz="1200" dirty="0" smtClean="0"/>
+            <a:endParaRPr lang="en-US" altLang="ko-KR" sz="1200" dirty="0"/>
+          </a:p>
+          <a:p>
+            <a:r>
+              <a:rPr lang="ko-KR" altLang="en-US" sz="1200" dirty="0"/>
               <a:t>리소스 접근</a:t>
             </a:r>
-            <a:endParaRPr lang="ko-KR" altLang="en-US" sz="1200" dirty="0"/>
           </a:p>
         </p:txBody>
       </p:sp>
@@ -27316,10 +28116,9 @@
           <a:lstStyle/>
           <a:p>
             <a:r>
-              <a:rPr lang="ko-KR" altLang="en-US" sz="1200" dirty="0" smtClean="0"/>
+              <a:rPr lang="ko-KR" altLang="en-US" sz="1200" dirty="0"/>
               <a:t>권한에 맞는 리소스 응답</a:t>
             </a:r>
-            <a:endParaRPr lang="ko-KR" altLang="en-US" sz="1200" dirty="0"/>
           </a:p>
         </p:txBody>
       </p:sp>
@@ -27360,7 +28159,7 @@
           <a:p>
             <a:pPr algn="ctr"/>
             <a:r>
-              <a:rPr lang="en-US" altLang="ko-KR" sz="1400" dirty="0" smtClean="0"/>
+              <a:rPr lang="en-US" altLang="ko-KR" sz="1400" dirty="0"/>
               <a:t>1</a:t>
             </a:r>
             <a:endParaRPr lang="ko-KR" altLang="en-US" sz="1400" dirty="0"/>
@@ -27511,26 +28310,25 @@
           <a:lstStyle/>
           <a:p>
             <a:r>
-              <a:rPr lang="ko-KR" altLang="en-US" sz="1200" dirty="0" smtClean="0"/>
+              <a:rPr lang="ko-KR" altLang="en-US" sz="1200" dirty="0"/>
               <a:t>토큰</a:t>
             </a:r>
             <a:r>
-              <a:rPr lang="en-US" altLang="ko-KR" sz="1200" dirty="0" smtClean="0"/>
+              <a:rPr lang="en-US" altLang="ko-KR" sz="1200" dirty="0"/>
               <a:t>(</a:t>
             </a:r>
             <a:r>
-              <a:rPr lang="en-US" altLang="ko-KR" sz="1200" dirty="0" err="1" smtClean="0"/>
+              <a:rPr lang="en-US" altLang="ko-KR" sz="1200" dirty="0" err="1"/>
               <a:t>sessionId</a:t>
             </a:r>
             <a:r>
-              <a:rPr lang="en-US" altLang="ko-KR" sz="1200" dirty="0" smtClean="0"/>
+              <a:rPr lang="en-US" altLang="ko-KR" sz="1200" dirty="0"/>
               <a:t>) </a:t>
             </a:r>
             <a:r>
-              <a:rPr lang="ko-KR" altLang="en-US" sz="1200" dirty="0" smtClean="0"/>
+              <a:rPr lang="ko-KR" altLang="en-US" sz="1200" dirty="0"/>
               <a:t>생성 및 세션저장소에 사용자 정보 저장</a:t>
             </a:r>
-            <a:endParaRPr lang="ko-KR" altLang="en-US" sz="1200" dirty="0"/>
           </a:p>
         </p:txBody>
       </p:sp>
@@ -27557,17 +28355,16 @@
           <a:lstStyle/>
           <a:p>
             <a:r>
-              <a:rPr lang="ko-KR" altLang="en-US" sz="1200" dirty="0" smtClean="0"/>
+              <a:rPr lang="ko-KR" altLang="en-US" sz="1200" dirty="0"/>
               <a:t>세션 저장소에서 </a:t>
             </a:r>
-            <a:endParaRPr lang="en-US" altLang="ko-KR" sz="1200" dirty="0" smtClean="0"/>
-          </a:p>
-          <a:p>
-            <a:r>
-              <a:rPr lang="ko-KR" altLang="en-US" sz="1200" dirty="0" smtClean="0"/>
+            <a:endParaRPr lang="en-US" altLang="ko-KR" sz="1200" dirty="0"/>
+          </a:p>
+          <a:p>
+            <a:r>
+              <a:rPr lang="ko-KR" altLang="en-US" sz="1200" dirty="0"/>
               <a:t>토큰 유효성 확인 및 사용자 정보 조회</a:t>
             </a:r>
-            <a:endParaRPr lang="ko-KR" altLang="en-US" sz="1200" dirty="0"/>
           </a:p>
         </p:txBody>
       </p:sp>
@@ -27608,7 +28405,7 @@
           <a:p>
             <a:pPr algn="ctr"/>
             <a:r>
-              <a:rPr lang="en-US" altLang="ko-KR" sz="1400" dirty="0" smtClean="0"/>
+              <a:rPr lang="en-US" altLang="ko-KR" sz="1400" dirty="0"/>
               <a:t>3</a:t>
             </a:r>
             <a:endParaRPr lang="ko-KR" altLang="en-US" sz="1400" dirty="0"/>
@@ -27652,7 +28449,7 @@
           <a:p>
             <a:pPr algn="ctr"/>
             <a:r>
-              <a:rPr lang="en-US" altLang="ko-KR" sz="1400" dirty="0" smtClean="0"/>
+              <a:rPr lang="en-US" altLang="ko-KR" sz="1400" dirty="0"/>
               <a:t>5</a:t>
             </a:r>
             <a:endParaRPr lang="ko-KR" altLang="en-US" sz="1400" dirty="0"/>
@@ -27669,13 +28466,6 @@
   <p:clrMapOvr>
     <a:masterClrMapping/>
   </p:clrMapOvr>
-  <p:timing>
-    <p:tnLst>
-      <p:par>
-        <p:cTn id="1" dur="indefinite" restart="never" nodeType="tmRoot"/>
-      </p:par>
-    </p:tnLst>
-  </p:timing>
 </p:sld>
 </file>
 
@@ -27717,18 +28507,29 @@
           <a:lstStyle/>
           <a:p>
             <a:r>
-              <a:rPr lang="ko-KR" altLang="en-US" dirty="0" smtClean="0"/>
+              <a:rPr lang="ko-KR" altLang="en-US" dirty="0"/>
               <a:t>인증 및 허가 프로세스 </a:t>
             </a:r>
             <a:r>
-              <a:rPr lang="en-US" altLang="ko-KR" dirty="0" smtClean="0"/>
-              <a:t>– JWT </a:t>
-            </a:r>
-            <a:r>
-              <a:rPr lang="ko-KR" altLang="en-US" dirty="0" smtClean="0"/>
+              <a:rPr lang="en-US" altLang="ko-KR" dirty="0"/>
+              <a:t>– </a:t>
+            </a:r>
+            <a:r>
+              <a:rPr lang="en-US" altLang="ko-KR" dirty="0">
+                <a:highlight>
+                  <a:srgbClr val="FFFF00"/>
+                </a:highlight>
+              </a:rPr>
+              <a:t>JWT </a:t>
+            </a:r>
+            <a:r>
+              <a:rPr lang="ko-KR" altLang="en-US" dirty="0">
+                <a:highlight>
+                  <a:srgbClr val="FFFF00"/>
+                </a:highlight>
+              </a:rPr>
               <a:t>사용</a:t>
             </a:r>
-            <a:endParaRPr lang="ko-KR" altLang="en-US" dirty="0"/>
           </a:p>
         </p:txBody>
       </p:sp>
@@ -27787,7 +28588,7 @@
               <p:nvPr/>
             </p:nvPicPr>
             <p:blipFill>
-              <a:blip r:embed="rId2" cstate="hqprint">
+              <a:blip r:embed="rId3" cstate="hqprint">
                 <a:extLst>
                   <a:ext uri="{28A0092B-C50C-407E-A947-70E740481C1C}">
                     <a14:useLocalDpi xmlns:a14="http://schemas.microsoft.com/office/drawing/2010/main" val="0"/>
@@ -28036,7 +28837,7 @@
             <p:nvPr/>
           </p:nvPicPr>
           <p:blipFill>
-            <a:blip r:embed="rId3" cstate="hqprint">
+            <a:blip r:embed="rId4" cstate="hqprint">
               <a:extLst>
                 <a:ext uri="{28A0092B-C50C-407E-A947-70E740481C1C}">
                   <a14:useLocalDpi xmlns:a14="http://schemas.microsoft.com/office/drawing/2010/main" val="0"/>
@@ -28158,11 +28959,11 @@
           <a:lstStyle/>
           <a:p>
             <a:r>
-              <a:rPr lang="ko-KR" altLang="en-US" sz="1200" dirty="0" smtClean="0"/>
+              <a:rPr lang="ko-KR" altLang="en-US" sz="1200" dirty="0"/>
               <a:t>토큰</a:t>
             </a:r>
             <a:r>
-              <a:rPr lang="en-US" altLang="ko-KR" sz="1200" dirty="0" smtClean="0"/>
+              <a:rPr lang="en-US" altLang="ko-KR" sz="1200" dirty="0"/>
               <a:t>(Token)</a:t>
             </a:r>
             <a:endParaRPr lang="ko-KR" altLang="en-US" sz="1200" dirty="0"/>
@@ -28178,7 +28979,7 @@
           <p:nvPr/>
         </p:nvPicPr>
         <p:blipFill>
-          <a:blip r:embed="rId4" cstate="hqprint">
+          <a:blip r:embed="rId5" cstate="hqprint">
             <a:extLst>
               <a:ext uri="{28A0092B-C50C-407E-A947-70E740481C1C}">
                 <a14:useLocalDpi xmlns:a14="http://schemas.microsoft.com/office/drawing/2010/main" val="0"/>
@@ -28233,7 +29034,7 @@
             <p:nvPr/>
           </p:nvPicPr>
           <p:blipFill>
-            <a:blip r:embed="rId4" cstate="hqprint">
+            <a:blip r:embed="rId5" cstate="hqprint">
               <a:extLst>
                 <a:ext uri="{28A0092B-C50C-407E-A947-70E740481C1C}">
                   <a14:useLocalDpi xmlns:a14="http://schemas.microsoft.com/office/drawing/2010/main" val="0"/>
@@ -28288,14 +29089,14 @@
             <a:lstStyle/>
             <a:p>
               <a:r>
-                <a:rPr lang="ko-KR" altLang="en-US" sz="1200" dirty="0" smtClean="0"/>
+                <a:rPr lang="ko-KR" altLang="en-US" sz="1200" dirty="0"/>
                 <a:t>인증 서비스</a:t>
               </a:r>
-              <a:endParaRPr lang="en-US" altLang="ko-KR" sz="1200" dirty="0" smtClean="0"/>
+              <a:endParaRPr lang="en-US" altLang="ko-KR" sz="1200" dirty="0"/>
             </a:p>
             <a:p>
               <a:r>
-                <a:rPr lang="en-US" altLang="ko-KR" sz="1200" dirty="0" smtClean="0"/>
+                <a:rPr lang="en-US" altLang="ko-KR" sz="1200" dirty="0"/>
                 <a:t>(Identity Provider)</a:t>
               </a:r>
               <a:endParaRPr lang="ko-KR" altLang="en-US" sz="1200" dirty="0"/>
@@ -28392,15 +29193,15 @@
           <a:lstStyle/>
           <a:p>
             <a:r>
-              <a:rPr lang="en-US" altLang="ko-KR" sz="1200" dirty="0" smtClean="0"/>
+              <a:rPr lang="en-US" altLang="ko-KR" sz="1200" dirty="0"/>
               <a:t>Header&gt; Token, </a:t>
             </a:r>
             <a:r>
-              <a:rPr lang="ko-KR" altLang="en-US" sz="1200" dirty="0" smtClean="0"/>
+              <a:rPr lang="ko-KR" altLang="en-US" sz="1200" dirty="0"/>
               <a:t>서비스 접근</a:t>
             </a:r>
             <a:r>
-              <a:rPr lang="en-US" altLang="ko-KR" sz="1200" dirty="0" smtClean="0"/>
+              <a:rPr lang="en-US" altLang="ko-KR" sz="1200" dirty="0"/>
               <a:t>(access)</a:t>
             </a:r>
             <a:endParaRPr lang="ko-KR" altLang="en-US" sz="1200" dirty="0"/>
@@ -28430,14 +29231,14 @@
           <a:lstStyle/>
           <a:p>
             <a:r>
-              <a:rPr lang="ko-KR" altLang="en-US" sz="1200" dirty="0" smtClean="0"/>
+              <a:rPr lang="ko-KR" altLang="en-US" sz="1200" dirty="0"/>
               <a:t>접근할 서비스</a:t>
             </a:r>
-            <a:endParaRPr lang="en-US" altLang="ko-KR" sz="1200" dirty="0" smtClean="0"/>
-          </a:p>
-          <a:p>
-            <a:r>
-              <a:rPr lang="en-US" altLang="ko-KR" sz="1200" dirty="0" smtClean="0"/>
+            <a:endParaRPr lang="en-US" altLang="ko-KR" sz="1200" dirty="0"/>
+          </a:p>
+          <a:p>
+            <a:r>
+              <a:rPr lang="en-US" altLang="ko-KR" sz="1200" dirty="0"/>
               <a:t>(Service Provider)</a:t>
             </a:r>
             <a:endParaRPr lang="ko-KR" altLang="en-US" sz="1200" dirty="0"/>
@@ -28500,7 +29301,7 @@
           <a:lstStyle/>
           <a:p>
             <a:r>
-              <a:rPr lang="ko-KR" altLang="en-US" sz="1200" dirty="0" smtClean="0"/>
+              <a:rPr lang="ko-KR" altLang="en-US" sz="1200" dirty="0"/>
               <a:t>토큰을 디코딩하고</a:t>
             </a:r>
             <a:r>
@@ -28508,10 +29309,10 @@
               <a:t> </a:t>
             </a:r>
             <a:r>
-              <a:rPr lang="ko-KR" altLang="en-US" sz="1200" dirty="0" smtClean="0"/>
+              <a:rPr lang="ko-KR" altLang="en-US" sz="1200" dirty="0"/>
               <a:t>검증</a:t>
             </a:r>
-            <a:endParaRPr lang="en-US" altLang="ko-KR" sz="1200" dirty="0" smtClean="0"/>
+            <a:endParaRPr lang="en-US" altLang="ko-KR" sz="1200" dirty="0"/>
           </a:p>
         </p:txBody>
       </p:sp>
@@ -28611,17 +29412,16 @@
           <a:lstStyle/>
           <a:p>
             <a:r>
-              <a:rPr lang="ko-KR" altLang="en-US" sz="1200" dirty="0" smtClean="0"/>
+              <a:rPr lang="ko-KR" altLang="en-US" sz="1200" dirty="0"/>
               <a:t>권한에 맞는 </a:t>
             </a:r>
-            <a:endParaRPr lang="en-US" altLang="ko-KR" sz="1200" dirty="0" smtClean="0"/>
-          </a:p>
-          <a:p>
-            <a:r>
-              <a:rPr lang="ko-KR" altLang="en-US" sz="1200" dirty="0" smtClean="0"/>
+            <a:endParaRPr lang="en-US" altLang="ko-KR" sz="1200" dirty="0"/>
+          </a:p>
+          <a:p>
+            <a:r>
+              <a:rPr lang="ko-KR" altLang="en-US" sz="1200" dirty="0"/>
               <a:t>리소스 접근</a:t>
             </a:r>
-            <a:endParaRPr lang="ko-KR" altLang="en-US" sz="1200" dirty="0"/>
           </a:p>
         </p:txBody>
       </p:sp>
@@ -28648,10 +29448,9 @@
           <a:lstStyle/>
           <a:p>
             <a:r>
-              <a:rPr lang="ko-KR" altLang="en-US" sz="1200" dirty="0" smtClean="0"/>
+              <a:rPr lang="ko-KR" altLang="en-US" sz="1200" dirty="0"/>
               <a:t>권한에 맞는 리소스 응답</a:t>
             </a:r>
-            <a:endParaRPr lang="ko-KR" altLang="en-US" sz="1200" dirty="0"/>
           </a:p>
         </p:txBody>
       </p:sp>
@@ -28692,7 +29491,7 @@
           <a:p>
             <a:pPr algn="ctr"/>
             <a:r>
-              <a:rPr lang="en-US" altLang="ko-KR" sz="1400" dirty="0" smtClean="0"/>
+              <a:rPr lang="en-US" altLang="ko-KR" sz="1400" dirty="0"/>
               <a:t>3</a:t>
             </a:r>
             <a:endParaRPr lang="ko-KR" altLang="en-US" sz="1400" dirty="0"/>
@@ -28780,7 +29579,7 @@
           <a:p>
             <a:pPr algn="ctr"/>
             <a:r>
-              <a:rPr lang="en-US" altLang="ko-KR" sz="1400" dirty="0" smtClean="0"/>
+              <a:rPr lang="en-US" altLang="ko-KR" sz="1400" dirty="0"/>
               <a:t>5</a:t>
             </a:r>
             <a:endParaRPr lang="ko-KR" altLang="en-US" sz="1400" dirty="0"/>
@@ -28840,7 +29639,7 @@
           <p:nvPr/>
         </p:nvPicPr>
         <p:blipFill>
-          <a:blip r:embed="rId5"/>
+          <a:blip r:embed="rId6"/>
           <a:stretch>
             <a:fillRect/>
           </a:stretch>
@@ -28864,7 +29663,7 @@
           <p:nvPr/>
         </p:nvPicPr>
         <p:blipFill>
-          <a:blip r:embed="rId6"/>
+          <a:blip r:embed="rId7"/>
           <a:stretch>
             <a:fillRect/>
           </a:stretch>
@@ -28888,7 +29687,7 @@
           <p:nvPr/>
         </p:nvPicPr>
         <p:blipFill>
-          <a:blip r:embed="rId7" cstate="hqprint">
+          <a:blip r:embed="rId8" cstate="hqprint">
             <a:extLst>
               <a:ext uri="{28A0092B-C50C-407E-A947-70E740481C1C}">
                 <a14:useLocalDpi xmlns:a14="http://schemas.microsoft.com/office/drawing/2010/main" val="0"/>
@@ -28976,10 +29775,10 @@
           <a:lstStyle/>
           <a:p>
             <a:r>
-              <a:rPr lang="ko-KR" altLang="en-US" sz="1200" dirty="0" smtClean="0"/>
+              <a:rPr lang="ko-KR" altLang="en-US" sz="1200" dirty="0"/>
               <a:t>검증</a:t>
             </a:r>
-            <a:endParaRPr lang="en-US" altLang="ko-KR" sz="1200" dirty="0" smtClean="0"/>
+            <a:endParaRPr lang="en-US" altLang="ko-KR" sz="1200" dirty="0"/>
           </a:p>
         </p:txBody>
       </p:sp>
@@ -28992,7 +29791,7 @@
           <p:nvPr/>
         </p:nvPicPr>
         <p:blipFill>
-          <a:blip r:embed="rId6"/>
+          <a:blip r:embed="rId7"/>
           <a:stretch>
             <a:fillRect/>
           </a:stretch>
@@ -29030,40 +29829,36 @@
           <a:lstStyle/>
           <a:p>
             <a:r>
-              <a:rPr lang="ko-KR" altLang="en-US" sz="1200" dirty="0" smtClean="0"/>
+              <a:rPr lang="ko-KR" altLang="en-US" sz="1200" dirty="0"/>
               <a:t>사용자 정보 및 </a:t>
             </a:r>
             <a:r>
-              <a:rPr lang="ko-KR" altLang="en-US" sz="1200" dirty="0" err="1" smtClean="0"/>
+              <a:rPr lang="ko-KR" altLang="en-US" sz="1200" dirty="0" err="1"/>
               <a:t>검증정보를</a:t>
-            </a:r>
-            <a:r>
-              <a:rPr lang="ko-KR" altLang="en-US" sz="1200" dirty="0" smtClean="0"/>
-              <a:t> </a:t>
-            </a:r>
-            <a:endParaRPr lang="en-US" altLang="ko-KR" sz="1200" dirty="0" smtClean="0"/>
-          </a:p>
-          <a:p>
-            <a:r>
-              <a:rPr lang="en-US" altLang="ko-KR" sz="1200" dirty="0" smtClean="0"/>
-              <a:t>JSON-&gt;base64</a:t>
             </a:r>
             <a:r>
               <a:rPr lang="ko-KR" altLang="en-US" sz="1200" dirty="0"/>
               <a:t> </a:t>
             </a:r>
-            <a:r>
-              <a:rPr lang="ko-KR" altLang="en-US" sz="1200" dirty="0" smtClean="0"/>
-              <a:t>인코딩하여 </a:t>
-            </a:r>
-            <a:endParaRPr lang="en-US" altLang="ko-KR" sz="1200" dirty="0" smtClean="0"/>
-          </a:p>
-          <a:p>
-            <a:r>
-              <a:rPr lang="ko-KR" altLang="en-US" sz="1200" dirty="0" smtClean="0"/>
+            <a:endParaRPr lang="en-US" altLang="ko-KR" sz="1200" dirty="0"/>
+          </a:p>
+          <a:p>
+            <a:r>
+              <a:rPr lang="en-US" altLang="ko-KR" sz="1200" dirty="0"/>
+              <a:t>JSON-&gt;base64</a:t>
+            </a:r>
+            <a:r>
+              <a:rPr lang="ko-KR" altLang="en-US" sz="1200" dirty="0"/>
+              <a:t> 인코딩하여 </a:t>
+            </a:r>
+            <a:endParaRPr lang="en-US" altLang="ko-KR" sz="1200" dirty="0"/>
+          </a:p>
+          <a:p>
+            <a:r>
+              <a:rPr lang="ko-KR" altLang="en-US" sz="1200" dirty="0"/>
               <a:t>토큰 생성</a:t>
             </a:r>
-            <a:endParaRPr lang="en-US" altLang="ko-KR" sz="1200" dirty="0" smtClean="0"/>
+            <a:endParaRPr lang="en-US" altLang="ko-KR" sz="1200" dirty="0"/>
           </a:p>
         </p:txBody>
       </p:sp>
@@ -29076,7 +29871,7 @@
           <p:nvPr/>
         </p:nvPicPr>
         <p:blipFill>
-          <a:blip r:embed="rId7" cstate="hqprint">
+          <a:blip r:embed="rId8" cstate="hqprint">
             <a:extLst>
               <a:ext uri="{28A0092B-C50C-407E-A947-70E740481C1C}">
                 <a14:useLocalDpi xmlns:a14="http://schemas.microsoft.com/office/drawing/2010/main" val="0"/>
@@ -29117,7 +29912,7 @@
           <p:nvPr/>
         </p:nvPicPr>
         <p:blipFill>
-          <a:blip r:embed="rId5"/>
+          <a:blip r:embed="rId6"/>
           <a:stretch>
             <a:fillRect/>
           </a:stretch>
@@ -29221,14 +30016,14 @@
           <a:lstStyle/>
           <a:p>
             <a:r>
-              <a:rPr lang="ko-KR" altLang="en-US" sz="1200" dirty="0" err="1" smtClean="0"/>
+              <a:rPr lang="ko-KR" altLang="en-US" sz="1200" dirty="0" err="1"/>
               <a:t>검증정보</a:t>
             </a:r>
             <a:r>
-              <a:rPr lang="ko-KR" altLang="en-US" sz="1200" dirty="0" smtClean="0"/>
+              <a:rPr lang="ko-KR" altLang="en-US" sz="1200" dirty="0"/>
               <a:t> 생성</a:t>
             </a:r>
-            <a:endParaRPr lang="en-US" altLang="ko-KR" sz="1200" dirty="0" smtClean="0"/>
+            <a:endParaRPr lang="en-US" altLang="ko-KR" sz="1200" dirty="0"/>
           </a:p>
         </p:txBody>
       </p:sp>
@@ -29255,30 +30050,30 @@
           <a:lstStyle/>
           <a:p>
             <a:r>
-              <a:rPr lang="ko-KR" altLang="en-US" sz="1200" dirty="0" err="1" smtClean="0"/>
+              <a:rPr lang="ko-KR" altLang="en-US" sz="1200" dirty="0" err="1"/>
               <a:t>인증요청</a:t>
             </a:r>
-            <a:endParaRPr lang="en-US" altLang="ko-KR" sz="1200" dirty="0" smtClean="0"/>
-          </a:p>
-          <a:p>
-            <a:r>
-              <a:rPr lang="en-US" altLang="ko-KR" sz="1200" dirty="0" smtClean="0"/>
+            <a:endParaRPr lang="en-US" altLang="ko-KR" sz="1200" dirty="0"/>
+          </a:p>
+          <a:p>
+            <a:r>
+              <a:rPr lang="en-US" altLang="ko-KR" sz="1200" dirty="0"/>
               <a:t>(</a:t>
             </a:r>
             <a:r>
-              <a:rPr lang="en-US" altLang="ko-KR" sz="1200" dirty="0" err="1" smtClean="0"/>
+              <a:rPr lang="en-US" altLang="ko-KR" sz="1200" dirty="0" err="1"/>
               <a:t>userid</a:t>
             </a:r>
             <a:r>
-              <a:rPr lang="en-US" altLang="ko-KR" sz="1200" dirty="0" smtClean="0"/>
+              <a:rPr lang="en-US" altLang="ko-KR" sz="1200" dirty="0"/>
               <a:t>, </a:t>
             </a:r>
             <a:r>
-              <a:rPr lang="en-US" altLang="ko-KR" sz="1200" dirty="0" err="1" smtClean="0"/>
+              <a:rPr lang="en-US" altLang="ko-KR" sz="1200" dirty="0" err="1"/>
               <a:t>passwd</a:t>
             </a:r>
             <a:r>
-              <a:rPr lang="en-US" altLang="ko-KR" sz="1200" dirty="0" smtClean="0"/>
+              <a:rPr lang="en-US" altLang="ko-KR" sz="1200" dirty="0"/>
               <a:t>)</a:t>
             </a:r>
             <a:endParaRPr lang="ko-KR" altLang="en-US" sz="1200" dirty="0"/>
@@ -29322,7 +30117,7 @@
           <a:p>
             <a:pPr algn="ctr"/>
             <a:r>
-              <a:rPr lang="en-US" altLang="ko-KR" sz="1400" dirty="0" smtClean="0"/>
+              <a:rPr lang="en-US" altLang="ko-KR" sz="1400" dirty="0"/>
               <a:t>1</a:t>
             </a:r>
             <a:endParaRPr lang="ko-KR" altLang="en-US" sz="1400" dirty="0"/>
@@ -29339,13 +30134,6 @@
   <p:clrMapOvr>
     <a:masterClrMapping/>
   </p:clrMapOvr>
-  <p:timing>
-    <p:tnLst>
-      <p:par>
-        <p:cTn id="1" dur="indefinite" restart="never" nodeType="tmRoot"/>
-      </p:par>
-    </p:tnLst>
-  </p:timing>
 </p:sld>
 </file>
 
@@ -29382,7 +30170,7 @@
           <a:lstStyle/>
           <a:p>
             <a:r>
-              <a:rPr lang="en-US" altLang="ko-KR" dirty="0" smtClean="0"/>
+              <a:rPr lang="en-US" altLang="ko-KR" dirty="0"/>
               <a:t>Session vs JWT</a:t>
             </a:r>
             <a:endParaRPr lang="ko-KR" altLang="en-US" dirty="0"/>
@@ -29406,17 +30194,11 @@
           <a:p>
             <a:r>
               <a:rPr lang="en-US" altLang="ko-KR" dirty="0">
-                <a:hlinkClick r:id="rId2"/>
+                <a:hlinkClick r:id="rId3"/>
               </a:rPr>
-              <a:t>https://tecoble.techcourse.co.kr/post/2021-05-22-cookie-session-jwt</a:t>
-            </a:r>
-            <a:r>
-              <a:rPr lang="en-US" altLang="ko-KR" dirty="0" smtClean="0">
-                <a:hlinkClick r:id="rId2"/>
-              </a:rPr>
-              <a:t>/</a:t>
-            </a:r>
-            <a:endParaRPr lang="en-US" altLang="ko-KR" dirty="0" smtClean="0"/>
+              <a:t>https://tecoble.techcourse.co.kr/post/2021-05-22-cookie-session-jwt/</a:t>
+            </a:r>
+            <a:endParaRPr lang="en-US" altLang="ko-KR" dirty="0"/>
           </a:p>
           <a:p>
             <a:endParaRPr lang="en-US" altLang="ko-KR" dirty="0"/>
@@ -29435,7 +30217,7 @@
           <p:nvPr/>
         </p:nvPicPr>
         <p:blipFill>
-          <a:blip r:embed="rId3"/>
+          <a:blip r:embed="rId4"/>
           <a:stretch>
             <a:fillRect/>
           </a:stretch>
@@ -29460,13 +30242,6 @@
   <p:clrMapOvr>
     <a:masterClrMapping/>
   </p:clrMapOvr>
-  <p:timing>
-    <p:tnLst>
-      <p:par>
-        <p:cTn id="1" dur="indefinite" restart="never" nodeType="tmRoot"/>
-      </p:par>
-    </p:tnLst>
-  </p:timing>
 </p:sld>
 </file>
 
@@ -29503,33 +30278,28 @@
           <a:lstStyle/>
           <a:p>
             <a:r>
-              <a:rPr lang="en-US" altLang="ko-KR" dirty="0" smtClean="0"/>
+              <a:rPr lang="en-US" altLang="ko-KR" dirty="0"/>
               <a:t>API Gateway</a:t>
             </a:r>
             <a:r>
-              <a:rPr lang="ko-KR" altLang="en-US" dirty="0" smtClean="0"/>
+              <a:rPr lang="ko-KR" altLang="en-US" dirty="0"/>
               <a:t>를 사용한</a:t>
             </a:r>
-            <a:r>
-              <a:rPr lang="en-US" altLang="ko-KR" dirty="0" smtClean="0"/>
-              <a:t/>
-            </a:r>
             <a:br>
-              <a:rPr lang="en-US" altLang="ko-KR" dirty="0" smtClean="0"/>
+              <a:rPr lang="en-US" altLang="ko-KR" dirty="0"/>
             </a:br>
             <a:r>
-              <a:rPr lang="ko-KR" altLang="en-US" dirty="0" smtClean="0"/>
+              <a:rPr lang="ko-KR" altLang="en-US" dirty="0"/>
               <a:t>세션 기반 인증</a:t>
             </a:r>
             <a:r>
-              <a:rPr lang="en-US" altLang="ko-KR" dirty="0" smtClean="0"/>
+              <a:rPr lang="en-US" altLang="ko-KR" dirty="0"/>
               <a:t>/</a:t>
             </a:r>
             <a:r>
-              <a:rPr lang="ko-KR" altLang="en-US" dirty="0" smtClean="0"/>
+              <a:rPr lang="ko-KR" altLang="en-US" dirty="0"/>
               <a:t>허가 처리</a:t>
             </a:r>
-            <a:endParaRPr lang="ko-KR" altLang="en-US" dirty="0"/>
           </a:p>
         </p:txBody>
       </p:sp>
@@ -29598,10 +30368,9 @@
           <a:lstStyle/>
           <a:p>
             <a:r>
-              <a:rPr lang="ko-KR" altLang="en-US" dirty="0" smtClean="0"/>
+              <a:rPr lang="ko-KR" altLang="en-US" dirty="0"/>
               <a:t>처리 방안</a:t>
             </a:r>
-            <a:endParaRPr lang="ko-KR" altLang="en-US" dirty="0"/>
           </a:p>
         </p:txBody>
       </p:sp>
@@ -29621,73 +30390,73 @@
           <a:lstStyle/>
           <a:p>
             <a:r>
-              <a:rPr lang="en-US" altLang="ko-KR" dirty="0" smtClean="0"/>
+              <a:rPr lang="en-US" altLang="ko-KR" dirty="0"/>
               <a:t>API Gateway</a:t>
             </a:r>
             <a:r>
-              <a:rPr lang="ko-KR" altLang="en-US" dirty="0" smtClean="0"/>
+              <a:rPr lang="ko-KR" altLang="en-US" dirty="0"/>
               <a:t>에서 인증 처리하며</a:t>
             </a:r>
             <a:r>
-              <a:rPr lang="en-US" altLang="ko-KR" dirty="0" smtClean="0"/>
+              <a:rPr lang="en-US" altLang="ko-KR" dirty="0"/>
               <a:t>, </a:t>
             </a:r>
             <a:r>
-              <a:rPr lang="ko-KR" altLang="en-US" dirty="0" smtClean="0"/>
+              <a:rPr lang="ko-KR" altLang="en-US" dirty="0"/>
               <a:t>세션 저장소에 접근</a:t>
             </a:r>
-            <a:endParaRPr lang="en-US" altLang="ko-KR" dirty="0" smtClean="0"/>
+            <a:endParaRPr lang="en-US" altLang="ko-KR" dirty="0"/>
           </a:p>
           <a:p>
             <a:pPr marL="457200" lvl="1" indent="0">
               <a:buNone/>
             </a:pPr>
             <a:r>
-              <a:rPr lang="ko-KR" altLang="en-US" dirty="0" smtClean="0"/>
+              <a:rPr lang="ko-KR" altLang="en-US" dirty="0"/>
               <a:t>예</a:t>
             </a:r>
             <a:r>
-              <a:rPr lang="en-US" altLang="ko-KR" dirty="0" smtClean="0"/>
+              <a:rPr lang="en-US" altLang="ko-KR" dirty="0"/>
               <a:t>) </a:t>
             </a:r>
             <a:r>
-              <a:rPr lang="ko-KR" altLang="en-US" dirty="0" err="1" smtClean="0"/>
+              <a:rPr lang="ko-KR" altLang="en-US" dirty="0" err="1"/>
               <a:t>디바이스별</a:t>
             </a:r>
             <a:r>
-              <a:rPr lang="en-US" altLang="ko-KR" dirty="0" smtClean="0"/>
+              <a:rPr lang="en-US" altLang="ko-KR" dirty="0"/>
               <a:t>(</a:t>
             </a:r>
             <a:r>
-              <a:rPr lang="ko-KR" altLang="en-US" dirty="0" smtClean="0"/>
+              <a:rPr lang="ko-KR" altLang="en-US" dirty="0"/>
               <a:t>모바일</a:t>
             </a:r>
             <a:r>
-              <a:rPr lang="en-US" altLang="ko-KR" dirty="0" smtClean="0"/>
+              <a:rPr lang="en-US" altLang="ko-KR" dirty="0"/>
               <a:t>, </a:t>
             </a:r>
             <a:r>
-              <a:rPr lang="ko-KR" altLang="en-US" dirty="0" smtClean="0"/>
+              <a:rPr lang="ko-KR" altLang="en-US" dirty="0"/>
               <a:t>웹</a:t>
             </a:r>
             <a:r>
-              <a:rPr lang="en-US" altLang="ko-KR" dirty="0" smtClean="0"/>
+              <a:rPr lang="en-US" altLang="ko-KR" dirty="0"/>
               <a:t>, PC) </a:t>
             </a:r>
             <a:r>
-              <a:rPr lang="ko-KR" altLang="en-US" dirty="0" smtClean="0"/>
+              <a:rPr lang="ko-KR" altLang="en-US" dirty="0"/>
               <a:t>별도의 </a:t>
             </a:r>
             <a:r>
-              <a:rPr lang="en-US" altLang="ko-KR" dirty="0" smtClean="0"/>
+              <a:rPr lang="en-US" altLang="ko-KR" dirty="0"/>
               <a:t>API Gateway</a:t>
             </a:r>
             <a:r>
-              <a:rPr lang="ko-KR" altLang="en-US" dirty="0" smtClean="0"/>
+              <a:rPr lang="ko-KR" altLang="en-US" dirty="0"/>
               <a:t>를 가져가며 디바이스별로 세션을 유지한다</a:t>
             </a:r>
             <a:r>
-              <a:rPr lang="en-US" altLang="ko-KR" dirty="0" smtClean="0"/>
+              <a:rPr lang="en-US" altLang="ko-KR" dirty="0"/>
               <a:t>.</a:t>
             </a:r>
           </a:p>
@@ -29695,40 +30464,39 @@
             <a:pPr marL="457200" lvl="1" indent="0">
               <a:buNone/>
             </a:pPr>
-            <a:endParaRPr lang="en-US" altLang="ko-KR" dirty="0" smtClean="0"/>
-          </a:p>
-          <a:p>
-            <a:r>
-              <a:rPr lang="ko-KR" altLang="en-US" dirty="0" smtClean="0"/>
+            <a:endParaRPr lang="en-US" altLang="ko-KR" dirty="0"/>
+          </a:p>
+          <a:p>
+            <a:r>
+              <a:rPr lang="ko-KR" altLang="en-US" dirty="0"/>
               <a:t>각 서비스에서 권한에 맞는 리소스 접근 처리</a:t>
             </a:r>
-            <a:endParaRPr lang="en-US" altLang="ko-KR" dirty="0" smtClean="0"/>
+            <a:endParaRPr lang="en-US" altLang="ko-KR" dirty="0"/>
           </a:p>
           <a:p>
             <a:pPr marL="457200" lvl="1" indent="0">
               <a:buNone/>
             </a:pPr>
             <a:r>
-              <a:rPr lang="ko-KR" altLang="en-US" dirty="0" smtClean="0"/>
+              <a:rPr lang="ko-KR" altLang="en-US" dirty="0"/>
               <a:t>예</a:t>
             </a:r>
             <a:r>
-              <a:rPr lang="en-US" altLang="ko-KR" dirty="0" smtClean="0"/>
+              <a:rPr lang="en-US" altLang="ko-KR" dirty="0"/>
               <a:t>) </a:t>
             </a:r>
             <a:r>
-              <a:rPr lang="ko-KR" altLang="en-US" dirty="0" smtClean="0"/>
+              <a:rPr lang="ko-KR" altLang="en-US" dirty="0"/>
               <a:t>각 </a:t>
             </a:r>
             <a:r>
-              <a:rPr lang="ko-KR" altLang="en-US" dirty="0" err="1" smtClean="0"/>
+              <a:rPr lang="ko-KR" altLang="en-US" dirty="0" err="1"/>
               <a:t>서비스별</a:t>
             </a:r>
             <a:r>
-              <a:rPr lang="ko-KR" altLang="en-US" dirty="0" smtClean="0"/>
+              <a:rPr lang="ko-KR" altLang="en-US" dirty="0"/>
               <a:t> 리소스 접근 제어 방식이 상이함</a:t>
             </a:r>
-            <a:endParaRPr lang="ko-KR" altLang="en-US" dirty="0"/>
           </a:p>
         </p:txBody>
       </p:sp>
@@ -29742,13 +30510,6 @@
   <p:clrMapOvr>
     <a:masterClrMapping/>
   </p:clrMapOvr>
-  <p:timing>
-    <p:tnLst>
-      <p:par>
-        <p:cTn id="1" dur="indefinite" restart="never" nodeType="tmRoot"/>
-      </p:par>
-    </p:tnLst>
-  </p:timing>
 </p:sld>
 </file>
 
@@ -29792,18 +30553,17 @@
           <a:lstStyle/>
           <a:p>
             <a:r>
-              <a:rPr lang="ko-KR" altLang="en-US" sz="3600" dirty="0" smtClean="0"/>
+              <a:rPr lang="ko-KR" altLang="en-US" sz="3600" dirty="0"/>
               <a:t>인증 및 허가 프로세스 </a:t>
             </a:r>
             <a:r>
-              <a:rPr lang="en-US" altLang="ko-KR" sz="3600" dirty="0" smtClean="0"/>
+              <a:rPr lang="en-US" altLang="ko-KR" sz="3600" dirty="0"/>
               <a:t>– Gateway &amp; Session </a:t>
             </a:r>
             <a:r>
-              <a:rPr lang="ko-KR" altLang="en-US" sz="3600" dirty="0" smtClean="0"/>
+              <a:rPr lang="ko-KR" altLang="en-US" sz="3600" dirty="0"/>
               <a:t>사용</a:t>
             </a:r>
-            <a:endParaRPr lang="ko-KR" altLang="en-US" sz="3600" dirty="0"/>
           </a:p>
         </p:txBody>
       </p:sp>
@@ -30233,11 +30993,11 @@
           <a:lstStyle/>
           <a:p>
             <a:r>
-              <a:rPr lang="ko-KR" altLang="en-US" sz="1200" dirty="0" smtClean="0"/>
+              <a:rPr lang="ko-KR" altLang="en-US" sz="1200" dirty="0"/>
               <a:t>토큰</a:t>
             </a:r>
             <a:r>
-              <a:rPr lang="en-US" altLang="ko-KR" sz="1200" dirty="0" smtClean="0"/>
+              <a:rPr lang="en-US" altLang="ko-KR" sz="1200" dirty="0"/>
               <a:t>(Token)</a:t>
             </a:r>
             <a:endParaRPr lang="ko-KR" altLang="en-US" sz="1200" dirty="0"/>
@@ -30267,27 +31027,27 @@
           <a:lstStyle/>
           <a:p>
             <a:r>
-              <a:rPr lang="ko-KR" altLang="en-US" sz="1200" dirty="0" smtClean="0"/>
+              <a:rPr lang="ko-KR" altLang="en-US" sz="1200" dirty="0"/>
               <a:t>인증</a:t>
             </a:r>
             <a:r>
-              <a:rPr lang="en-US" altLang="ko-KR" sz="1200" dirty="0" smtClean="0"/>
+              <a:rPr lang="en-US" altLang="ko-KR" sz="1200" dirty="0"/>
               <a:t>(</a:t>
             </a:r>
             <a:r>
-              <a:rPr lang="en-US" altLang="ko-KR" sz="1200" dirty="0" err="1" smtClean="0"/>
+              <a:rPr lang="en-US" altLang="ko-KR" sz="1200" dirty="0" err="1"/>
               <a:t>userid</a:t>
             </a:r>
             <a:r>
-              <a:rPr lang="en-US" altLang="ko-KR" sz="1200" dirty="0" smtClean="0"/>
+              <a:rPr lang="en-US" altLang="ko-KR" sz="1200" dirty="0"/>
               <a:t>, </a:t>
             </a:r>
             <a:r>
-              <a:rPr lang="en-US" altLang="ko-KR" sz="1200" dirty="0" err="1" smtClean="0"/>
+              <a:rPr lang="en-US" altLang="ko-KR" sz="1200" dirty="0" err="1"/>
               <a:t>passwd</a:t>
             </a:r>
             <a:r>
-              <a:rPr lang="en-US" altLang="ko-KR" sz="1200" dirty="0" smtClean="0"/>
+              <a:rPr lang="en-US" altLang="ko-KR" sz="1200" dirty="0"/>
               <a:t>)</a:t>
             </a:r>
             <a:endParaRPr lang="ko-KR" altLang="en-US" sz="1200" dirty="0"/>
@@ -30413,7 +31173,7 @@
             <a:lstStyle/>
             <a:p>
               <a:r>
-                <a:rPr lang="en-US" altLang="ko-KR" sz="1200" dirty="0" smtClean="0"/>
+                <a:rPr lang="en-US" altLang="ko-KR" sz="1200" dirty="0"/>
                 <a:t>API Gateway </a:t>
               </a:r>
             </a:p>
@@ -30509,18 +31269,17 @@
           <a:lstStyle/>
           <a:p>
             <a:r>
-              <a:rPr lang="en-US" altLang="ko-KR" sz="1200" dirty="0" smtClean="0"/>
+              <a:rPr lang="en-US" altLang="ko-KR" sz="1200" dirty="0"/>
               <a:t>Header: Token</a:t>
             </a:r>
-            <a:endParaRPr lang="en-US" altLang="ko-KR" sz="1200" dirty="0"/>
-          </a:p>
-          <a:p>
-            <a:r>
-              <a:rPr lang="ko-KR" altLang="en-US" sz="1200" dirty="0" smtClean="0"/>
+          </a:p>
+          <a:p>
+            <a:r>
+              <a:rPr lang="ko-KR" altLang="en-US" sz="1200" dirty="0"/>
               <a:t>서비스 접근</a:t>
             </a:r>
             <a:r>
-              <a:rPr lang="en-US" altLang="ko-KR" sz="1200" dirty="0" smtClean="0"/>
+              <a:rPr lang="en-US" altLang="ko-KR" sz="1200" dirty="0"/>
               <a:t>(access)</a:t>
             </a:r>
             <a:endParaRPr lang="ko-KR" altLang="en-US" sz="1200" dirty="0"/>
@@ -30550,11 +31309,11 @@
           <a:lstStyle/>
           <a:p>
             <a:r>
-              <a:rPr lang="ko-KR" altLang="en-US" sz="1200" dirty="0" smtClean="0"/>
+              <a:rPr lang="ko-KR" altLang="en-US" sz="1200" dirty="0"/>
               <a:t>개별 </a:t>
             </a:r>
             <a:r>
-              <a:rPr lang="en-US" altLang="ko-KR" sz="1200" dirty="0" smtClean="0"/>
+              <a:rPr lang="en-US" altLang="ko-KR" sz="1200" dirty="0"/>
               <a:t>Service</a:t>
             </a:r>
           </a:p>
@@ -30655,7 +31414,7 @@
                     <a:p>
                       <a:pPr latinLnBrk="1"/>
                       <a:r>
-                        <a:rPr lang="en-US" altLang="ko-KR" sz="1100" dirty="0" err="1" smtClean="0"/>
+                        <a:rPr lang="en-US" altLang="ko-KR" sz="1100" dirty="0" err="1"/>
                         <a:t>session_id</a:t>
                       </a:r>
                       <a:endParaRPr lang="ko-KR" altLang="en-US" sz="1100" dirty="0"/>
@@ -30670,7 +31429,7 @@
                     <a:p>
                       <a:pPr latinLnBrk="1"/>
                       <a:r>
-                        <a:rPr lang="en-US" altLang="ko-KR" sz="1100" dirty="0" err="1" smtClean="0"/>
+                        <a:rPr lang="en-US" altLang="ko-KR" sz="1100" dirty="0" err="1"/>
                         <a:t>user_id</a:t>
                       </a:r>
                       <a:endParaRPr lang="ko-KR" altLang="en-US" sz="1100" dirty="0"/>
@@ -30685,7 +31444,7 @@
                     <a:p>
                       <a:pPr latinLnBrk="1"/>
                       <a:r>
-                        <a:rPr lang="en-US" altLang="ko-KR" sz="1100" dirty="0" smtClean="0"/>
+                        <a:rPr lang="en-US" altLang="ko-KR" sz="1100" dirty="0"/>
                         <a:t>role</a:t>
                       </a:r>
                       <a:endParaRPr lang="ko-KR" altLang="en-US" sz="1100" dirty="0"/>
@@ -30799,17 +31558,16 @@
           <a:lstStyle/>
           <a:p>
             <a:r>
-              <a:rPr lang="ko-KR" altLang="en-US" sz="1200" dirty="0" smtClean="0"/>
+              <a:rPr lang="ko-KR" altLang="en-US" sz="1200" dirty="0"/>
               <a:t>권한에 맞는 </a:t>
             </a:r>
-            <a:endParaRPr lang="en-US" altLang="ko-KR" sz="1200" dirty="0" smtClean="0"/>
-          </a:p>
-          <a:p>
-            <a:r>
-              <a:rPr lang="ko-KR" altLang="en-US" sz="1200" dirty="0" smtClean="0"/>
+            <a:endParaRPr lang="en-US" altLang="ko-KR" sz="1200" dirty="0"/>
+          </a:p>
+          <a:p>
+            <a:r>
+              <a:rPr lang="ko-KR" altLang="en-US" sz="1200" dirty="0"/>
               <a:t>리소스 접근</a:t>
             </a:r>
-            <a:endParaRPr lang="ko-KR" altLang="en-US" sz="1200" dirty="0"/>
           </a:p>
         </p:txBody>
       </p:sp>
@@ -30836,10 +31594,9 @@
           <a:lstStyle/>
           <a:p>
             <a:r>
-              <a:rPr lang="ko-KR" altLang="en-US" sz="1200" dirty="0" smtClean="0"/>
+              <a:rPr lang="ko-KR" altLang="en-US" sz="1200" dirty="0"/>
               <a:t>권한에 맞는 리소스 응답</a:t>
             </a:r>
-            <a:endParaRPr lang="ko-KR" altLang="en-US" sz="1200" dirty="0"/>
           </a:p>
         </p:txBody>
       </p:sp>
@@ -30880,7 +31637,7 @@
           <a:p>
             <a:pPr algn="ctr"/>
             <a:r>
-              <a:rPr lang="en-US" altLang="ko-KR" sz="1400" dirty="0" smtClean="0"/>
+              <a:rPr lang="en-US" altLang="ko-KR" sz="1400" dirty="0"/>
               <a:t>1</a:t>
             </a:r>
             <a:endParaRPr lang="ko-KR" altLang="en-US" sz="1400" dirty="0"/>
@@ -30924,7 +31681,7 @@
           <a:p>
             <a:pPr algn="ctr"/>
             <a:r>
-              <a:rPr lang="en-US" altLang="ko-KR" sz="1400" dirty="0" smtClean="0"/>
+              <a:rPr lang="en-US" altLang="ko-KR" sz="1400" dirty="0"/>
               <a:t>3</a:t>
             </a:r>
             <a:endParaRPr lang="ko-KR" altLang="en-US" sz="1400" dirty="0"/>
@@ -31119,33 +31876,32 @@
           <a:lstStyle/>
           <a:p>
             <a:r>
-              <a:rPr lang="ko-KR" altLang="en-US" sz="1200" dirty="0" smtClean="0"/>
+              <a:rPr lang="ko-KR" altLang="en-US" sz="1200" dirty="0"/>
               <a:t>토큰</a:t>
             </a:r>
             <a:r>
-              <a:rPr lang="en-US" altLang="ko-KR" sz="1200" dirty="0" smtClean="0"/>
+              <a:rPr lang="en-US" altLang="ko-KR" sz="1200" dirty="0"/>
               <a:t>(</a:t>
             </a:r>
             <a:r>
-              <a:rPr lang="en-US" altLang="ko-KR" sz="1200" dirty="0" err="1" smtClean="0"/>
+              <a:rPr lang="en-US" altLang="ko-KR" sz="1200" dirty="0" err="1"/>
               <a:t>sessionId</a:t>
             </a:r>
             <a:r>
-              <a:rPr lang="en-US" altLang="ko-KR" sz="1200" dirty="0" smtClean="0"/>
+              <a:rPr lang="en-US" altLang="ko-KR" sz="1200" dirty="0"/>
               <a:t>) </a:t>
             </a:r>
             <a:r>
-              <a:rPr lang="ko-KR" altLang="en-US" sz="1200" dirty="0" smtClean="0"/>
+              <a:rPr lang="ko-KR" altLang="en-US" sz="1200" dirty="0"/>
               <a:t>생성 및 </a:t>
             </a:r>
-            <a:endParaRPr lang="en-US" altLang="ko-KR" sz="1200" dirty="0" smtClean="0"/>
-          </a:p>
-          <a:p>
-            <a:r>
-              <a:rPr lang="ko-KR" altLang="en-US" sz="1200" dirty="0" smtClean="0"/>
+            <a:endParaRPr lang="en-US" altLang="ko-KR" sz="1200" dirty="0"/>
+          </a:p>
+          <a:p>
+            <a:r>
+              <a:rPr lang="ko-KR" altLang="en-US" sz="1200" dirty="0"/>
               <a:t>세션저장소에 사용자 정보 저장</a:t>
             </a:r>
-            <a:endParaRPr lang="ko-KR" altLang="en-US" sz="1200" dirty="0"/>
           </a:p>
         </p:txBody>
       </p:sp>
@@ -31172,17 +31928,16 @@
           <a:lstStyle/>
           <a:p>
             <a:r>
-              <a:rPr lang="ko-KR" altLang="en-US" sz="1200" dirty="0" smtClean="0"/>
+              <a:rPr lang="ko-KR" altLang="en-US" sz="1200" dirty="0"/>
               <a:t>토큰 유효성 확인 및 </a:t>
             </a:r>
-            <a:endParaRPr lang="en-US" altLang="ko-KR" sz="1200" dirty="0" smtClean="0"/>
-          </a:p>
-          <a:p>
-            <a:r>
-              <a:rPr lang="ko-KR" altLang="en-US" sz="1200" dirty="0" smtClean="0"/>
+            <a:endParaRPr lang="en-US" altLang="ko-KR" sz="1200" dirty="0"/>
+          </a:p>
+          <a:p>
+            <a:r>
+              <a:rPr lang="ko-KR" altLang="en-US" sz="1200" dirty="0"/>
               <a:t>사용자 정보 조회</a:t>
             </a:r>
-            <a:endParaRPr lang="ko-KR" altLang="en-US" sz="1200" dirty="0"/>
           </a:p>
         </p:txBody>
       </p:sp>
@@ -31223,18 +31978,17 @@
           <a:p>
             <a:pPr algn="ctr"/>
             <a:r>
-              <a:rPr lang="ko-KR" altLang="en-US" sz="1200" dirty="0" smtClean="0"/>
+              <a:rPr lang="ko-KR" altLang="en-US" sz="1200" dirty="0"/>
               <a:t>인증</a:t>
             </a:r>
-            <a:endParaRPr lang="en-US" altLang="ko-KR" sz="1200" dirty="0" smtClean="0"/>
+            <a:endParaRPr lang="en-US" altLang="ko-KR" sz="1200" dirty="0"/>
           </a:p>
           <a:p>
             <a:pPr algn="ctr"/>
             <a:r>
-              <a:rPr lang="ko-KR" altLang="en-US" sz="1200" dirty="0" smtClean="0"/>
+              <a:rPr lang="ko-KR" altLang="en-US" sz="1200" dirty="0"/>
               <a:t>필터</a:t>
             </a:r>
-            <a:endParaRPr lang="ko-KR" altLang="en-US" sz="1200" dirty="0"/>
           </a:p>
         </p:txBody>
       </p:sp>
@@ -31308,18 +32062,17 @@
           <a:p>
             <a:pPr algn="ctr"/>
             <a:r>
-              <a:rPr lang="ko-KR" altLang="en-US" sz="1200" dirty="0" smtClean="0"/>
+              <a:rPr lang="ko-KR" altLang="en-US" sz="1200" dirty="0"/>
               <a:t>세션</a:t>
             </a:r>
-            <a:endParaRPr lang="en-US" altLang="ko-KR" sz="1200" dirty="0" smtClean="0"/>
+            <a:endParaRPr lang="en-US" altLang="ko-KR" sz="1200" dirty="0"/>
           </a:p>
           <a:p>
             <a:pPr algn="ctr"/>
             <a:r>
-              <a:rPr lang="ko-KR" altLang="en-US" sz="1200" dirty="0" smtClean="0"/>
+              <a:rPr lang="ko-KR" altLang="en-US" sz="1200" dirty="0"/>
               <a:t>필터</a:t>
             </a:r>
-            <a:endParaRPr lang="ko-KR" altLang="en-US" sz="1200" dirty="0"/>
           </a:p>
         </p:txBody>
       </p:sp>
@@ -31412,7 +32165,7 @@
           <a:lstStyle/>
           <a:p>
             <a:r>
-              <a:rPr lang="en-US" altLang="ko-KR" sz="1200" dirty="0" smtClean="0"/>
+              <a:rPr lang="en-US" altLang="ko-KR" sz="1200" dirty="0"/>
               <a:t>FILTER</a:t>
             </a:r>
             <a:endParaRPr lang="ko-KR" altLang="en-US" sz="1200" dirty="0"/>
@@ -31489,7 +32242,7 @@
           <a:p>
             <a:pPr algn="ctr"/>
             <a:r>
-              <a:rPr lang="en-US" altLang="ko-KR" sz="1400" dirty="0" smtClean="0"/>
+              <a:rPr lang="en-US" altLang="ko-KR" sz="1400" dirty="0"/>
               <a:t>5</a:t>
             </a:r>
             <a:endParaRPr lang="ko-KR" altLang="en-US" sz="1400" dirty="0"/>
@@ -31518,29 +32271,29 @@
           <a:lstStyle/>
           <a:p>
             <a:r>
-              <a:rPr lang="en-US" altLang="ko-KR" sz="1200" dirty="0" smtClean="0"/>
+              <a:rPr lang="en-US" altLang="ko-KR" sz="1200" dirty="0"/>
               <a:t>Header &gt; session-profile</a:t>
             </a:r>
           </a:p>
           <a:p>
             <a:r>
-              <a:rPr lang="en-US" altLang="ko-KR" sz="1200" dirty="0" smtClean="0"/>
+              <a:rPr lang="en-US" altLang="ko-KR" sz="1200" dirty="0"/>
               <a:t>: {</a:t>
             </a:r>
             <a:r>
-              <a:rPr lang="en-US" altLang="ko-KR" sz="1200" dirty="0" err="1" smtClean="0"/>
+              <a:rPr lang="en-US" altLang="ko-KR" sz="1200" dirty="0" err="1"/>
               <a:t>sessionId</a:t>
             </a:r>
             <a:r>
-              <a:rPr lang="en-US" altLang="ko-KR" sz="1200" dirty="0" smtClean="0"/>
+              <a:rPr lang="en-US" altLang="ko-KR" sz="1200" dirty="0"/>
               <a:t>, </a:t>
             </a:r>
             <a:r>
-              <a:rPr lang="en-US" altLang="ko-KR" sz="1200" dirty="0" err="1" smtClean="0"/>
+              <a:rPr lang="en-US" altLang="ko-KR" sz="1200" dirty="0" err="1"/>
               <a:t>userId</a:t>
             </a:r>
             <a:r>
-              <a:rPr lang="en-US" altLang="ko-KR" sz="1200" dirty="0" smtClean="0"/>
+              <a:rPr lang="en-US" altLang="ko-KR" sz="1200" dirty="0"/>
               <a:t>, role …}</a:t>
             </a:r>
             <a:endParaRPr lang="ko-KR" altLang="en-US" sz="1200" dirty="0"/>
@@ -31570,7 +32323,7 @@
           <a:lstStyle/>
           <a:p>
             <a:r>
-              <a:rPr lang="en-US" altLang="ko-KR" sz="1200" dirty="0" smtClean="0"/>
+              <a:rPr lang="en-US" altLang="ko-KR" sz="1200" dirty="0"/>
               <a:t>ROUTING</a:t>
             </a:r>
             <a:endParaRPr lang="ko-KR" altLang="en-US" sz="1200" dirty="0"/>
@@ -31587,13 +32340,6 @@
   <p:clrMapOvr>
     <a:masterClrMapping/>
   </p:clrMapOvr>
-  <p:timing>
-    <p:tnLst>
-      <p:par>
-        <p:cTn id="1" dur="indefinite" restart="never" nodeType="tmRoot"/>
-      </p:par>
-    </p:tnLst>
-  </p:timing>
 </p:sld>
 </file>
 
@@ -31859,7 +32605,7 @@
             <a:p>
               <a:pPr algn="ctr" eaLnBrk="1" hangingPunct="1"/>
               <a:r>
-                <a:rPr lang="en-US" altLang="en-US" sz="1200" dirty="0" smtClean="0">
+                <a:rPr lang="en-US" altLang="en-US" sz="1200" dirty="0">
                   <a:latin typeface="Arial" panose="020B0604020202020204" pitchFamily="34" charset="0"/>
                   <a:ea typeface="Amazon Ember" pitchFamily="34" charset="0"/>
                   <a:cs typeface="Arial" panose="020B0604020202020204" pitchFamily="34" charset="0"/>
@@ -32379,7 +33125,7 @@
             <a:p>
               <a:pPr algn="ctr" eaLnBrk="1" hangingPunct="1"/>
               <a:r>
-                <a:rPr lang="en-US" altLang="en-US" sz="1200" dirty="0" err="1" smtClean="0">
+                <a:rPr lang="en-US" altLang="en-US" sz="1200" dirty="0" err="1">
                   <a:latin typeface="Arial" panose="020B0604020202020204" pitchFamily="34" charset="0"/>
                   <a:ea typeface="Amazon Ember" pitchFamily="34" charset="0"/>
                   <a:cs typeface="Arial" panose="020B0604020202020204" pitchFamily="34" charset="0"/>
@@ -33243,7 +33989,7 @@
           <a:p>
             <a:pPr algn="ctr" eaLnBrk="1" hangingPunct="1"/>
             <a:r>
-              <a:rPr lang="en-US" altLang="en-US" sz="1200" dirty="0" err="1" smtClean="0">
+              <a:rPr lang="en-US" altLang="en-US" sz="1200" dirty="0" err="1">
                 <a:latin typeface="Arial" panose="020B0604020202020204" pitchFamily="34" charset="0"/>
                 <a:ea typeface="Amazon Ember" pitchFamily="34" charset="0"/>
                 <a:cs typeface="Arial" panose="020B0604020202020204" pitchFamily="34" charset="0"/>
@@ -33251,7 +33997,7 @@
               <a:t>Postgres</a:t>
             </a:r>
             <a:r>
-              <a:rPr lang="en-US" altLang="en-US" sz="1200" dirty="0" smtClean="0">
+              <a:rPr lang="en-US" altLang="en-US" sz="1200" dirty="0">
                 <a:latin typeface="Arial" panose="020B0604020202020204" pitchFamily="34" charset="0"/>
                 <a:ea typeface="Amazon Ember" pitchFamily="34" charset="0"/>
                 <a:cs typeface="Arial" panose="020B0604020202020204" pitchFamily="34" charset="0"/>
@@ -33259,7 +34005,7 @@
               <a:t> </a:t>
             </a:r>
             <a:r>
-              <a:rPr lang="en-US" altLang="en-US" sz="1200" dirty="0" err="1" smtClean="0">
+              <a:rPr lang="en-US" altLang="en-US" sz="1200" dirty="0" err="1">
                 <a:latin typeface="Arial" panose="020B0604020202020204" pitchFamily="34" charset="0"/>
                 <a:ea typeface="Amazon Ember" pitchFamily="34" charset="0"/>
                 <a:cs typeface="Arial" panose="020B0604020202020204" pitchFamily="34" charset="0"/>
@@ -33267,18 +34013,13 @@
               <a:t>Auth</a:t>
             </a:r>
             <a:r>
-              <a:rPr lang="en-US" altLang="en-US" sz="1200" dirty="0" smtClean="0">
+              <a:rPr lang="en-US" altLang="en-US" sz="1200" dirty="0">
                 <a:latin typeface="Arial" panose="020B0604020202020204" pitchFamily="34" charset="0"/>
                 <a:ea typeface="Amazon Ember" pitchFamily="34" charset="0"/>
                 <a:cs typeface="Arial" panose="020B0604020202020204" pitchFamily="34" charset="0"/>
               </a:rPr>
               <a:t> DB</a:t>
             </a:r>
-            <a:endParaRPr lang="en-US" altLang="en-US" sz="1200" dirty="0">
-              <a:latin typeface="Arial" panose="020B0604020202020204" pitchFamily="34" charset="0"/>
-              <a:ea typeface="Amazon Ember" pitchFamily="34" charset="0"/>
-              <a:cs typeface="Arial" panose="020B0604020202020204" pitchFamily="34" charset="0"/>
-            </a:endParaRPr>
           </a:p>
         </p:txBody>
       </p:sp>
@@ -33311,15 +34052,15 @@
           <a:lstStyle/>
           <a:p>
             <a:r>
-              <a:rPr lang="en-US" altLang="ko-KR" sz="1200" dirty="0" smtClean="0"/>
+              <a:rPr lang="en-US" altLang="ko-KR" sz="1200" dirty="0"/>
               <a:t>POST /</a:t>
             </a:r>
             <a:r>
-              <a:rPr lang="en-US" altLang="ko-KR" sz="1200" dirty="0" err="1" smtClean="0"/>
+              <a:rPr lang="en-US" altLang="ko-KR" sz="1200" dirty="0" err="1"/>
               <a:t>auth</a:t>
             </a:r>
             <a:r>
-              <a:rPr lang="en-US" altLang="ko-KR" sz="1200" dirty="0" smtClean="0"/>
+              <a:rPr lang="en-US" altLang="ko-KR" sz="1200" dirty="0"/>
               <a:t>/signup</a:t>
             </a:r>
             <a:endParaRPr lang="ko-KR" altLang="en-US" sz="1200" dirty="0"/>
@@ -33349,10 +34090,10 @@
           <a:lstStyle/>
           <a:p>
             <a:r>
-              <a:rPr lang="ko-KR" altLang="en-US" sz="1400" dirty="0" smtClean="0"/>
+              <a:rPr lang="ko-KR" altLang="en-US" sz="1400" dirty="0"/>
               <a:t>테이블</a:t>
             </a:r>
-            <a:endParaRPr lang="en-US" altLang="ko-KR" sz="1400" dirty="0" smtClean="0"/>
+            <a:endParaRPr lang="en-US" altLang="ko-KR" sz="1400" dirty="0"/>
           </a:p>
           <a:p>
             <a:pPr marL="285750" indent="-285750">
@@ -33360,23 +34101,23 @@
               <a:buChar char="-"/>
             </a:pPr>
             <a:r>
-              <a:rPr lang="en-US" altLang="ko-KR" sz="1400" dirty="0" smtClean="0"/>
+              <a:rPr lang="en-US" altLang="ko-KR" sz="1400" dirty="0"/>
               <a:t>login(id, </a:t>
             </a:r>
             <a:r>
-              <a:rPr lang="en-US" altLang="ko-KR" sz="1400" dirty="0" err="1" smtClean="0"/>
+              <a:rPr lang="en-US" altLang="ko-KR" sz="1400" dirty="0" err="1"/>
               <a:t>userid</a:t>
             </a:r>
             <a:r>
-              <a:rPr lang="en-US" altLang="ko-KR" sz="1400" dirty="0" smtClean="0"/>
+              <a:rPr lang="en-US" altLang="ko-KR" sz="1400" dirty="0"/>
               <a:t>, </a:t>
             </a:r>
             <a:r>
-              <a:rPr lang="en-US" altLang="ko-KR" sz="1400" dirty="0" err="1" smtClean="0"/>
+              <a:rPr lang="en-US" altLang="ko-KR" sz="1400" dirty="0" err="1"/>
               <a:t>passwd</a:t>
             </a:r>
             <a:r>
-              <a:rPr lang="en-US" altLang="ko-KR" sz="1400" dirty="0" smtClean="0"/>
+              <a:rPr lang="en-US" altLang="ko-KR" sz="1400" dirty="0"/>
               <a:t>)</a:t>
             </a:r>
           </a:p>
@@ -33386,20 +34127,16 @@
               <a:buChar char="-"/>
             </a:pPr>
             <a:r>
-              <a:rPr lang="en-US" altLang="ko-KR" sz="1400" dirty="0" smtClean="0"/>
+              <a:rPr lang="en-US" altLang="ko-KR" sz="1400" dirty="0"/>
               <a:t>profile(id, username, email, </a:t>
             </a:r>
             <a:r>
-              <a:rPr lang="en-US" altLang="ko-KR" sz="1400" dirty="0" err="1" smtClean="0"/>
+              <a:rPr lang="en-US" altLang="ko-KR" sz="1400" dirty="0" err="1"/>
               <a:t>img</a:t>
             </a:r>
             <a:r>
-              <a:rPr lang="en-US" altLang="ko-KR" sz="1400" dirty="0" smtClean="0"/>
-              <a:t>, </a:t>
-            </a:r>
-            <a:r>
               <a:rPr lang="en-US" altLang="ko-KR" sz="1400" dirty="0"/>
-              <a:t>role, </a:t>
+              <a:t>, role, </a:t>
             </a:r>
             <a:r>
               <a:rPr lang="en-US" altLang="ko-KR" sz="1400" dirty="0" err="1"/>
@@ -33521,10 +34258,9 @@
           <a:lstStyle/>
           <a:p>
             <a:r>
-              <a:rPr lang="ko-KR" altLang="en-US" sz="1200" dirty="0" smtClean="0"/>
+              <a:rPr lang="ko-KR" altLang="en-US" sz="1200" dirty="0"/>
               <a:t>인증 정보 및 사용자 정보 생성</a:t>
             </a:r>
-            <a:endParaRPr lang="ko-KR" altLang="en-US" sz="1200" dirty="0"/>
           </a:p>
         </p:txBody>
       </p:sp>
@@ -33590,7 +34326,7 @@
           <a:lstStyle/>
           <a:p>
             <a:r>
-              <a:rPr lang="en-US" altLang="ko-KR" sz="1200" dirty="0" smtClean="0"/>
+              <a:rPr lang="en-US" altLang="ko-KR" sz="1200" dirty="0"/>
               <a:t>FILTER</a:t>
             </a:r>
             <a:endParaRPr lang="ko-KR" altLang="en-US" sz="1200" dirty="0"/>
@@ -33667,7 +34403,7 @@
           <a:lstStyle/>
           <a:p>
             <a:r>
-              <a:rPr lang="en-US" altLang="ko-KR" sz="1200" dirty="0" smtClean="0"/>
+              <a:rPr lang="en-US" altLang="ko-KR" sz="1200" dirty="0"/>
               <a:t>201 Created</a:t>
             </a:r>
             <a:endParaRPr lang="ko-KR" altLang="en-US" sz="1200" dirty="0"/>
@@ -33711,7 +34447,7 @@
           <a:p>
             <a:pPr algn="ctr"/>
             <a:r>
-              <a:rPr lang="en-US" altLang="ko-KR" sz="1400" dirty="0" smtClean="0"/>
+              <a:rPr lang="en-US" altLang="ko-KR" sz="1400" dirty="0"/>
               <a:t>1</a:t>
             </a:r>
             <a:endParaRPr lang="ko-KR" altLang="en-US" sz="1400" dirty="0"/>
@@ -33799,7 +34535,7 @@
           <a:p>
             <a:pPr algn="ctr"/>
             <a:r>
-              <a:rPr lang="en-US" altLang="ko-KR" sz="1400" dirty="0" smtClean="0"/>
+              <a:rPr lang="en-US" altLang="ko-KR" sz="1400" dirty="0"/>
               <a:t>3</a:t>
             </a:r>
             <a:endParaRPr lang="ko-KR" altLang="en-US" sz="1400" dirty="0"/>
@@ -33829,18 +34565,9 @@
           <a:lstStyle/>
           <a:p>
             <a:r>
-              <a:rPr lang="ko-KR" altLang="en-US" sz="3600" dirty="0" smtClean="0"/>
-              <a:t>인증 </a:t>
-            </a:r>
-            <a:r>
               <a:rPr lang="ko-KR" altLang="en-US" sz="3600" dirty="0"/>
-              <a:t>정보 및 사용자 정보 </a:t>
-            </a:r>
-            <a:r>
-              <a:rPr lang="ko-KR" altLang="en-US" sz="3600" dirty="0" smtClean="0"/>
-              <a:t>생성</a:t>
-            </a:r>
-            <a:endParaRPr lang="ko-KR" altLang="en-US" sz="3600" dirty="0"/>
+              <a:t>인증 정보 및 사용자 정보 생성</a:t>
+            </a:r>
           </a:p>
         </p:txBody>
       </p:sp>
@@ -34150,4 +34877,299 @@
     </a:ext>
   </a:extLst>
 </a:theme>
+</file>
+
+<file path=ppt/theme/theme2.xml><?xml version="1.0" encoding="utf-8"?>
+<a:theme xmlns:a="http://schemas.openxmlformats.org/drawingml/2006/main" name="Office 테마">
+  <a:themeElements>
+    <a:clrScheme name="Office">
+      <a:dk1>
+        <a:sysClr val="windowText" lastClr="000000"/>
+      </a:dk1>
+      <a:lt1>
+        <a:sysClr val="window" lastClr="FFFFFF"/>
+      </a:lt1>
+      <a:dk2>
+        <a:srgbClr val="44546A"/>
+      </a:dk2>
+      <a:lt2>
+        <a:srgbClr val="E7E6E6"/>
+      </a:lt2>
+      <a:accent1>
+        <a:srgbClr val="4472C4"/>
+      </a:accent1>
+      <a:accent2>
+        <a:srgbClr val="ED7D31"/>
+      </a:accent2>
+      <a:accent3>
+        <a:srgbClr val="A5A5A5"/>
+      </a:accent3>
+      <a:accent4>
+        <a:srgbClr val="FFC000"/>
+      </a:accent4>
+      <a:accent5>
+        <a:srgbClr val="5B9BD5"/>
+      </a:accent5>
+      <a:accent6>
+        <a:srgbClr val="70AD47"/>
+      </a:accent6>
+      <a:hlink>
+        <a:srgbClr val="0563C1"/>
+      </a:hlink>
+      <a:folHlink>
+        <a:srgbClr val="954F72"/>
+      </a:folHlink>
+    </a:clrScheme>
+    <a:fontScheme name="Office">
+      <a:majorFont>
+        <a:latin typeface="맑은 고딕" panose="020F0302020204030204"/>
+        <a:ea typeface=""/>
+        <a:cs typeface=""/>
+        <a:font script="Jpan" typeface="游ゴシック Light"/>
+        <a:font script="Hang" typeface="맑은 고딕"/>
+        <a:font script="Hans" typeface="等线 Light"/>
+        <a:font script="Hant" typeface="新細明體"/>
+        <a:font script="Arab" typeface="Times New Roman"/>
+        <a:font script="Hebr" typeface="Times New Roman"/>
+        <a:font script="Thai" typeface="Angsana New"/>
+        <a:font script="Ethi" typeface="Nyala"/>
+        <a:font script="Beng" typeface="Vrinda"/>
+        <a:font script="Gujr" typeface="Shruti"/>
+        <a:font script="Khmr" typeface="MoolBoran"/>
+        <a:font script="Knda" typeface="Tunga"/>
+        <a:font script="Guru" typeface="Raavi"/>
+        <a:font script="Cans" typeface="Euphemia"/>
+        <a:font script="Cher" typeface="Plantagenet Cherokee"/>
+        <a:font script="Yiii" typeface="Microsoft Yi Baiti"/>
+        <a:font script="Tibt" typeface="Microsoft Himalaya"/>
+        <a:font script="Thaa" typeface="MV Boli"/>
+        <a:font script="Deva" typeface="Mangal"/>
+        <a:font script="Telu" typeface="Gautami"/>
+        <a:font script="Taml" typeface="Latha"/>
+        <a:font script="Syrc" typeface="Estrangelo Edessa"/>
+        <a:font script="Orya" typeface="Kalinga"/>
+        <a:font script="Mlym" typeface="Kartika"/>
+        <a:font script="Laoo" typeface="DokChampa"/>
+        <a:font script="Sinh" typeface="Iskoola Pota"/>
+        <a:font script="Mong" typeface="Mongolian Baiti"/>
+        <a:font script="Viet" typeface="Times New Roman"/>
+        <a:font script="Uigh" typeface="Microsoft Uighur"/>
+        <a:font script="Geor" typeface="Sylfaen"/>
+        <a:font script="Armn" typeface="Arial"/>
+        <a:font script="Bugi" typeface="Leelawadee UI"/>
+        <a:font script="Bopo" typeface="Microsoft JhengHei"/>
+        <a:font script="Java" typeface="Javanese Text"/>
+        <a:font script="Lisu" typeface="Segoe UI"/>
+        <a:font script="Mymr" typeface="Myanmar Text"/>
+        <a:font script="Nkoo" typeface="Ebrima"/>
+        <a:font script="Olck" typeface="Nirmala UI"/>
+        <a:font script="Osma" typeface="Ebrima"/>
+        <a:font script="Phag" typeface="Phagspa"/>
+        <a:font script="Syrn" typeface="Estrangelo Edessa"/>
+        <a:font script="Syrj" typeface="Estrangelo Edessa"/>
+        <a:font script="Syre" typeface="Estrangelo Edessa"/>
+        <a:font script="Sora" typeface="Nirmala UI"/>
+        <a:font script="Tale" typeface="Microsoft Tai Le"/>
+        <a:font script="Talu" typeface="Microsoft New Tai Lue"/>
+        <a:font script="Tfng" typeface="Ebrima"/>
+      </a:majorFont>
+      <a:minorFont>
+        <a:latin typeface="맑은 고딕" panose="020F0502020204030204"/>
+        <a:ea typeface=""/>
+        <a:cs typeface=""/>
+        <a:font script="Jpan" typeface="游ゴシック"/>
+        <a:font script="Hang" typeface="맑은 고딕"/>
+        <a:font script="Hans" typeface="等线"/>
+        <a:font script="Hant" typeface="新細明體"/>
+        <a:font script="Arab" typeface="Arial"/>
+        <a:font script="Hebr" typeface="Arial"/>
+        <a:font script="Thai" typeface="Cordia New"/>
+        <a:font script="Ethi" typeface="Nyala"/>
+        <a:font script="Beng" typeface="Vrinda"/>
+        <a:font script="Gujr" typeface="Shruti"/>
+        <a:font script="Khmr" typeface="DaunPenh"/>
+        <a:font script="Knda" typeface="Tunga"/>
+        <a:font script="Guru" typeface="Raavi"/>
+        <a:font script="Cans" typeface="Euphemia"/>
+        <a:font script="Cher" typeface="Plantagenet Cherokee"/>
+        <a:font script="Yiii" typeface="Microsoft Yi Baiti"/>
+        <a:font script="Tibt" typeface="Microsoft Himalaya"/>
+        <a:font script="Thaa" typeface="MV Boli"/>
+        <a:font script="Deva" typeface="Mangal"/>
+        <a:font script="Telu" typeface="Gautami"/>
+        <a:font script="Taml" typeface="Latha"/>
+        <a:font script="Syrc" typeface="Estrangelo Edessa"/>
+        <a:font script="Orya" typeface="Kalinga"/>
+        <a:font script="Mlym" typeface="Kartika"/>
+        <a:font script="Laoo" typeface="DokChampa"/>
+        <a:font script="Sinh" typeface="Iskoola Pota"/>
+        <a:font script="Mong" typeface="Mongolian Baiti"/>
+        <a:font script="Viet" typeface="Arial"/>
+        <a:font script="Uigh" typeface="Microsoft Uighur"/>
+        <a:font script="Geor" typeface="Sylfaen"/>
+        <a:font script="Armn" typeface="Arial"/>
+        <a:font script="Bugi" typeface="Leelawadee UI"/>
+        <a:font script="Bopo" typeface="Microsoft JhengHei"/>
+        <a:font script="Java" typeface="Javanese Text"/>
+        <a:font script="Lisu" typeface="Segoe UI"/>
+        <a:font script="Mymr" typeface="Myanmar Text"/>
+        <a:font script="Nkoo" typeface="Ebrima"/>
+        <a:font script="Olck" typeface="Nirmala UI"/>
+        <a:font script="Osma" typeface="Ebrima"/>
+        <a:font script="Phag" typeface="Phagspa"/>
+        <a:font script="Syrn" typeface="Estrangelo Edessa"/>
+        <a:font script="Syrj" typeface="Estrangelo Edessa"/>
+        <a:font script="Syre" typeface="Estrangelo Edessa"/>
+        <a:font script="Sora" typeface="Nirmala UI"/>
+        <a:font script="Tale" typeface="Microsoft Tai Le"/>
+        <a:font script="Talu" typeface="Microsoft New Tai Lue"/>
+        <a:font script="Tfng" typeface="Ebrima"/>
+      </a:minorFont>
+    </a:fontScheme>
+    <a:fmtScheme name="Office">
+      <a:fillStyleLst>
+        <a:solidFill>
+          <a:schemeClr val="phClr"/>
+        </a:solidFill>
+        <a:gradFill rotWithShape="1">
+          <a:gsLst>
+            <a:gs pos="0">
+              <a:schemeClr val="phClr">
+                <a:lumMod val="110000"/>
+                <a:satMod val="105000"/>
+                <a:tint val="67000"/>
+              </a:schemeClr>
+            </a:gs>
+            <a:gs pos="50000">
+              <a:schemeClr val="phClr">
+                <a:lumMod val="105000"/>
+                <a:satMod val="103000"/>
+                <a:tint val="73000"/>
+              </a:schemeClr>
+            </a:gs>
+            <a:gs pos="100000">
+              <a:schemeClr val="phClr">
+                <a:lumMod val="105000"/>
+                <a:satMod val="109000"/>
+                <a:tint val="81000"/>
+              </a:schemeClr>
+            </a:gs>
+          </a:gsLst>
+          <a:lin ang="5400000" scaled="0"/>
+        </a:gradFill>
+        <a:gradFill rotWithShape="1">
+          <a:gsLst>
+            <a:gs pos="0">
+              <a:schemeClr val="phClr">
+                <a:satMod val="103000"/>
+                <a:lumMod val="102000"/>
+                <a:tint val="94000"/>
+              </a:schemeClr>
+            </a:gs>
+            <a:gs pos="50000">
+              <a:schemeClr val="phClr">
+                <a:satMod val="110000"/>
+                <a:lumMod val="100000"/>
+                <a:shade val="100000"/>
+              </a:schemeClr>
+            </a:gs>
+            <a:gs pos="100000">
+              <a:schemeClr val="phClr">
+                <a:lumMod val="99000"/>
+                <a:satMod val="120000"/>
+                <a:shade val="78000"/>
+              </a:schemeClr>
+            </a:gs>
+          </a:gsLst>
+          <a:lin ang="5400000" scaled="0"/>
+        </a:gradFill>
+      </a:fillStyleLst>
+      <a:lnStyleLst>
+        <a:ln w="6350" cap="flat" cmpd="sng" algn="ctr">
+          <a:solidFill>
+            <a:schemeClr val="phClr"/>
+          </a:solidFill>
+          <a:prstDash val="solid"/>
+          <a:miter lim="800000"/>
+        </a:ln>
+        <a:ln w="12700" cap="flat" cmpd="sng" algn="ctr">
+          <a:solidFill>
+            <a:schemeClr val="phClr"/>
+          </a:solidFill>
+          <a:prstDash val="solid"/>
+          <a:miter lim="800000"/>
+        </a:ln>
+        <a:ln w="19050" cap="flat" cmpd="sng" algn="ctr">
+          <a:solidFill>
+            <a:schemeClr val="phClr"/>
+          </a:solidFill>
+          <a:prstDash val="solid"/>
+          <a:miter lim="800000"/>
+        </a:ln>
+      </a:lnStyleLst>
+      <a:effectStyleLst>
+        <a:effectStyle>
+          <a:effectLst/>
+        </a:effectStyle>
+        <a:effectStyle>
+          <a:effectLst/>
+        </a:effectStyle>
+        <a:effectStyle>
+          <a:effectLst>
+            <a:outerShdw blurRad="57150" dist="19050" dir="5400000" algn="ctr" rotWithShape="0">
+              <a:srgbClr val="000000">
+                <a:alpha val="63000"/>
+              </a:srgbClr>
+            </a:outerShdw>
+          </a:effectLst>
+        </a:effectStyle>
+      </a:effectStyleLst>
+      <a:bgFillStyleLst>
+        <a:solidFill>
+          <a:schemeClr val="phClr"/>
+        </a:solidFill>
+        <a:solidFill>
+          <a:schemeClr val="phClr">
+            <a:tint val="95000"/>
+            <a:satMod val="170000"/>
+          </a:schemeClr>
+        </a:solidFill>
+        <a:gradFill rotWithShape="1">
+          <a:gsLst>
+            <a:gs pos="0">
+              <a:schemeClr val="phClr">
+                <a:tint val="93000"/>
+                <a:satMod val="150000"/>
+                <a:shade val="98000"/>
+                <a:lumMod val="102000"/>
+              </a:schemeClr>
+            </a:gs>
+            <a:gs pos="50000">
+              <a:schemeClr val="phClr">
+                <a:tint val="98000"/>
+                <a:satMod val="130000"/>
+                <a:shade val="90000"/>
+                <a:lumMod val="103000"/>
+              </a:schemeClr>
+            </a:gs>
+            <a:gs pos="100000">
+              <a:schemeClr val="phClr">
+                <a:shade val="63000"/>
+                <a:satMod val="120000"/>
+              </a:schemeClr>
+            </a:gs>
+          </a:gsLst>
+          <a:lin ang="5400000" scaled="0"/>
+        </a:gradFill>
+      </a:bgFillStyleLst>
+    </a:fmtScheme>
+  </a:themeElements>
+  <a:objectDefaults/>
+  <a:extraClrSchemeLst/>
+  <a:extLst>
+    <a:ext uri="{05A4C25C-085E-4340-85A3-A5531E510DB2}">
+      <thm15:themeFamily xmlns:thm15="http://schemas.microsoft.com/office/thememl/2012/main" name="Office Theme" id="{62F939B6-93AF-4DB8-9C6B-D6C7DFDC589F}" vid="{4A3C46E8-61CC-4603-A589-7422A47A8E4A}"/>
+    </a:ext>
+  </a:extLst>
+</a:theme>
 </file>